--- a/img/vote.pptx
+++ b/img/vote.pptx
@@ -151,7 +151,7 @@
       </p14:sectionLst>
     </p:ext>
     <p:ext uri="{EFAFB233-063F-42B5-8137-9DF3F51BA10A}">
-      <p15:sldGuideLst xmlns:p15="http://schemas.microsoft.com/office/powerpoint/2012/main" xmlns="">
+      <p15:sldGuideLst xmlns="" xmlns:p15="http://schemas.microsoft.com/office/powerpoint/2012/main">
         <p15:guide id="1" orient="horz" pos="2160">
           <p15:clr>
             <a:srgbClr val="A4A3A4"/>
@@ -165,7 +165,7 @@
       </p15:sldGuideLst>
     </p:ext>
     <p:ext uri="{2D200454-40CA-4A62-9FC3-DE9A4176ACB9}">
-      <p15:notesGuideLst xmlns:p15="http://schemas.microsoft.com/office/powerpoint/2012/main" xmlns="">
+      <p15:notesGuideLst xmlns="" xmlns:p15="http://schemas.microsoft.com/office/powerpoint/2012/main">
         <p15:guide id="1" orient="horz" pos="3223">
           <p15:clr>
             <a:srgbClr val="A4A3A4"/>
@@ -1993,7 +1993,7 @@
           <a:p>
             <a:pPr algn="ctr"/>
             <a:r>
-              <a:rPr kumimoji="1" lang="ja-JP" altLang="en-US" sz="1200" smtClean="0">
+              <a:rPr kumimoji="1" lang="ja-JP" altLang="en-US" sz="1050" smtClean="0">
                 <a:solidFill>
                   <a:srgbClr val="000000"/>
                 </a:solidFill>
@@ -2002,7 +2002,7 @@
               </a:rPr>
               <a:t>ミックスネット</a:t>
             </a:r>
-            <a:endParaRPr kumimoji="1" lang="ja-JP" altLang="en-US" sz="1200">
+            <a:endParaRPr kumimoji="1" lang="ja-JP" altLang="en-US" sz="1050">
               <a:solidFill>
                 <a:srgbClr val="000000"/>
               </a:solidFill>
@@ -2022,8 +2022,8 @@
         </p:nvCxnSpPr>
         <p:spPr>
           <a:xfrm flipV="1">
-            <a:off x="2760498" y="2169976"/>
-            <a:ext cx="245582" cy="326092"/>
+            <a:off x="2673999" y="2169976"/>
+            <a:ext cx="332081" cy="326092"/>
           </a:xfrm>
           <a:prstGeom prst="straightConnector1">
             <a:avLst/>
@@ -2050,8 +2050,8 @@
           </a:fontRef>
         </p:style>
       </p:cxnSp>
-      <mc:AlternateContent xmlns:mc="http://schemas.openxmlformats.org/markup-compatibility/2006" xmlns:a14="http://schemas.microsoft.com/office/drawing/2010/main">
-        <mc:Choice Requires="a14">
+      <mc:AlternateContent xmlns:mc="http://schemas.openxmlformats.org/markup-compatibility/2006">
+        <mc:Choice xmlns:a14="http://schemas.microsoft.com/office/drawing/2010/main" Requires="a14">
           <p:sp>
             <p:nvSpPr>
               <p:cNvPr id="20" name="テキスト ボックス 19"/>
@@ -2061,7 +2061,7 @@
             <p:spPr>
               <a:xfrm>
                 <a:off x="2213992" y="2496068"/>
-                <a:ext cx="1093011" cy="228183"/>
+                <a:ext cx="920014" cy="205100"/>
               </a:xfrm>
               <a:prstGeom prst="rect">
                 <a:avLst/>
@@ -2088,7 +2088,7 @@
                       <m:sSub>
                         <m:sSubPr>
                           <m:ctrlPr>
-                            <a:rPr lang="en-US" altLang="ja-JP" sz="1200" b="0" i="1" smtClean="0">
+                            <a:rPr lang="en-US" altLang="ja-JP" sz="1050" b="0" i="1" smtClean="0">
                               <a:latin typeface="Cambria Math"/>
                               <a:ea typeface="HG丸ｺﾞｼｯｸM-PRO" panose="020F0600000000000000" pitchFamily="50" charset="-128"/>
                               <a:cs typeface="Courier New" pitchFamily="49" charset="0"/>
@@ -2097,7 +2097,7 @@
                         </m:sSubPr>
                         <m:e>
                           <m:r>
-                            <a:rPr lang="en-US" altLang="ja-JP" sz="1200" b="0" i="1" smtClean="0">
+                            <a:rPr lang="en-US" altLang="ja-JP" sz="1050" b="0" i="1" smtClean="0">
                               <a:latin typeface="Cambria Math"/>
                               <a:ea typeface="HG丸ｺﾞｼｯｸM-PRO" panose="020F0600000000000000" pitchFamily="50" charset="-128"/>
                               <a:cs typeface="Courier New" pitchFamily="49" charset="0"/>
@@ -2107,7 +2107,7 @@
                         </m:e>
                         <m:sub>
                           <m:r>
-                            <a:rPr lang="en-US" altLang="ja-JP" sz="1200" b="0" i="1" smtClean="0">
+                            <a:rPr lang="en-US" altLang="ja-JP" sz="1050" b="0" i="1" smtClean="0">
                               <a:latin typeface="Cambria Math"/>
                               <a:ea typeface="HG丸ｺﾞｼｯｸM-PRO" panose="020F0600000000000000" pitchFamily="50" charset="-128"/>
                               <a:cs typeface="Courier New" pitchFamily="49" charset="0"/>
@@ -2117,7 +2117,7 @@
                         </m:sub>
                       </m:sSub>
                       <m:r>
-                        <a:rPr lang="en-US" altLang="ja-JP" sz="1200" b="0" i="1" smtClean="0">
+                        <a:rPr lang="en-US" altLang="ja-JP" sz="1050" b="0" i="1" smtClean="0">
                           <a:latin typeface="Cambria Math"/>
                           <a:ea typeface="HG丸ｺﾞｼｯｸM-PRO" panose="020F0600000000000000" pitchFamily="50" charset="-128"/>
                           <a:cs typeface="Courier New" pitchFamily="49" charset="0"/>
@@ -2125,15 +2125,18 @@
                         <m:t>=</m:t>
                       </m:r>
                       <m:r>
-                        <a:rPr lang="en-US" altLang="ja-JP" sz="1200" b="0" i="1" smtClean="0">
+                        <m:rPr>
+                          <m:sty m:val="p"/>
+                        </m:rPr>
+                        <a:rPr lang="en-US" altLang="ja-JP" sz="1050" b="0" i="0" smtClean="0">
                           <a:latin typeface="Cambria Math"/>
                           <a:ea typeface="HG丸ｺﾞｼｯｸM-PRO" panose="020F0600000000000000" pitchFamily="50" charset="-128"/>
                           <a:cs typeface="Courier New" pitchFamily="49" charset="0"/>
                         </a:rPr>
-                        <m:t>𝐸𝑛𝑐</m:t>
+                        <m:t>Enc</m:t>
                       </m:r>
                       <m:r>
-                        <a:rPr lang="en-US" altLang="ja-JP" sz="1200" b="0" i="1" smtClean="0">
+                        <a:rPr lang="en-US" altLang="ja-JP" sz="1050" b="0" i="1" smtClean="0">
                           <a:latin typeface="Cambria Math"/>
                           <a:ea typeface="HG丸ｺﾞｼｯｸM-PRO" panose="020F0600000000000000" pitchFamily="50" charset="-128"/>
                           <a:cs typeface="Courier New" pitchFamily="49" charset="0"/>
@@ -2143,7 +2146,7 @@
                       <m:sSub>
                         <m:sSubPr>
                           <m:ctrlPr>
-                            <a:rPr lang="en-US" altLang="ja-JP" sz="1200" b="0" i="1" smtClean="0">
+                            <a:rPr lang="en-US" altLang="ja-JP" sz="1050" b="0" i="1" smtClean="0">
                               <a:latin typeface="Cambria Math"/>
                               <a:ea typeface="HG丸ｺﾞｼｯｸM-PRO" panose="020F0600000000000000" pitchFamily="50" charset="-128"/>
                               <a:cs typeface="Courier New" pitchFamily="49" charset="0"/>
@@ -2152,7 +2155,7 @@
                         </m:sSubPr>
                         <m:e>
                           <m:r>
-                            <a:rPr lang="en-US" altLang="ja-JP" sz="1200" b="0" i="1" smtClean="0">
+                            <a:rPr lang="en-US" altLang="ja-JP" sz="1050" b="0" i="1" smtClean="0">
                               <a:latin typeface="Cambria Math"/>
                               <a:ea typeface="HG丸ｺﾞｼｯｸM-PRO" panose="020F0600000000000000" pitchFamily="50" charset="-128"/>
                               <a:cs typeface="Courier New" pitchFamily="49" charset="0"/>
@@ -2162,7 +2165,7 @@
                         </m:e>
                         <m:sub>
                           <m:r>
-                            <a:rPr lang="en-US" altLang="ja-JP" sz="1200" b="0" i="1" smtClean="0">
+                            <a:rPr lang="en-US" altLang="ja-JP" sz="1050" b="0" i="1" smtClean="0">
                               <a:latin typeface="Cambria Math"/>
                               <a:ea typeface="HG丸ｺﾞｼｯｸM-PRO" panose="020F0600000000000000" pitchFamily="50" charset="-128"/>
                               <a:cs typeface="Courier New" pitchFamily="49" charset="0"/>
@@ -2172,7 +2175,7 @@
                         </m:sub>
                       </m:sSub>
                       <m:r>
-                        <a:rPr lang="en-US" altLang="ja-JP" sz="1200" b="0" i="1" smtClean="0">
+                        <a:rPr lang="en-US" altLang="ja-JP" sz="1050" b="0" i="1" smtClean="0">
                           <a:latin typeface="Cambria Math"/>
                           <a:ea typeface="HG丸ｺﾞｼｯｸM-PRO" panose="020F0600000000000000" pitchFamily="50" charset="-128"/>
                           <a:cs typeface="Courier New" pitchFamily="49" charset="0"/>
@@ -2182,7 +2185,7 @@
                     </m:oMath>
                   </m:oMathPara>
                 </a14:m>
-                <a:endParaRPr lang="ja-JP" altLang="en-US" sz="1200">
+                <a:endParaRPr lang="ja-JP" altLang="en-US" sz="1050">
                   <a:latin typeface="HG丸ｺﾞｼｯｸM-PRO" panose="020F0600000000000000" pitchFamily="50" charset="-128"/>
                   <a:ea typeface="HG丸ｺﾞｼｯｸM-PRO" panose="020F0600000000000000" pitchFamily="50" charset="-128"/>
                   <a:cs typeface="Courier New" pitchFamily="49" charset="0"/>
@@ -2191,7 +2194,7 @@
             </p:txBody>
           </p:sp>
         </mc:Choice>
-        <mc:Fallback xmlns="">
+        <mc:Fallback>
           <p:sp>
             <p:nvSpPr>
               <p:cNvPr id="20" name="テキスト ボックス 19"/>
@@ -2203,7 +2206,7 @@
             <p:spPr>
               <a:xfrm>
                 <a:off x="2213992" y="2496068"/>
-                <a:ext cx="1093011" cy="228183"/>
+                <a:ext cx="920014" cy="205100"/>
               </a:xfrm>
               <a:prstGeom prst="rect">
                 <a:avLst/>
@@ -2211,7 +2214,7 @@
               <a:blipFill rotWithShape="1">
                 <a:blip r:embed="rId2"/>
                 <a:stretch>
-                  <a:fillRect b="-23684"/>
+                  <a:fillRect b="-20588"/>
                 </a:stretch>
               </a:blipFill>
               <a:ln w="19050" cap="rnd">
@@ -2234,8 +2237,8 @@
           </p:sp>
         </mc:Fallback>
       </mc:AlternateContent>
-      <mc:AlternateContent xmlns:mc="http://schemas.openxmlformats.org/markup-compatibility/2006" xmlns:a14="http://schemas.microsoft.com/office/drawing/2010/main">
-        <mc:Choice Requires="a14">
+      <mc:AlternateContent xmlns:mc="http://schemas.openxmlformats.org/markup-compatibility/2006">
+        <mc:Choice xmlns:a14="http://schemas.microsoft.com/office/drawing/2010/main" Requires="a14">
           <p:sp>
             <p:nvSpPr>
               <p:cNvPr id="30" name="テキスト ボックス 29"/>
@@ -2245,7 +2248,7 @@
             <p:spPr>
               <a:xfrm>
                 <a:off x="3359297" y="2496068"/>
-                <a:ext cx="277210" cy="228183"/>
+                <a:ext cx="252844" cy="205100"/>
               </a:xfrm>
               <a:prstGeom prst="rect">
                 <a:avLst/>
@@ -2272,7 +2275,7 @@
                       <m:sSub>
                         <m:sSubPr>
                           <m:ctrlPr>
-                            <a:rPr lang="en-US" altLang="ja-JP" sz="1200" b="0" i="1" smtClean="0">
+                            <a:rPr lang="en-US" altLang="ja-JP" sz="1050" b="0" i="1" smtClean="0">
                               <a:latin typeface="Cambria Math"/>
                               <a:ea typeface="HG丸ｺﾞｼｯｸM-PRO" panose="020F0600000000000000" pitchFamily="50" charset="-128"/>
                               <a:cs typeface="Courier New" pitchFamily="49" charset="0"/>
@@ -2281,7 +2284,7 @@
                         </m:sSubPr>
                         <m:e>
                           <m:r>
-                            <a:rPr lang="en-US" altLang="ja-JP" sz="1200" b="0" i="1" smtClean="0">
+                            <a:rPr lang="en-US" altLang="ja-JP" sz="1050" b="0" i="1" smtClean="0">
                               <a:latin typeface="Cambria Math"/>
                               <a:ea typeface="HG丸ｺﾞｼｯｸM-PRO" panose="020F0600000000000000" pitchFamily="50" charset="-128"/>
                               <a:cs typeface="Courier New" pitchFamily="49" charset="0"/>
@@ -2291,7 +2294,7 @@
                         </m:e>
                         <m:sub>
                           <m:r>
-                            <a:rPr lang="en-US" altLang="ja-JP" sz="1200" b="0" i="1" smtClean="0">
+                            <a:rPr lang="en-US" altLang="ja-JP" sz="1050" b="0" i="1" smtClean="0">
                               <a:latin typeface="Cambria Math"/>
                               <a:ea typeface="HG丸ｺﾞｼｯｸM-PRO" panose="020F0600000000000000" pitchFamily="50" charset="-128"/>
                               <a:cs typeface="Courier New" pitchFamily="49" charset="0"/>
@@ -2303,7 +2306,7 @@
                     </m:oMath>
                   </m:oMathPara>
                 </a14:m>
-                <a:endParaRPr lang="ja-JP" altLang="en-US" sz="1200">
+                <a:endParaRPr lang="ja-JP" altLang="en-US" sz="1050">
                   <a:latin typeface="HG丸ｺﾞｼｯｸM-PRO" panose="020F0600000000000000" pitchFamily="50" charset="-128"/>
                   <a:ea typeface="HG丸ｺﾞｼｯｸM-PRO" panose="020F0600000000000000" pitchFamily="50" charset="-128"/>
                   <a:cs typeface="Courier New" pitchFamily="49" charset="0"/>
@@ -2312,7 +2315,7 @@
             </p:txBody>
           </p:sp>
         </mc:Choice>
-        <mc:Fallback xmlns="">
+        <mc:Fallback>
           <p:sp>
             <p:nvSpPr>
               <p:cNvPr id="30" name="テキスト ボックス 29"/>
@@ -2324,7 +2327,7 @@
             <p:spPr>
               <a:xfrm>
                 <a:off x="3359297" y="2496068"/>
-                <a:ext cx="277210" cy="228183"/>
+                <a:ext cx="252844" cy="205100"/>
               </a:xfrm>
               <a:prstGeom prst="rect">
                 <a:avLst/>
@@ -2332,7 +2335,7 @@
               <a:blipFill rotWithShape="1">
                 <a:blip r:embed="rId3"/>
                 <a:stretch>
-                  <a:fillRect b="-2632"/>
+                  <a:fillRect b="-2941"/>
                 </a:stretch>
               </a:blipFill>
               <a:ln w="19050" cap="rnd">
@@ -2355,8 +2358,8 @@
           </p:sp>
         </mc:Fallback>
       </mc:AlternateContent>
-      <mc:AlternateContent xmlns:mc="http://schemas.openxmlformats.org/markup-compatibility/2006" xmlns:a14="http://schemas.microsoft.com/office/drawing/2010/main">
-        <mc:Choice Requires="a14">
+      <mc:AlternateContent xmlns:mc="http://schemas.openxmlformats.org/markup-compatibility/2006">
+        <mc:Choice xmlns:a14="http://schemas.microsoft.com/office/drawing/2010/main" Requires="a14">
           <p:sp>
             <p:nvSpPr>
               <p:cNvPr id="31" name="テキスト ボックス 30"/>
@@ -2366,7 +2369,7 @@
             <p:spPr>
               <a:xfrm>
                 <a:off x="3790017" y="2496068"/>
-                <a:ext cx="277210" cy="228183"/>
+                <a:ext cx="252844" cy="205100"/>
               </a:xfrm>
               <a:prstGeom prst="rect">
                 <a:avLst/>
@@ -2393,7 +2396,7 @@
                       <m:sSub>
                         <m:sSubPr>
                           <m:ctrlPr>
-                            <a:rPr lang="en-US" altLang="ja-JP" sz="1200" b="0" i="1" smtClean="0">
+                            <a:rPr lang="en-US" altLang="ja-JP" sz="1050" b="0" i="1" smtClean="0">
                               <a:latin typeface="Cambria Math"/>
                               <a:ea typeface="HG丸ｺﾞｼｯｸM-PRO" panose="020F0600000000000000" pitchFamily="50" charset="-128"/>
                               <a:cs typeface="Courier New" pitchFamily="49" charset="0"/>
@@ -2402,7 +2405,7 @@
                         </m:sSubPr>
                         <m:e>
                           <m:r>
-                            <a:rPr lang="en-US" altLang="ja-JP" sz="1200" b="0" i="1" smtClean="0">
+                            <a:rPr lang="en-US" altLang="ja-JP" sz="1050" b="0" i="1" smtClean="0">
                               <a:latin typeface="Cambria Math"/>
                               <a:ea typeface="HG丸ｺﾞｼｯｸM-PRO" panose="020F0600000000000000" pitchFamily="50" charset="-128"/>
                               <a:cs typeface="Courier New" pitchFamily="49" charset="0"/>
@@ -2412,7 +2415,7 @@
                         </m:e>
                         <m:sub>
                           <m:r>
-                            <a:rPr lang="en-US" altLang="ja-JP" sz="1200" b="0" i="1" smtClean="0">
+                            <a:rPr lang="en-US" altLang="ja-JP" sz="1050" b="0" i="1" smtClean="0">
                               <a:latin typeface="Cambria Math"/>
                               <a:ea typeface="HG丸ｺﾞｼｯｸM-PRO" panose="020F0600000000000000" pitchFamily="50" charset="-128"/>
                               <a:cs typeface="Courier New" pitchFamily="49" charset="0"/>
@@ -2424,7 +2427,7 @@
                     </m:oMath>
                   </m:oMathPara>
                 </a14:m>
-                <a:endParaRPr lang="ja-JP" altLang="en-US" sz="1200">
+                <a:endParaRPr lang="ja-JP" altLang="en-US" sz="1050">
                   <a:latin typeface="HG丸ｺﾞｼｯｸM-PRO" panose="020F0600000000000000" pitchFamily="50" charset="-128"/>
                   <a:ea typeface="HG丸ｺﾞｼｯｸM-PRO" panose="020F0600000000000000" pitchFamily="50" charset="-128"/>
                   <a:cs typeface="Courier New" pitchFamily="49" charset="0"/>
@@ -2433,7 +2436,7 @@
             </p:txBody>
           </p:sp>
         </mc:Choice>
-        <mc:Fallback xmlns="">
+        <mc:Fallback>
           <p:sp>
             <p:nvSpPr>
               <p:cNvPr id="31" name="テキスト ボックス 30"/>
@@ -2445,7 +2448,7 @@
             <p:spPr>
               <a:xfrm>
                 <a:off x="3790017" y="2496068"/>
-                <a:ext cx="277210" cy="228183"/>
+                <a:ext cx="252844" cy="205100"/>
               </a:xfrm>
               <a:prstGeom prst="rect">
                 <a:avLst/>
@@ -2453,7 +2456,7 @@
               <a:blipFill rotWithShape="1">
                 <a:blip r:embed="rId4"/>
                 <a:stretch>
-                  <a:fillRect b="-2632"/>
+                  <a:fillRect b="-2941"/>
                 </a:stretch>
               </a:blipFill>
               <a:ln w="19050" cap="rnd">
@@ -2476,8 +2479,8 @@
           </p:sp>
         </mc:Fallback>
       </mc:AlternateContent>
-      <mc:AlternateContent xmlns:mc="http://schemas.openxmlformats.org/markup-compatibility/2006" xmlns:a14="http://schemas.microsoft.com/office/drawing/2010/main">
-        <mc:Choice Requires="a14">
+      <mc:AlternateContent xmlns:mc="http://schemas.openxmlformats.org/markup-compatibility/2006">
+        <mc:Choice xmlns:a14="http://schemas.microsoft.com/office/drawing/2010/main" Requires="a14">
           <p:sp>
             <p:nvSpPr>
               <p:cNvPr id="32" name="テキスト ボックス 31"/>
@@ -2487,7 +2490,7 @@
             <p:spPr>
               <a:xfrm>
                 <a:off x="4162905" y="2496068"/>
-                <a:ext cx="277210" cy="228183"/>
+                <a:ext cx="252844" cy="205100"/>
               </a:xfrm>
               <a:prstGeom prst="rect">
                 <a:avLst/>
@@ -2514,7 +2517,7 @@
                       <m:sSub>
                         <m:sSubPr>
                           <m:ctrlPr>
-                            <a:rPr lang="en-US" altLang="ja-JP" sz="1200" b="0" i="1" smtClean="0">
+                            <a:rPr lang="en-US" altLang="ja-JP" sz="1050" b="0" i="1" smtClean="0">
                               <a:latin typeface="Cambria Math"/>
                               <a:ea typeface="HG丸ｺﾞｼｯｸM-PRO" panose="020F0600000000000000" pitchFamily="50" charset="-128"/>
                               <a:cs typeface="Courier New" pitchFamily="49" charset="0"/>
@@ -2523,7 +2526,7 @@
                         </m:sSubPr>
                         <m:e>
                           <m:r>
-                            <a:rPr lang="en-US" altLang="ja-JP" sz="1200" b="0" i="1" smtClean="0">
+                            <a:rPr lang="en-US" altLang="ja-JP" sz="1050" b="0" i="1" smtClean="0">
                               <a:latin typeface="Cambria Math"/>
                               <a:ea typeface="HG丸ｺﾞｼｯｸM-PRO" panose="020F0600000000000000" pitchFamily="50" charset="-128"/>
                               <a:cs typeface="Courier New" pitchFamily="49" charset="0"/>
@@ -2533,7 +2536,7 @@
                         </m:e>
                         <m:sub>
                           <m:r>
-                            <a:rPr lang="en-US" altLang="ja-JP" sz="1200" b="0" i="1" smtClean="0">
+                            <a:rPr lang="en-US" altLang="ja-JP" sz="1050" b="0" i="1" smtClean="0">
                               <a:latin typeface="Cambria Math"/>
                               <a:ea typeface="HG丸ｺﾞｼｯｸM-PRO" panose="020F0600000000000000" pitchFamily="50" charset="-128"/>
                               <a:cs typeface="Courier New" pitchFamily="49" charset="0"/>
@@ -2545,7 +2548,7 @@
                     </m:oMath>
                   </m:oMathPara>
                 </a14:m>
-                <a:endParaRPr lang="ja-JP" altLang="en-US" sz="1200">
+                <a:endParaRPr lang="ja-JP" altLang="en-US" sz="1050">
                   <a:latin typeface="HG丸ｺﾞｼｯｸM-PRO" panose="020F0600000000000000" pitchFamily="50" charset="-128"/>
                   <a:ea typeface="HG丸ｺﾞｼｯｸM-PRO" panose="020F0600000000000000" pitchFamily="50" charset="-128"/>
                   <a:cs typeface="Courier New" pitchFamily="49" charset="0"/>
@@ -2554,7 +2557,7 @@
             </p:txBody>
           </p:sp>
         </mc:Choice>
-        <mc:Fallback xmlns="">
+        <mc:Fallback>
           <p:sp>
             <p:nvSpPr>
               <p:cNvPr id="32" name="テキスト ボックス 31"/>
@@ -2566,7 +2569,7 @@
             <p:spPr>
               <a:xfrm>
                 <a:off x="4162905" y="2496068"/>
-                <a:ext cx="277210" cy="228183"/>
+                <a:ext cx="252844" cy="205100"/>
               </a:xfrm>
               <a:prstGeom prst="rect">
                 <a:avLst/>
@@ -2574,7 +2577,7 @@
               <a:blipFill rotWithShape="1">
                 <a:blip r:embed="rId5"/>
                 <a:stretch>
-                  <a:fillRect b="-2632"/>
+                  <a:fillRect b="-2941"/>
                 </a:stretch>
               </a:blipFill>
               <a:ln w="19050" cap="rnd">
@@ -2609,7 +2612,7 @@
         <p:spPr>
           <a:xfrm flipH="1" flipV="1">
             <a:off x="3359297" y="2169976"/>
-            <a:ext cx="138605" cy="326092"/>
+            <a:ext cx="126422" cy="326092"/>
           </a:xfrm>
           <a:prstGeom prst="straightConnector1">
             <a:avLst/>
@@ -2646,8 +2649,8 @@
         </p:nvCxnSpPr>
         <p:spPr>
           <a:xfrm flipH="1" flipV="1">
-            <a:off x="3636507" y="2169976"/>
-            <a:ext cx="292115" cy="326092"/>
+            <a:off x="3636508" y="2169976"/>
+            <a:ext cx="279931" cy="326092"/>
           </a:xfrm>
           <a:prstGeom prst="straightConnector1">
             <a:avLst/>
@@ -2685,7 +2688,7 @@
         <p:spPr>
           <a:xfrm flipH="1" flipV="1">
             <a:off x="3928622" y="2169976"/>
-            <a:ext cx="372888" cy="326092"/>
+            <a:ext cx="360705" cy="326092"/>
           </a:xfrm>
           <a:prstGeom prst="straightConnector1">
             <a:avLst/>
@@ -2712,8 +2715,8 @@
           </a:fontRef>
         </p:style>
       </p:cxnSp>
-      <mc:AlternateContent xmlns:mc="http://schemas.openxmlformats.org/markup-compatibility/2006" xmlns:a14="http://schemas.microsoft.com/office/drawing/2010/main">
-        <mc:Choice Requires="a14">
+      <mc:AlternateContent xmlns:mc="http://schemas.openxmlformats.org/markup-compatibility/2006">
+        <mc:Choice xmlns:a14="http://schemas.microsoft.com/office/drawing/2010/main" Requires="a14">
           <p:sp>
             <p:nvSpPr>
               <p:cNvPr id="44" name="テキスト ボックス 43"/>
@@ -2723,7 +2726,7 @@
             <p:spPr>
               <a:xfrm>
                 <a:off x="2763773" y="1472073"/>
-                <a:ext cx="312283" cy="229402"/>
+                <a:ext cx="282147" cy="206125"/>
               </a:xfrm>
               <a:prstGeom prst="rect">
                 <a:avLst/>
@@ -2750,7 +2753,7 @@
                       <m:sSub>
                         <m:sSubPr>
                           <m:ctrlPr>
-                            <a:rPr lang="en-US" altLang="ja-JP" sz="1200" b="0" i="1" smtClean="0">
+                            <a:rPr lang="en-US" altLang="ja-JP" sz="1050" b="0" i="1" smtClean="0">
                               <a:latin typeface="Cambria Math"/>
                               <a:ea typeface="HG丸ｺﾞｼｯｸM-PRO" panose="020F0600000000000000" pitchFamily="50" charset="-128"/>
                               <a:cs typeface="Courier New" pitchFamily="49" charset="0"/>
@@ -2759,7 +2762,7 @@
                         </m:sSubPr>
                         <m:e>
                           <m:r>
-                            <a:rPr lang="en-US" altLang="ja-JP" sz="1200" b="0" i="1" smtClean="0">
+                            <a:rPr lang="en-US" altLang="ja-JP" sz="1050" b="0" i="1" smtClean="0">
                               <a:latin typeface="Cambria Math"/>
                               <a:ea typeface="HG丸ｺﾞｼｯｸM-PRO" panose="020F0600000000000000" pitchFamily="50" charset="-128"/>
                               <a:cs typeface="Courier New" pitchFamily="49" charset="0"/>
@@ -2771,7 +2774,7 @@
                           <m:sSup>
                             <m:sSupPr>
                               <m:ctrlPr>
-                                <a:rPr lang="en-US" altLang="ja-JP" sz="1200" b="0" i="1" smtClean="0">
+                                <a:rPr lang="en-US" altLang="ja-JP" sz="1050" b="0" i="1" smtClean="0">
                                   <a:latin typeface="Cambria Math"/>
                                   <a:ea typeface="HG丸ｺﾞｼｯｸM-PRO" panose="020F0600000000000000" pitchFamily="50" charset="-128"/>
                                   <a:cs typeface="Courier New" pitchFamily="49" charset="0"/>
@@ -2780,7 +2783,7 @@
                             </m:sSupPr>
                             <m:e>
                               <m:r>
-                                <a:rPr lang="en-US" altLang="ja-JP" sz="1200" b="0" i="1" smtClean="0">
+                                <a:rPr lang="en-US" altLang="ja-JP" sz="1050" b="0" i="1" smtClean="0">
                                   <a:latin typeface="Cambria Math"/>
                                   <a:ea typeface="HG丸ｺﾞｼｯｸM-PRO" panose="020F0600000000000000" pitchFamily="50" charset="-128"/>
                                   <a:cs typeface="Courier New" pitchFamily="49" charset="0"/>
@@ -2790,7 +2793,7 @@
                             </m:e>
                             <m:sup>
                               <m:r>
-                                <a:rPr lang="en-US" altLang="ja-JP" sz="1200" b="0" i="1" smtClean="0">
+                                <a:rPr lang="en-US" altLang="ja-JP" sz="1050" b="0" i="1" smtClean="0">
                                   <a:latin typeface="Cambria Math"/>
                                   <a:ea typeface="HG丸ｺﾞｼｯｸM-PRO" panose="020F0600000000000000" pitchFamily="50" charset="-128"/>
                                   <a:cs typeface="Courier New" pitchFamily="49" charset="0"/>
@@ -2804,7 +2807,7 @@
                     </m:oMath>
                   </m:oMathPara>
                 </a14:m>
-                <a:endParaRPr lang="ja-JP" altLang="en-US" sz="1200">
+                <a:endParaRPr lang="ja-JP" altLang="en-US" sz="1050">
                   <a:latin typeface="HG丸ｺﾞｼｯｸM-PRO" panose="020F0600000000000000" pitchFamily="50" charset="-128"/>
                   <a:ea typeface="HG丸ｺﾞｼｯｸM-PRO" panose="020F0600000000000000" pitchFamily="50" charset="-128"/>
                   <a:cs typeface="Courier New" pitchFamily="49" charset="0"/>
@@ -2813,7 +2816,7 @@
             </p:txBody>
           </p:sp>
         </mc:Choice>
-        <mc:Fallback xmlns="">
+        <mc:Fallback>
           <p:sp>
             <p:nvSpPr>
               <p:cNvPr id="44" name="テキスト ボックス 43"/>
@@ -2825,7 +2828,7 @@
             <p:spPr>
               <a:xfrm>
                 <a:off x="2763773" y="1472073"/>
-                <a:ext cx="312283" cy="229402"/>
+                <a:ext cx="282147" cy="206125"/>
               </a:xfrm>
               <a:prstGeom prst="rect">
                 <a:avLst/>
@@ -2833,7 +2836,7 @@
               <a:blipFill rotWithShape="1">
                 <a:blip r:embed="rId6"/>
                 <a:stretch>
-                  <a:fillRect b="-7895"/>
+                  <a:fillRect b="-8824"/>
                 </a:stretch>
               </a:blipFill>
               <a:ln w="19050" cap="rnd">
@@ -2856,8 +2859,8 @@
           </p:sp>
         </mc:Fallback>
       </mc:AlternateContent>
-      <mc:AlternateContent xmlns:mc="http://schemas.openxmlformats.org/markup-compatibility/2006" xmlns:a14="http://schemas.microsoft.com/office/drawing/2010/main">
-        <mc:Choice Requires="a14">
+      <mc:AlternateContent xmlns:mc="http://schemas.openxmlformats.org/markup-compatibility/2006">
+        <mc:Choice xmlns:a14="http://schemas.microsoft.com/office/drawing/2010/main" Requires="a14">
           <p:sp>
             <p:nvSpPr>
               <p:cNvPr id="46" name="テキスト ボックス 45"/>
@@ -2867,7 +2870,7 @@
             <p:spPr>
               <a:xfrm>
                 <a:off x="3094393" y="1472073"/>
-                <a:ext cx="325748" cy="229402"/>
+                <a:ext cx="293881" cy="206125"/>
               </a:xfrm>
               <a:prstGeom prst="rect">
                 <a:avLst/>
@@ -2894,7 +2897,7 @@
                       <m:sSub>
                         <m:sSubPr>
                           <m:ctrlPr>
-                            <a:rPr lang="en-US" altLang="ja-JP" sz="1200" b="0" i="1" smtClean="0">
+                            <a:rPr lang="en-US" altLang="ja-JP" sz="1050" b="0" i="1" smtClean="0">
                               <a:latin typeface="Cambria Math"/>
                               <a:ea typeface="HG丸ｺﾞｼｯｸM-PRO" panose="020F0600000000000000" pitchFamily="50" charset="-128"/>
                               <a:cs typeface="Courier New" pitchFamily="49" charset="0"/>
@@ -2903,7 +2906,7 @@
                         </m:sSubPr>
                         <m:e>
                           <m:r>
-                            <a:rPr lang="en-US" altLang="ja-JP" sz="1200" b="0" i="1" smtClean="0">
+                            <a:rPr lang="en-US" altLang="ja-JP" sz="1050" b="0" i="1" smtClean="0">
                               <a:latin typeface="Cambria Math"/>
                               <a:ea typeface="HG丸ｺﾞｼｯｸM-PRO" panose="020F0600000000000000" pitchFamily="50" charset="-128"/>
                               <a:cs typeface="Courier New" pitchFamily="49" charset="0"/>
@@ -2915,7 +2918,7 @@
                           <m:sSup>
                             <m:sSupPr>
                               <m:ctrlPr>
-                                <a:rPr lang="en-US" altLang="ja-JP" sz="1200" b="0" i="1" smtClean="0">
+                                <a:rPr lang="en-US" altLang="ja-JP" sz="1050" b="0" i="1" smtClean="0">
                                   <a:latin typeface="Cambria Math"/>
                                   <a:ea typeface="HG丸ｺﾞｼｯｸM-PRO" panose="020F0600000000000000" pitchFamily="50" charset="-128"/>
                                   <a:cs typeface="Courier New" pitchFamily="49" charset="0"/>
@@ -2924,7 +2927,7 @@
                             </m:sSupPr>
                             <m:e>
                               <m:r>
-                                <a:rPr lang="en-US" altLang="ja-JP" sz="1200" b="0" i="1" smtClean="0">
+                                <a:rPr lang="en-US" altLang="ja-JP" sz="1050" b="0" i="1" smtClean="0">
                                   <a:latin typeface="Cambria Math"/>
                                   <a:ea typeface="HG丸ｺﾞｼｯｸM-PRO" panose="020F0600000000000000" pitchFamily="50" charset="-128"/>
                                   <a:cs typeface="Courier New" pitchFamily="49" charset="0"/>
@@ -2934,7 +2937,7 @@
                             </m:e>
                             <m:sup>
                               <m:r>
-                                <a:rPr lang="en-US" altLang="ja-JP" sz="1200" b="0" i="1" smtClean="0">
+                                <a:rPr lang="en-US" altLang="ja-JP" sz="1050" b="0" i="1" smtClean="0">
                                   <a:latin typeface="Cambria Math"/>
                                   <a:ea typeface="HG丸ｺﾞｼｯｸM-PRO" panose="020F0600000000000000" pitchFamily="50" charset="-128"/>
                                   <a:cs typeface="Courier New" pitchFamily="49" charset="0"/>
@@ -2948,7 +2951,7 @@
                     </m:oMath>
                   </m:oMathPara>
                 </a14:m>
-                <a:endParaRPr lang="ja-JP" altLang="en-US" sz="1200">
+                <a:endParaRPr lang="ja-JP" altLang="en-US" sz="1050">
                   <a:latin typeface="HG丸ｺﾞｼｯｸM-PRO" panose="020F0600000000000000" pitchFamily="50" charset="-128"/>
                   <a:ea typeface="HG丸ｺﾞｼｯｸM-PRO" panose="020F0600000000000000" pitchFamily="50" charset="-128"/>
                   <a:cs typeface="Courier New" pitchFamily="49" charset="0"/>
@@ -2957,7 +2960,7 @@
             </p:txBody>
           </p:sp>
         </mc:Choice>
-        <mc:Fallback xmlns="">
+        <mc:Fallback>
           <p:sp>
             <p:nvSpPr>
               <p:cNvPr id="46" name="テキスト ボックス 45"/>
@@ -2969,7 +2972,7 @@
             <p:spPr>
               <a:xfrm>
                 <a:off x="3094393" y="1472073"/>
-                <a:ext cx="325748" cy="229402"/>
+                <a:ext cx="293881" cy="206125"/>
               </a:xfrm>
               <a:prstGeom prst="rect">
                 <a:avLst/>
@@ -2977,7 +2980,7 @@
               <a:blipFill rotWithShape="1">
                 <a:blip r:embed="rId7"/>
                 <a:stretch>
-                  <a:fillRect b="-7895"/>
+                  <a:fillRect b="-8824"/>
                 </a:stretch>
               </a:blipFill>
               <a:ln w="19050" cap="rnd">
@@ -3000,8 +3003,8 @@
           </p:sp>
         </mc:Fallback>
       </mc:AlternateContent>
-      <mc:AlternateContent xmlns:mc="http://schemas.openxmlformats.org/markup-compatibility/2006" xmlns:a14="http://schemas.microsoft.com/office/drawing/2010/main">
-        <mc:Choice Requires="a14">
+      <mc:AlternateContent xmlns:mc="http://schemas.openxmlformats.org/markup-compatibility/2006">
+        <mc:Choice xmlns:a14="http://schemas.microsoft.com/office/drawing/2010/main" Requires="a14">
           <p:sp>
             <p:nvSpPr>
               <p:cNvPr id="47" name="テキスト ボックス 46"/>
@@ -3011,7 +3014,7 @@
             <p:spPr>
               <a:xfrm>
                 <a:off x="3438478" y="1471625"/>
-                <a:ext cx="325748" cy="230299"/>
+                <a:ext cx="293881" cy="206960"/>
               </a:xfrm>
               <a:prstGeom prst="rect">
                 <a:avLst/>
@@ -3038,7 +3041,7 @@
                       <m:sSub>
                         <m:sSubPr>
                           <m:ctrlPr>
-                            <a:rPr lang="en-US" altLang="ja-JP" sz="1200" b="0" i="1" smtClean="0">
+                            <a:rPr lang="en-US" altLang="ja-JP" sz="1050" b="0" i="1" smtClean="0">
                               <a:latin typeface="Cambria Math"/>
                               <a:ea typeface="HG丸ｺﾞｼｯｸM-PRO" panose="020F0600000000000000" pitchFamily="50" charset="-128"/>
                               <a:cs typeface="Courier New" pitchFamily="49" charset="0"/>
@@ -3047,7 +3050,7 @@
                         </m:sSubPr>
                         <m:e>
                           <m:r>
-                            <a:rPr lang="en-US" altLang="ja-JP" sz="1200" b="0" i="1" smtClean="0">
+                            <a:rPr lang="en-US" altLang="ja-JP" sz="1050" b="0" i="1" smtClean="0">
                               <a:latin typeface="Cambria Math"/>
                               <a:ea typeface="HG丸ｺﾞｼｯｸM-PRO" panose="020F0600000000000000" pitchFamily="50" charset="-128"/>
                               <a:cs typeface="Courier New" pitchFamily="49" charset="0"/>
@@ -3059,7 +3062,7 @@
                           <m:sSup>
                             <m:sSupPr>
                               <m:ctrlPr>
-                                <a:rPr lang="en-US" altLang="ja-JP" sz="1200" b="0" i="1" smtClean="0">
+                                <a:rPr lang="en-US" altLang="ja-JP" sz="1050" b="0" i="1" smtClean="0">
                                   <a:latin typeface="Cambria Math"/>
                                   <a:ea typeface="HG丸ｺﾞｼｯｸM-PRO" panose="020F0600000000000000" pitchFamily="50" charset="-128"/>
                                   <a:cs typeface="Courier New" pitchFamily="49" charset="0"/>
@@ -3068,7 +3071,7 @@
                             </m:sSupPr>
                             <m:e>
                               <m:r>
-                                <a:rPr lang="en-US" altLang="ja-JP" sz="1200" b="0" i="1" smtClean="0">
+                                <a:rPr lang="en-US" altLang="ja-JP" sz="1050" b="0" i="1" smtClean="0">
                                   <a:latin typeface="Cambria Math"/>
                                   <a:ea typeface="HG丸ｺﾞｼｯｸM-PRO" panose="020F0600000000000000" pitchFamily="50" charset="-128"/>
                                   <a:cs typeface="Courier New" pitchFamily="49" charset="0"/>
@@ -3078,7 +3081,7 @@
                             </m:e>
                             <m:sup>
                               <m:r>
-                                <a:rPr lang="en-US" altLang="ja-JP" sz="1200" b="0" i="1" smtClean="0">
+                                <a:rPr lang="en-US" altLang="ja-JP" sz="1050" b="0" i="1" smtClean="0">
                                   <a:latin typeface="Cambria Math"/>
                                   <a:ea typeface="HG丸ｺﾞｼｯｸM-PRO" panose="020F0600000000000000" pitchFamily="50" charset="-128"/>
                                   <a:cs typeface="Courier New" pitchFamily="49" charset="0"/>
@@ -3092,7 +3095,7 @@
                     </m:oMath>
                   </m:oMathPara>
                 </a14:m>
-                <a:endParaRPr lang="ja-JP" altLang="en-US" sz="1200">
+                <a:endParaRPr lang="ja-JP" altLang="en-US" sz="1050">
                   <a:latin typeface="HG丸ｺﾞｼｯｸM-PRO" panose="020F0600000000000000" pitchFamily="50" charset="-128"/>
                   <a:ea typeface="HG丸ｺﾞｼｯｸM-PRO" panose="020F0600000000000000" pitchFamily="50" charset="-128"/>
                   <a:cs typeface="Courier New" pitchFamily="49" charset="0"/>
@@ -3101,7 +3104,7 @@
             </p:txBody>
           </p:sp>
         </mc:Choice>
-        <mc:Fallback xmlns="">
+        <mc:Fallback>
           <p:sp>
             <p:nvSpPr>
               <p:cNvPr id="47" name="テキスト ボックス 46"/>
@@ -3113,7 +3116,7 @@
             <p:spPr>
               <a:xfrm>
                 <a:off x="3438478" y="1471625"/>
-                <a:ext cx="325748" cy="230299"/>
+                <a:ext cx="293881" cy="206960"/>
               </a:xfrm>
               <a:prstGeom prst="rect">
                 <a:avLst/>
@@ -3121,7 +3124,7 @@
               <a:blipFill rotWithShape="1">
                 <a:blip r:embed="rId8"/>
                 <a:stretch>
-                  <a:fillRect b="-5263"/>
+                  <a:fillRect b="-5882"/>
                 </a:stretch>
               </a:blipFill>
               <a:ln w="19050" cap="rnd">
@@ -3144,8 +3147,8 @@
           </p:sp>
         </mc:Fallback>
       </mc:AlternateContent>
-      <mc:AlternateContent xmlns:mc="http://schemas.openxmlformats.org/markup-compatibility/2006" xmlns:a14="http://schemas.microsoft.com/office/drawing/2010/main">
-        <mc:Choice Requires="a14">
+      <mc:AlternateContent xmlns:mc="http://schemas.openxmlformats.org/markup-compatibility/2006">
+        <mc:Choice xmlns:a14="http://schemas.microsoft.com/office/drawing/2010/main" Requires="a14">
           <p:sp>
             <p:nvSpPr>
               <p:cNvPr id="48" name="テキスト ボックス 47"/>
@@ -3155,7 +3158,7 @@
             <p:spPr>
               <a:xfrm>
                 <a:off x="3782564" y="1472073"/>
-                <a:ext cx="319208" cy="229402"/>
+                <a:ext cx="288239" cy="206125"/>
               </a:xfrm>
               <a:prstGeom prst="rect">
                 <a:avLst/>
@@ -3182,7 +3185,7 @@
                       <m:sSub>
                         <m:sSubPr>
                           <m:ctrlPr>
-                            <a:rPr lang="en-US" altLang="ja-JP" sz="1200" b="0" i="1" smtClean="0">
+                            <a:rPr lang="en-US" altLang="ja-JP" sz="1050" b="0" i="1" smtClean="0">
                               <a:latin typeface="Cambria Math"/>
                               <a:ea typeface="HG丸ｺﾞｼｯｸM-PRO" panose="020F0600000000000000" pitchFamily="50" charset="-128"/>
                               <a:cs typeface="Courier New" pitchFamily="49" charset="0"/>
@@ -3191,7 +3194,7 @@
                         </m:sSubPr>
                         <m:e>
                           <m:r>
-                            <a:rPr lang="en-US" altLang="ja-JP" sz="1200" b="0" i="1" smtClean="0">
+                            <a:rPr lang="en-US" altLang="ja-JP" sz="1050" b="0" i="1" smtClean="0">
                               <a:latin typeface="Cambria Math"/>
                               <a:ea typeface="HG丸ｺﾞｼｯｸM-PRO" panose="020F0600000000000000" pitchFamily="50" charset="-128"/>
                               <a:cs typeface="Courier New" pitchFamily="49" charset="0"/>
@@ -3203,7 +3206,7 @@
                           <m:sSup>
                             <m:sSupPr>
                               <m:ctrlPr>
-                                <a:rPr lang="en-US" altLang="ja-JP" sz="1200" b="0" i="1" smtClean="0">
+                                <a:rPr lang="en-US" altLang="ja-JP" sz="1050" b="0" i="1" smtClean="0">
                                   <a:latin typeface="Cambria Math"/>
                                   <a:ea typeface="HG丸ｺﾞｼｯｸM-PRO" panose="020F0600000000000000" pitchFamily="50" charset="-128"/>
                                   <a:cs typeface="Courier New" pitchFamily="49" charset="0"/>
@@ -3212,7 +3215,7 @@
                             </m:sSupPr>
                             <m:e>
                               <m:r>
-                                <a:rPr lang="en-US" altLang="ja-JP" sz="1200" b="0" i="1" smtClean="0">
+                                <a:rPr lang="en-US" altLang="ja-JP" sz="1050" b="0" i="1" smtClean="0">
                                   <a:latin typeface="Cambria Math"/>
                                   <a:ea typeface="HG丸ｺﾞｼｯｸM-PRO" panose="020F0600000000000000" pitchFamily="50" charset="-128"/>
                                   <a:cs typeface="Courier New" pitchFamily="49" charset="0"/>
@@ -3222,7 +3225,7 @@
                             </m:e>
                             <m:sup>
                               <m:r>
-                                <a:rPr lang="en-US" altLang="ja-JP" sz="1200" b="0" i="1" smtClean="0">
+                                <a:rPr lang="en-US" altLang="ja-JP" sz="1050" b="0" i="1" smtClean="0">
                                   <a:latin typeface="Cambria Math"/>
                                   <a:ea typeface="HG丸ｺﾞｼｯｸM-PRO" panose="020F0600000000000000" pitchFamily="50" charset="-128"/>
                                   <a:cs typeface="Courier New" pitchFamily="49" charset="0"/>
@@ -3236,7 +3239,7 @@
                     </m:oMath>
                   </m:oMathPara>
                 </a14:m>
-                <a:endParaRPr lang="ja-JP" altLang="en-US" sz="1200">
+                <a:endParaRPr lang="ja-JP" altLang="en-US" sz="1050">
                   <a:latin typeface="HG丸ｺﾞｼｯｸM-PRO" panose="020F0600000000000000" pitchFamily="50" charset="-128"/>
                   <a:ea typeface="HG丸ｺﾞｼｯｸM-PRO" panose="020F0600000000000000" pitchFamily="50" charset="-128"/>
                   <a:cs typeface="Courier New" pitchFamily="49" charset="0"/>
@@ -3245,7 +3248,7 @@
             </p:txBody>
           </p:sp>
         </mc:Choice>
-        <mc:Fallback xmlns="">
+        <mc:Fallback>
           <p:sp>
             <p:nvSpPr>
               <p:cNvPr id="48" name="テキスト ボックス 47"/>
@@ -3257,7 +3260,7 @@
             <p:spPr>
               <a:xfrm>
                 <a:off x="3782564" y="1472073"/>
-                <a:ext cx="319208" cy="229402"/>
+                <a:ext cx="288239" cy="206125"/>
               </a:xfrm>
               <a:prstGeom prst="rect">
                 <a:avLst/>
@@ -3265,7 +3268,7 @@
               <a:blipFill rotWithShape="1">
                 <a:blip r:embed="rId9"/>
                 <a:stretch>
-                  <a:fillRect b="-7895"/>
+                  <a:fillRect b="-8824"/>
                 </a:stretch>
               </a:blipFill>
               <a:ln w="19050" cap="rnd">
@@ -3298,8 +3301,8 @@
         </p:nvCxnSpPr>
         <p:spPr>
           <a:xfrm flipH="1" flipV="1">
-            <a:off x="2919915" y="1701475"/>
-            <a:ext cx="43082" cy="252477"/>
+            <a:off x="2904847" y="1678198"/>
+            <a:ext cx="58150" cy="275755"/>
           </a:xfrm>
           <a:prstGeom prst="straightConnector1">
             <a:avLst/>
@@ -3337,8 +3340,8 @@
         </p:nvCxnSpPr>
         <p:spPr>
           <a:xfrm flipH="1" flipV="1">
-            <a:off x="3257267" y="1701475"/>
-            <a:ext cx="102030" cy="252477"/>
+            <a:off x="3241334" y="1678198"/>
+            <a:ext cx="117963" cy="275754"/>
           </a:xfrm>
           <a:prstGeom prst="straightConnector1">
             <a:avLst/>
@@ -3374,9 +3377,9 @@
           <p:nvPr/>
         </p:nvCxnSpPr>
         <p:spPr>
-          <a:xfrm flipV="1">
-            <a:off x="3600027" y="1701924"/>
-            <a:ext cx="1325" cy="252028"/>
+          <a:xfrm flipH="1" flipV="1">
+            <a:off x="3585419" y="1678585"/>
+            <a:ext cx="14608" cy="275367"/>
           </a:xfrm>
           <a:prstGeom prst="straightConnector1">
             <a:avLst/>
@@ -3413,8 +3416,8 @@
         </p:nvCxnSpPr>
         <p:spPr>
           <a:xfrm flipV="1">
-            <a:off x="3908158" y="1701475"/>
-            <a:ext cx="34010" cy="252477"/>
+            <a:off x="3908158" y="1678198"/>
+            <a:ext cx="18526" cy="275755"/>
           </a:xfrm>
           <a:prstGeom prst="straightConnector1">
             <a:avLst/>
@@ -3441,8 +3444,8 @@
           </a:fontRef>
         </p:style>
       </p:cxnSp>
-      <mc:AlternateContent xmlns:mc="http://schemas.openxmlformats.org/markup-compatibility/2006" xmlns:a14="http://schemas.microsoft.com/office/drawing/2010/main">
-        <mc:Choice Requires="a14">
+      <mc:AlternateContent xmlns:mc="http://schemas.openxmlformats.org/markup-compatibility/2006">
+        <mc:Choice xmlns:a14="http://schemas.microsoft.com/office/drawing/2010/main" Requires="a14">
           <p:sp>
             <p:nvSpPr>
               <p:cNvPr id="60" name="テキスト ボックス 59"/>
@@ -3452,7 +3455,7 @@
             <p:spPr>
               <a:xfrm>
                 <a:off x="2737000" y="1040025"/>
-                <a:ext cx="369991" cy="229402"/>
+                <a:ext cx="331840" cy="206125"/>
               </a:xfrm>
               <a:prstGeom prst="rect">
                 <a:avLst/>
@@ -3479,7 +3482,7 @@
                       <m:sSub>
                         <m:sSubPr>
                           <m:ctrlPr>
-                            <a:rPr lang="en-US" altLang="ja-JP" sz="1200" b="0" i="1" smtClean="0">
+                            <a:rPr lang="en-US" altLang="ja-JP" sz="1050" b="0" i="1" smtClean="0">
                               <a:latin typeface="Cambria Math"/>
                               <a:ea typeface="HG丸ｺﾞｼｯｸM-PRO" panose="020F0600000000000000" pitchFamily="50" charset="-128"/>
                               <a:cs typeface="Courier New" pitchFamily="49" charset="0"/>
@@ -3488,7 +3491,7 @@
                         </m:sSubPr>
                         <m:e>
                           <m:r>
-                            <a:rPr lang="en-US" altLang="ja-JP" sz="1200" b="0" i="1" smtClean="0">
+                            <a:rPr lang="en-US" altLang="ja-JP" sz="1050" b="0" i="1" smtClean="0">
                               <a:latin typeface="Cambria Math"/>
                               <a:ea typeface="HG丸ｺﾞｼｯｸM-PRO" panose="020F0600000000000000" pitchFamily="50" charset="-128"/>
                               <a:cs typeface="Courier New" pitchFamily="49" charset="0"/>
@@ -3500,7 +3503,7 @@
                           <m:sSup>
                             <m:sSupPr>
                               <m:ctrlPr>
-                                <a:rPr lang="en-US" altLang="ja-JP" sz="1200" b="0" i="1" smtClean="0">
+                                <a:rPr lang="en-US" altLang="ja-JP" sz="1050" b="0" i="1" smtClean="0">
                                   <a:latin typeface="Cambria Math"/>
                                   <a:ea typeface="HG丸ｺﾞｼｯｸM-PRO" panose="020F0600000000000000" pitchFamily="50" charset="-128"/>
                                   <a:cs typeface="Courier New" pitchFamily="49" charset="0"/>
@@ -3509,7 +3512,7 @@
                             </m:sSupPr>
                             <m:e>
                               <m:r>
-                                <a:rPr lang="en-US" altLang="ja-JP" sz="1200" b="0" i="1" smtClean="0">
+                                <a:rPr lang="en-US" altLang="ja-JP" sz="1050" b="0" i="1" smtClean="0">
                                   <a:latin typeface="Cambria Math"/>
                                   <a:ea typeface="HG丸ｺﾞｼｯｸM-PRO" panose="020F0600000000000000" pitchFamily="50" charset="-128"/>
                                   <a:cs typeface="Courier New" pitchFamily="49" charset="0"/>
@@ -3519,7 +3522,7 @@
                             </m:e>
                             <m:sup>
                               <m:r>
-                                <a:rPr lang="en-US" altLang="ja-JP" sz="1200" b="0" i="1" smtClean="0">
+                                <a:rPr lang="en-US" altLang="ja-JP" sz="1050" b="0" i="1" smtClean="0">
                                   <a:latin typeface="Cambria Math"/>
                                   <a:ea typeface="HG丸ｺﾞｼｯｸM-PRO" panose="020F0600000000000000" pitchFamily="50" charset="-128"/>
                                   <a:cs typeface="Courier New" pitchFamily="49" charset="0"/>
@@ -3533,7 +3536,7 @@
                     </m:oMath>
                   </m:oMathPara>
                 </a14:m>
-                <a:endParaRPr lang="ja-JP" altLang="en-US" sz="1200">
+                <a:endParaRPr lang="ja-JP" altLang="en-US" sz="1050">
                   <a:latin typeface="HG丸ｺﾞｼｯｸM-PRO" panose="020F0600000000000000" pitchFamily="50" charset="-128"/>
                   <a:ea typeface="HG丸ｺﾞｼｯｸM-PRO" panose="020F0600000000000000" pitchFamily="50" charset="-128"/>
                   <a:cs typeface="Courier New" pitchFamily="49" charset="0"/>
@@ -3542,7 +3545,7 @@
             </p:txBody>
           </p:sp>
         </mc:Choice>
-        <mc:Fallback xmlns="">
+        <mc:Fallback>
           <p:sp>
             <p:nvSpPr>
               <p:cNvPr id="60" name="テキスト ボックス 59"/>
@@ -3554,7 +3557,7 @@
             <p:spPr>
               <a:xfrm>
                 <a:off x="2737000" y="1040025"/>
-                <a:ext cx="369991" cy="229402"/>
+                <a:ext cx="331840" cy="206125"/>
               </a:xfrm>
               <a:prstGeom prst="rect">
                 <a:avLst/>
@@ -3562,7 +3565,7 @@
               <a:blipFill rotWithShape="1">
                 <a:blip r:embed="rId10"/>
                 <a:stretch>
-                  <a:fillRect b="-8108"/>
+                  <a:fillRect b="-9091"/>
                 </a:stretch>
               </a:blipFill>
               <a:ln w="19050" cap="rnd">
@@ -3585,8 +3588,8 @@
           </p:sp>
         </mc:Fallback>
       </mc:AlternateContent>
-      <mc:AlternateContent xmlns:mc="http://schemas.openxmlformats.org/markup-compatibility/2006" xmlns:a14="http://schemas.microsoft.com/office/drawing/2010/main">
-        <mc:Choice Requires="a14">
+      <mc:AlternateContent xmlns:mc="http://schemas.openxmlformats.org/markup-compatibility/2006">
+        <mc:Choice xmlns:a14="http://schemas.microsoft.com/office/drawing/2010/main" Requires="a14">
           <p:sp>
             <p:nvSpPr>
               <p:cNvPr id="61" name="テキスト ボックス 60"/>
@@ -3596,7 +3599,7 @@
             <p:spPr>
               <a:xfrm>
                 <a:off x="3067620" y="1040025"/>
-                <a:ext cx="383457" cy="229402"/>
+                <a:ext cx="343574" cy="206125"/>
               </a:xfrm>
               <a:prstGeom prst="rect">
                 <a:avLst/>
@@ -3623,7 +3626,7 @@
                       <m:sSub>
                         <m:sSubPr>
                           <m:ctrlPr>
-                            <a:rPr lang="en-US" altLang="ja-JP" sz="1200" b="0" i="1" smtClean="0">
+                            <a:rPr lang="en-US" altLang="ja-JP" sz="1050" b="0" i="1" smtClean="0">
                               <a:latin typeface="Cambria Math"/>
                               <a:ea typeface="HG丸ｺﾞｼｯｸM-PRO" panose="020F0600000000000000" pitchFamily="50" charset="-128"/>
                               <a:cs typeface="Courier New" pitchFamily="49" charset="0"/>
@@ -3632,7 +3635,7 @@
                         </m:sSubPr>
                         <m:e>
                           <m:r>
-                            <a:rPr lang="en-US" altLang="ja-JP" sz="1200" b="0" i="1" smtClean="0">
+                            <a:rPr lang="en-US" altLang="ja-JP" sz="1050" b="0" i="1" smtClean="0">
                               <a:latin typeface="Cambria Math"/>
                               <a:ea typeface="HG丸ｺﾞｼｯｸM-PRO" panose="020F0600000000000000" pitchFamily="50" charset="-128"/>
                               <a:cs typeface="Courier New" pitchFamily="49" charset="0"/>
@@ -3644,7 +3647,7 @@
                           <m:sSup>
                             <m:sSupPr>
                               <m:ctrlPr>
-                                <a:rPr lang="en-US" altLang="ja-JP" sz="1200" b="0" i="1" smtClean="0">
+                                <a:rPr lang="en-US" altLang="ja-JP" sz="1050" b="0" i="1" smtClean="0">
                                   <a:latin typeface="Cambria Math"/>
                                   <a:ea typeface="HG丸ｺﾞｼｯｸM-PRO" panose="020F0600000000000000" pitchFamily="50" charset="-128"/>
                                   <a:cs typeface="Courier New" pitchFamily="49" charset="0"/>
@@ -3653,7 +3656,7 @@
                             </m:sSupPr>
                             <m:e>
                               <m:r>
-                                <a:rPr lang="en-US" altLang="ja-JP" sz="1200" b="0" i="1" smtClean="0">
+                                <a:rPr lang="en-US" altLang="ja-JP" sz="1050" b="0" i="1" smtClean="0">
                                   <a:latin typeface="Cambria Math"/>
                                   <a:ea typeface="HG丸ｺﾞｼｯｸM-PRO" panose="020F0600000000000000" pitchFamily="50" charset="-128"/>
                                   <a:cs typeface="Courier New" pitchFamily="49" charset="0"/>
@@ -3663,7 +3666,7 @@
                             </m:e>
                             <m:sup>
                               <m:r>
-                                <a:rPr lang="en-US" altLang="ja-JP" sz="1200" b="0" i="1" smtClean="0">
+                                <a:rPr lang="en-US" altLang="ja-JP" sz="1050" b="0" i="1" smtClean="0">
                                   <a:latin typeface="Cambria Math"/>
                                   <a:ea typeface="HG丸ｺﾞｼｯｸM-PRO" panose="020F0600000000000000" pitchFamily="50" charset="-128"/>
                                   <a:cs typeface="Courier New" pitchFamily="49" charset="0"/>
@@ -3677,7 +3680,7 @@
                     </m:oMath>
                   </m:oMathPara>
                 </a14:m>
-                <a:endParaRPr lang="ja-JP" altLang="en-US" sz="1200">
+                <a:endParaRPr lang="ja-JP" altLang="en-US" sz="1050">
                   <a:latin typeface="HG丸ｺﾞｼｯｸM-PRO" panose="020F0600000000000000" pitchFamily="50" charset="-128"/>
                   <a:ea typeface="HG丸ｺﾞｼｯｸM-PRO" panose="020F0600000000000000" pitchFamily="50" charset="-128"/>
                   <a:cs typeface="Courier New" pitchFamily="49" charset="0"/>
@@ -3686,7 +3689,7 @@
             </p:txBody>
           </p:sp>
         </mc:Choice>
-        <mc:Fallback xmlns="">
+        <mc:Fallback>
           <p:sp>
             <p:nvSpPr>
               <p:cNvPr id="61" name="テキスト ボックス 60"/>
@@ -3698,7 +3701,7 @@
             <p:spPr>
               <a:xfrm>
                 <a:off x="3067620" y="1040025"/>
-                <a:ext cx="383457" cy="229402"/>
+                <a:ext cx="343574" cy="206125"/>
               </a:xfrm>
               <a:prstGeom prst="rect">
                 <a:avLst/>
@@ -3706,7 +3709,7 @@
               <a:blipFill rotWithShape="1">
                 <a:blip r:embed="rId11"/>
                 <a:stretch>
-                  <a:fillRect b="-8108"/>
+                  <a:fillRect b="-9091"/>
                 </a:stretch>
               </a:blipFill>
               <a:ln w="19050" cap="rnd">
@@ -3729,8 +3732,8 @@
           </p:sp>
         </mc:Fallback>
       </mc:AlternateContent>
-      <mc:AlternateContent xmlns:mc="http://schemas.openxmlformats.org/markup-compatibility/2006" xmlns:a14="http://schemas.microsoft.com/office/drawing/2010/main">
-        <mc:Choice Requires="a14">
+      <mc:AlternateContent xmlns:mc="http://schemas.openxmlformats.org/markup-compatibility/2006">
+        <mc:Choice xmlns:a14="http://schemas.microsoft.com/office/drawing/2010/main" Requires="a14">
           <p:sp>
             <p:nvSpPr>
               <p:cNvPr id="62" name="テキスト ボックス 61"/>
@@ -3740,7 +3743,7 @@
             <p:spPr>
               <a:xfrm>
                 <a:off x="3401886" y="1039577"/>
-                <a:ext cx="396282" cy="230299"/>
+                <a:ext cx="343574" cy="206960"/>
               </a:xfrm>
               <a:prstGeom prst="rect">
                 <a:avLst/>
@@ -3767,7 +3770,7 @@
                       <m:sSub>
                         <m:sSubPr>
                           <m:ctrlPr>
-                            <a:rPr lang="en-US" altLang="ja-JP" sz="1200" b="0" i="1" smtClean="0">
+                            <a:rPr lang="en-US" altLang="ja-JP" sz="1050" b="0" i="1" smtClean="0">
                               <a:latin typeface="Cambria Math"/>
                               <a:ea typeface="HG丸ｺﾞｼｯｸM-PRO" panose="020F0600000000000000" pitchFamily="50" charset="-128"/>
                               <a:cs typeface="Courier New" pitchFamily="49" charset="0"/>
@@ -3776,7 +3779,7 @@
                         </m:sSubPr>
                         <m:e>
                           <m:r>
-                            <a:rPr lang="en-US" altLang="ja-JP" sz="1200" b="0" i="1" smtClean="0">
+                            <a:rPr lang="en-US" altLang="ja-JP" sz="1050" b="0" i="1" smtClean="0">
                               <a:latin typeface="Cambria Math"/>
                               <a:ea typeface="HG丸ｺﾞｼｯｸM-PRO" panose="020F0600000000000000" pitchFamily="50" charset="-128"/>
                               <a:cs typeface="Courier New" pitchFamily="49" charset="0"/>
@@ -3788,7 +3791,7 @@
                           <m:sSup>
                             <m:sSupPr>
                               <m:ctrlPr>
-                                <a:rPr lang="en-US" altLang="ja-JP" sz="1200" b="0" i="1" smtClean="0">
+                                <a:rPr lang="en-US" altLang="ja-JP" sz="1050" b="0" i="1" smtClean="0">
                                   <a:latin typeface="Cambria Math"/>
                                   <a:ea typeface="HG丸ｺﾞｼｯｸM-PRO" panose="020F0600000000000000" pitchFamily="50" charset="-128"/>
                                   <a:cs typeface="Courier New" pitchFamily="49" charset="0"/>
@@ -3797,7 +3800,7 @@
                             </m:sSupPr>
                             <m:e>
                               <m:r>
-                                <a:rPr lang="en-US" altLang="ja-JP" sz="1200" b="0" i="1" smtClean="0">
+                                <a:rPr lang="en-US" altLang="ja-JP" sz="1050" b="0" i="1" smtClean="0">
                                   <a:latin typeface="Cambria Math"/>
                                   <a:ea typeface="HG丸ｺﾞｼｯｸM-PRO" panose="020F0600000000000000" pitchFamily="50" charset="-128"/>
                                   <a:cs typeface="Courier New" pitchFamily="49" charset="0"/>
@@ -3807,7 +3810,7 @@
                             </m:e>
                             <m:sup>
                               <m:r>
-                                <a:rPr lang="en-US" altLang="ja-JP" sz="1200" b="0" i="1" smtClean="0">
+                                <a:rPr lang="en-US" altLang="ja-JP" sz="1050" b="0" i="1" smtClean="0">
                                   <a:latin typeface="Cambria Math"/>
                                   <a:ea typeface="HG丸ｺﾞｼｯｸM-PRO" panose="020F0600000000000000" pitchFamily="50" charset="-128"/>
                                   <a:cs typeface="Courier New" pitchFamily="49" charset="0"/>
@@ -3821,7 +3824,7 @@
                     </m:oMath>
                   </m:oMathPara>
                 </a14:m>
-                <a:endParaRPr lang="ja-JP" altLang="en-US" sz="1200">
+                <a:endParaRPr lang="ja-JP" altLang="en-US" sz="1050">
                   <a:latin typeface="HG丸ｺﾞｼｯｸM-PRO" panose="020F0600000000000000" pitchFamily="50" charset="-128"/>
                   <a:ea typeface="HG丸ｺﾞｼｯｸM-PRO" panose="020F0600000000000000" pitchFamily="50" charset="-128"/>
                   <a:cs typeface="Courier New" pitchFamily="49" charset="0"/>
@@ -3830,7 +3833,7 @@
             </p:txBody>
           </p:sp>
         </mc:Choice>
-        <mc:Fallback xmlns="">
+        <mc:Fallback>
           <p:sp>
             <p:nvSpPr>
               <p:cNvPr id="62" name="テキスト ボックス 61"/>
@@ -3842,7 +3845,7 @@
             <p:spPr>
               <a:xfrm>
                 <a:off x="3401886" y="1039577"/>
-                <a:ext cx="396282" cy="230299"/>
+                <a:ext cx="343574" cy="206960"/>
               </a:xfrm>
               <a:prstGeom prst="rect">
                 <a:avLst/>
@@ -3850,7 +3853,7 @@
               <a:blipFill rotWithShape="1">
                 <a:blip r:embed="rId12"/>
                 <a:stretch>
-                  <a:fillRect b="-8108"/>
+                  <a:fillRect b="-9091"/>
                 </a:stretch>
               </a:blipFill>
               <a:ln w="19050" cap="rnd">
@@ -3873,8 +3876,8 @@
           </p:sp>
         </mc:Fallback>
       </mc:AlternateContent>
-      <mc:AlternateContent xmlns:mc="http://schemas.openxmlformats.org/markup-compatibility/2006" xmlns:a14="http://schemas.microsoft.com/office/drawing/2010/main">
-        <mc:Choice Requires="a14">
+      <mc:AlternateContent xmlns:mc="http://schemas.openxmlformats.org/markup-compatibility/2006">
+        <mc:Choice xmlns:a14="http://schemas.microsoft.com/office/drawing/2010/main" Requires="a14">
           <p:sp>
             <p:nvSpPr>
               <p:cNvPr id="63" name="テキスト ボックス 62"/>
@@ -3884,7 +3887,7 @@
             <p:spPr>
               <a:xfrm>
                 <a:off x="3755791" y="1040025"/>
-                <a:ext cx="380700" cy="229402"/>
+                <a:ext cx="341202" cy="206125"/>
               </a:xfrm>
               <a:prstGeom prst="rect">
                 <a:avLst/>
@@ -3911,7 +3914,7 @@
                       <m:sSub>
                         <m:sSubPr>
                           <m:ctrlPr>
-                            <a:rPr lang="en-US" altLang="ja-JP" sz="1200" b="0" i="1" smtClean="0">
+                            <a:rPr lang="en-US" altLang="ja-JP" sz="1050" b="0" i="1" smtClean="0">
                               <a:latin typeface="Cambria Math"/>
                               <a:ea typeface="HG丸ｺﾞｼｯｸM-PRO" panose="020F0600000000000000" pitchFamily="50" charset="-128"/>
                               <a:cs typeface="Courier New" pitchFamily="49" charset="0"/>
@@ -3920,7 +3923,7 @@
                         </m:sSubPr>
                         <m:e>
                           <m:r>
-                            <a:rPr lang="en-US" altLang="ja-JP" sz="1200" b="0" i="1" smtClean="0">
+                            <a:rPr lang="en-US" altLang="ja-JP" sz="1050" b="0" i="1" smtClean="0">
                               <a:latin typeface="Cambria Math"/>
                               <a:ea typeface="HG丸ｺﾞｼｯｸM-PRO" panose="020F0600000000000000" pitchFamily="50" charset="-128"/>
                               <a:cs typeface="Courier New" pitchFamily="49" charset="0"/>
@@ -3932,7 +3935,7 @@
                           <m:sSup>
                             <m:sSupPr>
                               <m:ctrlPr>
-                                <a:rPr lang="en-US" altLang="ja-JP" sz="1200" b="0" i="1" smtClean="0">
+                                <a:rPr lang="en-US" altLang="ja-JP" sz="1050" b="0" i="1" smtClean="0">
                                   <a:latin typeface="Cambria Math"/>
                                   <a:ea typeface="HG丸ｺﾞｼｯｸM-PRO" panose="020F0600000000000000" pitchFamily="50" charset="-128"/>
                                   <a:cs typeface="Courier New" pitchFamily="49" charset="0"/>
@@ -3941,7 +3944,7 @@
                             </m:sSupPr>
                             <m:e>
                               <m:r>
-                                <a:rPr lang="en-US" altLang="ja-JP" sz="1200" b="0" i="1" smtClean="0">
+                                <a:rPr lang="en-US" altLang="ja-JP" sz="1050" b="0" i="1" smtClean="0">
                                   <a:latin typeface="Cambria Math"/>
                                   <a:ea typeface="HG丸ｺﾞｼｯｸM-PRO" panose="020F0600000000000000" pitchFamily="50" charset="-128"/>
                                   <a:cs typeface="Courier New" pitchFamily="49" charset="0"/>
@@ -3951,7 +3954,7 @@
                             </m:e>
                             <m:sup>
                               <m:r>
-                                <a:rPr lang="en-US" altLang="ja-JP" sz="1200" b="0" i="1" smtClean="0">
+                                <a:rPr lang="en-US" altLang="ja-JP" sz="1050" b="0" i="1" smtClean="0">
                                   <a:latin typeface="Cambria Math"/>
                                   <a:ea typeface="HG丸ｺﾞｼｯｸM-PRO" panose="020F0600000000000000" pitchFamily="50" charset="-128"/>
                                   <a:cs typeface="Courier New" pitchFamily="49" charset="0"/>
@@ -3965,7 +3968,7 @@
                     </m:oMath>
                   </m:oMathPara>
                 </a14:m>
-                <a:endParaRPr lang="ja-JP" altLang="en-US" sz="1200">
+                <a:endParaRPr lang="ja-JP" altLang="en-US" sz="1050">
                   <a:latin typeface="HG丸ｺﾞｼｯｸM-PRO" panose="020F0600000000000000" pitchFamily="50" charset="-128"/>
                   <a:ea typeface="HG丸ｺﾞｼｯｸM-PRO" panose="020F0600000000000000" pitchFamily="50" charset="-128"/>
                   <a:cs typeface="Courier New" pitchFamily="49" charset="0"/>
@@ -3974,7 +3977,7 @@
             </p:txBody>
           </p:sp>
         </mc:Choice>
-        <mc:Fallback xmlns="">
+        <mc:Fallback>
           <p:sp>
             <p:nvSpPr>
               <p:cNvPr id="63" name="テキスト ボックス 62"/>
@@ -3986,7 +3989,7 @@
             <p:spPr>
               <a:xfrm>
                 <a:off x="3755791" y="1040025"/>
-                <a:ext cx="380700" cy="229402"/>
+                <a:ext cx="341202" cy="206125"/>
               </a:xfrm>
               <a:prstGeom prst="rect">
                 <a:avLst/>
@@ -3994,7 +3997,7 @@
               <a:blipFill rotWithShape="1">
                 <a:blip r:embed="rId13"/>
                 <a:stretch>
-                  <a:fillRect b="-8108"/>
+                  <a:fillRect b="-9091"/>
                 </a:stretch>
               </a:blipFill>
               <a:ln w="19050" cap="rnd">
@@ -4027,9 +4030,9 @@
           <p:nvPr/>
         </p:nvCxnSpPr>
         <p:spPr>
-          <a:xfrm flipV="1">
-            <a:off x="2919915" y="1269427"/>
-            <a:ext cx="2081" cy="202646"/>
+          <a:xfrm flipH="1" flipV="1">
+            <a:off x="2902920" y="1246150"/>
+            <a:ext cx="1927" cy="225923"/>
           </a:xfrm>
           <a:prstGeom prst="straightConnector1">
             <a:avLst/>
@@ -4066,9 +4069,9 @@
           <p:nvPr/>
         </p:nvCxnSpPr>
         <p:spPr>
-          <a:xfrm flipV="1">
-            <a:off x="3257267" y="1269427"/>
-            <a:ext cx="2082" cy="202646"/>
+          <a:xfrm flipH="1" flipV="1">
+            <a:off x="3239407" y="1246150"/>
+            <a:ext cx="1927" cy="225923"/>
           </a:xfrm>
           <a:prstGeom prst="straightConnector1">
             <a:avLst/>
@@ -4106,8 +4109,8 @@
         </p:nvCxnSpPr>
         <p:spPr>
           <a:xfrm flipH="1" flipV="1">
-            <a:off x="3600027" y="1269876"/>
-            <a:ext cx="1325" cy="201749"/>
+            <a:off x="3573673" y="1246537"/>
+            <a:ext cx="11746" cy="225088"/>
           </a:xfrm>
           <a:prstGeom prst="straightConnector1">
             <a:avLst/>
@@ -4144,9 +4147,9 @@
           <p:nvPr/>
         </p:nvCxnSpPr>
         <p:spPr>
-          <a:xfrm flipV="1">
-            <a:off x="3942168" y="1269427"/>
-            <a:ext cx="3973" cy="202646"/>
+          <a:xfrm flipH="1" flipV="1">
+            <a:off x="3926392" y="1246150"/>
+            <a:ext cx="292" cy="225923"/>
           </a:xfrm>
           <a:prstGeom prst="straightConnector1">
             <a:avLst/>
@@ -4217,7 +4220,7 @@
           <a:p>
             <a:pPr algn="ctr"/>
             <a:r>
-              <a:rPr kumimoji="1" lang="ja-JP" altLang="en-US" sz="1200" smtClean="0">
+              <a:rPr kumimoji="1" lang="ja-JP" altLang="en-US" sz="1050" smtClean="0">
                 <a:solidFill>
                   <a:srgbClr val="000000"/>
                 </a:solidFill>
@@ -4226,7 +4229,7 @@
               </a:rPr>
               <a:t>集計</a:t>
             </a:r>
-            <a:endParaRPr kumimoji="1" lang="ja-JP" altLang="en-US" sz="1200">
+            <a:endParaRPr kumimoji="1" lang="ja-JP" altLang="en-US" sz="1050">
               <a:solidFill>
                 <a:srgbClr val="000000"/>
               </a:solidFill>
@@ -4246,8 +4249,8 @@
         </p:nvCxnSpPr>
         <p:spPr>
           <a:xfrm flipV="1">
-            <a:off x="2921996" y="837828"/>
-            <a:ext cx="184995" cy="202197"/>
+            <a:off x="2902920" y="837829"/>
+            <a:ext cx="204071" cy="202196"/>
           </a:xfrm>
           <a:prstGeom prst="straightConnector1">
             <a:avLst/>
@@ -4284,8 +4287,8 @@
         </p:nvCxnSpPr>
         <p:spPr>
           <a:xfrm flipV="1">
-            <a:off x="3259349" y="837828"/>
-            <a:ext cx="48933" cy="202197"/>
+            <a:off x="3239407" y="837829"/>
+            <a:ext cx="68875" cy="202196"/>
           </a:xfrm>
           <a:prstGeom prst="straightConnector1">
             <a:avLst/>
@@ -4322,8 +4325,8 @@
         </p:nvCxnSpPr>
         <p:spPr>
           <a:xfrm flipV="1">
-            <a:off x="3600027" y="837828"/>
-            <a:ext cx="0" cy="201749"/>
+            <a:off x="3573673" y="837829"/>
+            <a:ext cx="26354" cy="201748"/>
           </a:xfrm>
           <a:prstGeom prst="straightConnector1">
             <a:avLst/>
@@ -4360,8 +4363,8 @@
         </p:nvCxnSpPr>
         <p:spPr>
           <a:xfrm flipH="1" flipV="1">
-            <a:off x="3870176" y="837828"/>
-            <a:ext cx="75965" cy="202197"/>
+            <a:off x="3870177" y="837829"/>
+            <a:ext cx="56215" cy="202196"/>
           </a:xfrm>
           <a:prstGeom prst="straightConnector1">
             <a:avLst/>
@@ -4431,7 +4434,7 @@
           <a:lstStyle/>
           <a:p>
             <a:pPr algn="ctr"/>
-            <a:endParaRPr kumimoji="1" lang="ja-JP" altLang="en-US" sz="1000">
+            <a:endParaRPr kumimoji="1" lang="ja-JP" altLang="en-US" sz="1050">
               <a:solidFill>
                 <a:srgbClr val="000000"/>
               </a:solidFill>
@@ -4449,14 +4452,14 @@
         </p:nvGrpSpPr>
         <p:grpSpPr>
           <a:xfrm>
-            <a:off x="269775" y="2313991"/>
-            <a:ext cx="433278" cy="440184"/>
+            <a:off x="230227" y="2313991"/>
+            <a:ext cx="530534" cy="430743"/>
             <a:chOff x="125759" y="2169975"/>
-            <a:chExt cx="433278" cy="440184"/>
+            <a:chExt cx="490986" cy="430743"/>
           </a:xfrm>
         </p:grpSpPr>
-        <mc:AlternateContent xmlns:mc="http://schemas.openxmlformats.org/markup-compatibility/2006">
-          <mc:Choice xmlns:a14="http://schemas.microsoft.com/office/drawing/2010/main" Requires="a14">
+        <mc:AlternateContent xmlns:mc="http://schemas.openxmlformats.org/markup-compatibility/2006" xmlns:a14="http://schemas.microsoft.com/office/drawing/2010/main">
+          <mc:Choice Requires="a14">
             <p:sp>
               <p:nvSpPr>
                 <p:cNvPr id="34" name="テキスト ボックス 33"/>
@@ -4466,7 +4469,7 @@
               <p:spPr>
                 <a:xfrm>
                   <a:off x="197767" y="2381976"/>
-                  <a:ext cx="335111" cy="228183"/>
+                  <a:ext cx="302666" cy="205100"/>
                 </a:xfrm>
                 <a:prstGeom prst="rect">
                   <a:avLst/>
@@ -4493,7 +4496,7 @@
                         <m:sSub>
                           <m:sSubPr>
                             <m:ctrlPr>
-                              <a:rPr lang="en-US" altLang="ja-JP" sz="1200" b="0" i="1" smtClean="0">
+                              <a:rPr lang="en-US" altLang="ja-JP" sz="1050" b="0" i="1" smtClean="0">
                                 <a:latin typeface="Cambria Math"/>
                                 <a:ea typeface="HG丸ｺﾞｼｯｸM-PRO" panose="020F0600000000000000" pitchFamily="50" charset="-128"/>
                                 <a:cs typeface="Courier New" pitchFamily="49" charset="0"/>
@@ -4502,7 +4505,7 @@
                           </m:sSubPr>
                           <m:e>
                             <m:r>
-                              <a:rPr lang="en-US" altLang="ja-JP" sz="1200" b="0" i="1" smtClean="0">
+                              <a:rPr lang="en-US" altLang="ja-JP" sz="1050" b="0" i="1" smtClean="0">
                                 <a:latin typeface="Cambria Math"/>
                                 <a:ea typeface="HG丸ｺﾞｼｯｸM-PRO" panose="020F0600000000000000" pitchFamily="50" charset="-128"/>
                                 <a:cs typeface="Courier New" pitchFamily="49" charset="0"/>
@@ -4512,7 +4515,7 @@
                           </m:e>
                           <m:sub>
                             <m:r>
-                              <a:rPr lang="en-US" altLang="ja-JP" sz="1200" b="0" i="1" smtClean="0">
+                              <a:rPr lang="en-US" altLang="ja-JP" sz="1050" b="0" i="1" smtClean="0">
                                 <a:latin typeface="Cambria Math"/>
                                 <a:ea typeface="HG丸ｺﾞｼｯｸM-PRO" panose="020F0600000000000000" pitchFamily="50" charset="-128"/>
                                 <a:cs typeface="Courier New" pitchFamily="49" charset="0"/>
@@ -4524,7 +4527,7 @@
                       </m:oMath>
                     </m:oMathPara>
                   </a14:m>
-                  <a:endParaRPr lang="ja-JP" altLang="en-US" sz="1200">
+                  <a:endParaRPr lang="ja-JP" altLang="en-US" sz="1050">
                     <a:latin typeface="HG丸ｺﾞｼｯｸM-PRO" panose="020F0600000000000000" pitchFamily="50" charset="-128"/>
                     <a:ea typeface="HG丸ｺﾞｼｯｸM-PRO" panose="020F0600000000000000" pitchFamily="50" charset="-128"/>
                     <a:cs typeface="Courier New" pitchFamily="49" charset="0"/>
@@ -4533,7 +4536,7 @@
               </p:txBody>
             </p:sp>
           </mc:Choice>
-          <mc:Fallback>
+          <mc:Fallback xmlns="">
             <p:sp>
               <p:nvSpPr>
                 <p:cNvPr id="34" name="テキスト ボックス 33"/>
@@ -4585,7 +4588,7 @@
           <p:spPr>
             <a:xfrm>
               <a:off x="125759" y="2224599"/>
-              <a:ext cx="433278" cy="182016"/>
+              <a:ext cx="490986" cy="205100"/>
             </a:xfrm>
             <a:prstGeom prst="rect">
               <a:avLst/>
@@ -4603,14 +4606,14 @@
             <a:lstStyle/>
             <a:p>
               <a:r>
-                <a:rPr lang="ja-JP" altLang="en-US" sz="900" smtClean="0">
+                <a:rPr lang="ja-JP" altLang="en-US" sz="1050" smtClean="0">
                   <a:latin typeface="HG丸ｺﾞｼｯｸM-PRO" panose="020F0600000000000000" pitchFamily="50" charset="-128"/>
                   <a:ea typeface="HG丸ｺﾞｼｯｸM-PRO" panose="020F0600000000000000" pitchFamily="50" charset="-128"/>
                   <a:cs typeface="Courier New" pitchFamily="49" charset="0"/>
                 </a:rPr>
                 <a:t>内封筒</a:t>
               </a:r>
-              <a:endParaRPr lang="ja-JP" altLang="en-US" sz="900">
+              <a:endParaRPr lang="ja-JP" altLang="en-US" sz="1050">
                 <a:latin typeface="HG丸ｺﾞｼｯｸM-PRO" panose="020F0600000000000000" pitchFamily="50" charset="-128"/>
                 <a:ea typeface="HG丸ｺﾞｼｯｸM-PRO" panose="020F0600000000000000" pitchFamily="50" charset="-128"/>
                 <a:cs typeface="Courier New" pitchFamily="49" charset="0"/>
@@ -4661,7 +4664,7 @@
             <a:lstStyle/>
             <a:p>
               <a:pPr algn="ctr"/>
-              <a:endParaRPr kumimoji="1" lang="ja-JP" altLang="en-US" sz="1000">
+              <a:endParaRPr kumimoji="1" lang="ja-JP" altLang="en-US" sz="1050">
                 <a:solidFill>
                   <a:srgbClr val="000000"/>
                 </a:solidFill>
@@ -4681,7 +4684,7 @@
         <p:spPr>
           <a:xfrm>
             <a:off x="269161" y="2080583"/>
-            <a:ext cx="433278" cy="182016"/>
+            <a:ext cx="490986" cy="205100"/>
           </a:xfrm>
           <a:prstGeom prst="rect">
             <a:avLst/>
@@ -4699,7 +4702,7 @@
           <a:lstStyle/>
           <a:p>
             <a:r>
-              <a:rPr lang="ja-JP" altLang="en-US" sz="900">
+              <a:rPr lang="ja-JP" altLang="en-US" sz="1050">
                 <a:latin typeface="HG丸ｺﾞｼｯｸM-PRO" panose="020F0600000000000000" pitchFamily="50" charset="-128"/>
                 <a:ea typeface="HG丸ｺﾞｼｯｸM-PRO" panose="020F0600000000000000" pitchFamily="50" charset="-128"/>
                 <a:cs typeface="Courier New" pitchFamily="49" charset="0"/>
@@ -4707,14 +4710,14 @@
               <a:t>外</a:t>
             </a:r>
             <a:r>
-              <a:rPr lang="ja-JP" altLang="en-US" sz="900" smtClean="0">
+              <a:rPr lang="ja-JP" altLang="en-US" sz="1050" smtClean="0">
                 <a:latin typeface="HG丸ｺﾞｼｯｸM-PRO" panose="020F0600000000000000" pitchFamily="50" charset="-128"/>
                 <a:ea typeface="HG丸ｺﾞｼｯｸM-PRO" panose="020F0600000000000000" pitchFamily="50" charset="-128"/>
                 <a:cs typeface="Courier New" pitchFamily="49" charset="0"/>
               </a:rPr>
               <a:t>封筒</a:t>
             </a:r>
-            <a:endParaRPr lang="ja-JP" altLang="en-US" sz="900">
+            <a:endParaRPr lang="ja-JP" altLang="en-US" sz="1050">
               <a:latin typeface="HG丸ｺﾞｼｯｸM-PRO" panose="020F0600000000000000" pitchFamily="50" charset="-128"/>
               <a:ea typeface="HG丸ｺﾞｼｯｸM-PRO" panose="020F0600000000000000" pitchFamily="50" charset="-128"/>
               <a:cs typeface="Courier New" pitchFamily="49" charset="0"/>
@@ -4722,32 +4725,1062 @@
           </a:p>
         </p:txBody>
       </p:sp>
+      <mc:AlternateContent xmlns:mc="http://schemas.openxmlformats.org/markup-compatibility/2006">
+        <mc:Choice xmlns:a14="http://schemas.microsoft.com/office/drawing/2010/main" Requires="a14">
+          <p:sp>
+            <p:nvSpPr>
+              <p:cNvPr id="43" name="テキスト ボックス 42"/>
+              <p:cNvSpPr txBox="1"/>
+              <p:nvPr/>
+            </p:nvSpPr>
+            <p:spPr>
+              <a:xfrm>
+                <a:off x="1061863" y="2525992"/>
+                <a:ext cx="305808" cy="205100"/>
+              </a:xfrm>
+              <a:prstGeom prst="rect">
+                <a:avLst/>
+              </a:prstGeom>
+              <a:noFill/>
+              <a:ln w="19050" cap="rnd">
+                <a:noFill/>
+                <a:prstDash val="sysDash"/>
+              </a:ln>
+            </p:spPr>
+            <p:txBody>
+              <a:bodyPr wrap="none" lIns="43094" tIns="21548" rIns="43094" bIns="21548" rtlCol="0">
+                <a:spAutoFit/>
+              </a:bodyPr>
+              <a:lstStyle/>
+              <a:p>
+                <a:pPr/>
+                <a14:m>
+                  <m:oMathPara xmlns:m="http://schemas.openxmlformats.org/officeDocument/2006/math">
+                    <m:oMathParaPr>
+                      <m:jc m:val="centerGroup"/>
+                    </m:oMathParaPr>
+                    <m:oMath xmlns:m="http://schemas.openxmlformats.org/officeDocument/2006/math">
+                      <m:sSub>
+                        <m:sSubPr>
+                          <m:ctrlPr>
+                            <a:rPr lang="en-US" altLang="ja-JP" sz="1050" b="0" i="1" smtClean="0">
+                              <a:latin typeface="Cambria Math"/>
+                              <a:ea typeface="HG丸ｺﾞｼｯｸM-PRO" panose="020F0600000000000000" pitchFamily="50" charset="-128"/>
+                              <a:cs typeface="Courier New" pitchFamily="49" charset="0"/>
+                            </a:rPr>
+                          </m:ctrlPr>
+                        </m:sSubPr>
+                        <m:e>
+                          <m:r>
+                            <a:rPr lang="en-US" altLang="ja-JP" sz="1050" b="0" i="1" smtClean="0">
+                              <a:latin typeface="Cambria Math"/>
+                              <a:ea typeface="HG丸ｺﾞｼｯｸM-PRO" panose="020F0600000000000000" pitchFamily="50" charset="-128"/>
+                              <a:cs typeface="Courier New" pitchFamily="49" charset="0"/>
+                            </a:rPr>
+                            <m:t>𝑚</m:t>
+                          </m:r>
+                        </m:e>
+                        <m:sub>
+                          <m:r>
+                            <a:rPr lang="en-US" altLang="ja-JP" sz="1050" b="0" i="1" smtClean="0">
+                              <a:latin typeface="Cambria Math"/>
+                              <a:ea typeface="HG丸ｺﾞｼｯｸM-PRO" panose="020F0600000000000000" pitchFamily="50" charset="-128"/>
+                              <a:cs typeface="Courier New" pitchFamily="49" charset="0"/>
+                            </a:rPr>
+                            <m:t>2</m:t>
+                          </m:r>
+                        </m:sub>
+                      </m:sSub>
+                    </m:oMath>
+                  </m:oMathPara>
+                </a14:m>
+                <a:endParaRPr lang="ja-JP" altLang="en-US" sz="1050">
+                  <a:latin typeface="HG丸ｺﾞｼｯｸM-PRO" panose="020F0600000000000000" pitchFamily="50" charset="-128"/>
+                  <a:ea typeface="HG丸ｺﾞｼｯｸM-PRO" panose="020F0600000000000000" pitchFamily="50" charset="-128"/>
+                  <a:cs typeface="Courier New" pitchFamily="49" charset="0"/>
+                </a:endParaRPr>
+              </a:p>
+            </p:txBody>
+          </p:sp>
+        </mc:Choice>
+        <mc:Fallback>
+          <p:sp>
+            <p:nvSpPr>
+              <p:cNvPr id="43" name="テキスト ボックス 42"/>
+              <p:cNvSpPr txBox="1">
+                <a:spLocks noRot="1" noChangeAspect="1" noMove="1" noResize="1" noEditPoints="1" noAdjustHandles="1" noChangeArrowheads="1" noChangeShapeType="1" noTextEdit="1"/>
+              </p:cNvSpPr>
+              <p:nvPr/>
+            </p:nvSpPr>
+            <p:spPr>
+              <a:xfrm>
+                <a:off x="1061863" y="2525992"/>
+                <a:ext cx="305808" cy="205100"/>
+              </a:xfrm>
+              <a:prstGeom prst="rect">
+                <a:avLst/>
+              </a:prstGeom>
+              <a:blipFill rotWithShape="1">
+                <a:blip r:embed="rId15"/>
+                <a:stretch>
+                  <a:fillRect b="-2941"/>
+                </a:stretch>
+              </a:blipFill>
+              <a:ln w="19050" cap="rnd">
+                <a:noFill/>
+                <a:prstDash val="sysDash"/>
+              </a:ln>
+            </p:spPr>
+            <p:txBody>
+              <a:bodyPr/>
+              <a:lstStyle/>
+              <a:p>
+                <a:r>
+                  <a:rPr lang="ja-JP" altLang="en-US">
+                    <a:noFill/>
+                  </a:rPr>
+                  <a:t> </a:t>
+                </a:r>
+              </a:p>
+            </p:txBody>
+          </p:sp>
+        </mc:Fallback>
+      </mc:AlternateContent>
+      <p:sp>
+        <p:nvSpPr>
+          <p:cNvPr id="45" name="正方形/長方形 44"/>
+          <p:cNvSpPr/>
+          <p:nvPr/>
+        </p:nvSpPr>
+        <p:spPr>
+          <a:xfrm>
+            <a:off x="917848" y="2061964"/>
+            <a:ext cx="576064" cy="720080"/>
+          </a:xfrm>
+          <a:prstGeom prst="rect">
+            <a:avLst/>
+          </a:prstGeom>
+          <a:noFill/>
+          <a:ln w="6350">
+            <a:solidFill>
+              <a:srgbClr val="000000"/>
+            </a:solidFill>
+            <a:prstDash val="solid"/>
+          </a:ln>
+        </p:spPr>
+        <p:style>
+          <a:lnRef idx="2">
+            <a:schemeClr val="accent1">
+              <a:shade val="50000"/>
+            </a:schemeClr>
+          </a:lnRef>
+          <a:fillRef idx="1">
+            <a:schemeClr val="accent1"/>
+          </a:fillRef>
+          <a:effectRef idx="0">
+            <a:schemeClr val="accent1"/>
+          </a:effectRef>
+          <a:fontRef idx="minor">
+            <a:schemeClr val="lt1"/>
+          </a:fontRef>
+        </p:style>
+        <p:txBody>
+          <a:bodyPr rtlCol="0" anchor="ctr"/>
+          <a:lstStyle/>
+          <a:p>
+            <a:pPr algn="ctr"/>
+            <a:endParaRPr kumimoji="1" lang="ja-JP" altLang="en-US" sz="1050">
+              <a:solidFill>
+                <a:srgbClr val="000000"/>
+              </a:solidFill>
+              <a:latin typeface="HG丸ｺﾞｼｯｸM-PRO" panose="020F0600000000000000" pitchFamily="50" charset="-128"/>
+              <a:ea typeface="HG丸ｺﾞｼｯｸM-PRO" panose="020F0600000000000000" pitchFamily="50" charset="-128"/>
+            </a:endParaRPr>
+          </a:p>
+        </p:txBody>
+      </p:sp>
+      <p:sp>
+        <p:nvSpPr>
+          <p:cNvPr id="50" name="テキスト ボックス 49"/>
+          <p:cNvSpPr txBox="1"/>
+          <p:nvPr/>
+        </p:nvSpPr>
+        <p:spPr>
+          <a:xfrm>
+            <a:off x="946315" y="2368615"/>
+            <a:ext cx="490986" cy="205100"/>
+          </a:xfrm>
+          <a:prstGeom prst="rect">
+            <a:avLst/>
+          </a:prstGeom>
+          <a:noFill/>
+          <a:ln w="19050" cap="rnd">
+            <a:noFill/>
+            <a:prstDash val="sysDash"/>
+          </a:ln>
+        </p:spPr>
+        <p:txBody>
+          <a:bodyPr wrap="none" lIns="43094" tIns="21548" rIns="43094" bIns="21548" rtlCol="0">
+            <a:spAutoFit/>
+          </a:bodyPr>
+          <a:lstStyle/>
+          <a:p>
+            <a:r>
+              <a:rPr lang="ja-JP" altLang="en-US" sz="1050" smtClean="0">
+                <a:latin typeface="HG丸ｺﾞｼｯｸM-PRO" panose="020F0600000000000000" pitchFamily="50" charset="-128"/>
+                <a:ea typeface="HG丸ｺﾞｼｯｸM-PRO" panose="020F0600000000000000" pitchFamily="50" charset="-128"/>
+                <a:cs typeface="Courier New" pitchFamily="49" charset="0"/>
+              </a:rPr>
+              <a:t>内封筒</a:t>
+            </a:r>
+            <a:endParaRPr lang="ja-JP" altLang="en-US" sz="1050">
+              <a:latin typeface="HG丸ｺﾞｼｯｸM-PRO" panose="020F0600000000000000" pitchFamily="50" charset="-128"/>
+              <a:ea typeface="HG丸ｺﾞｼｯｸM-PRO" panose="020F0600000000000000" pitchFamily="50" charset="-128"/>
+              <a:cs typeface="Courier New" pitchFamily="49" charset="0"/>
+            </a:endParaRPr>
+          </a:p>
+        </p:txBody>
+      </p:sp>
+      <p:sp>
+        <p:nvSpPr>
+          <p:cNvPr id="51" name="正方形/長方形 50"/>
+          <p:cNvSpPr/>
+          <p:nvPr/>
+        </p:nvSpPr>
+        <p:spPr>
+          <a:xfrm>
+            <a:off x="955880" y="2313991"/>
+            <a:ext cx="467254" cy="430743"/>
+          </a:xfrm>
+          <a:prstGeom prst="rect">
+            <a:avLst/>
+          </a:prstGeom>
+          <a:noFill/>
+          <a:ln w="6350">
+            <a:solidFill>
+              <a:srgbClr val="000000"/>
+            </a:solidFill>
+            <a:prstDash val="solid"/>
+          </a:ln>
+        </p:spPr>
+        <p:style>
+          <a:lnRef idx="2">
+            <a:schemeClr val="accent1">
+              <a:shade val="50000"/>
+            </a:schemeClr>
+          </a:lnRef>
+          <a:fillRef idx="1">
+            <a:schemeClr val="accent1"/>
+          </a:fillRef>
+          <a:effectRef idx="0">
+            <a:schemeClr val="accent1"/>
+          </a:effectRef>
+          <a:fontRef idx="minor">
+            <a:schemeClr val="lt1"/>
+          </a:fontRef>
+        </p:style>
+        <p:txBody>
+          <a:bodyPr rtlCol="0" anchor="ctr"/>
+          <a:lstStyle/>
+          <a:p>
+            <a:pPr algn="ctr"/>
+            <a:endParaRPr kumimoji="1" lang="ja-JP" altLang="en-US" sz="1050">
+              <a:solidFill>
+                <a:srgbClr val="000000"/>
+              </a:solidFill>
+              <a:latin typeface="HG丸ｺﾞｼｯｸM-PRO" panose="020F0600000000000000" pitchFamily="50" charset="-128"/>
+              <a:ea typeface="HG丸ｺﾞｼｯｸM-PRO" panose="020F0600000000000000" pitchFamily="50" charset="-128"/>
+            </a:endParaRPr>
+          </a:p>
+        </p:txBody>
+      </p:sp>
+      <p:sp>
+        <p:nvSpPr>
+          <p:cNvPr id="53" name="テキスト ボックス 52"/>
+          <p:cNvSpPr txBox="1"/>
+          <p:nvPr/>
+        </p:nvSpPr>
+        <p:spPr>
+          <a:xfrm>
+            <a:off x="989241" y="2080583"/>
+            <a:ext cx="490986" cy="205100"/>
+          </a:xfrm>
+          <a:prstGeom prst="rect">
+            <a:avLst/>
+          </a:prstGeom>
+          <a:noFill/>
+          <a:ln w="19050" cap="rnd">
+            <a:noFill/>
+            <a:prstDash val="sysDash"/>
+          </a:ln>
+        </p:spPr>
+        <p:txBody>
+          <a:bodyPr wrap="none" lIns="43094" tIns="21548" rIns="43094" bIns="21548" rtlCol="0">
+            <a:spAutoFit/>
+          </a:bodyPr>
+          <a:lstStyle/>
+          <a:p>
+            <a:r>
+              <a:rPr lang="ja-JP" altLang="en-US" sz="1050">
+                <a:latin typeface="HG丸ｺﾞｼｯｸM-PRO" panose="020F0600000000000000" pitchFamily="50" charset="-128"/>
+                <a:ea typeface="HG丸ｺﾞｼｯｸM-PRO" panose="020F0600000000000000" pitchFamily="50" charset="-128"/>
+                <a:cs typeface="Courier New" pitchFamily="49" charset="0"/>
+              </a:rPr>
+              <a:t>外</a:t>
+            </a:r>
+            <a:r>
+              <a:rPr lang="ja-JP" altLang="en-US" sz="1050" smtClean="0">
+                <a:latin typeface="HG丸ｺﾞｼｯｸM-PRO" panose="020F0600000000000000" pitchFamily="50" charset="-128"/>
+                <a:ea typeface="HG丸ｺﾞｼｯｸM-PRO" panose="020F0600000000000000" pitchFamily="50" charset="-128"/>
+                <a:cs typeface="Courier New" pitchFamily="49" charset="0"/>
+              </a:rPr>
+              <a:t>封筒</a:t>
+            </a:r>
+            <a:endParaRPr lang="ja-JP" altLang="en-US" sz="1050">
+              <a:latin typeface="HG丸ｺﾞｼｯｸM-PRO" panose="020F0600000000000000" pitchFamily="50" charset="-128"/>
+              <a:ea typeface="HG丸ｺﾞｼｯｸM-PRO" panose="020F0600000000000000" pitchFamily="50" charset="-128"/>
+              <a:cs typeface="Courier New" pitchFamily="49" charset="0"/>
+            </a:endParaRPr>
+          </a:p>
+        </p:txBody>
+      </p:sp>
+      <mc:AlternateContent xmlns:mc="http://schemas.openxmlformats.org/markup-compatibility/2006">
+        <mc:Choice xmlns:a14="http://schemas.microsoft.com/office/drawing/2010/main" Requires="a14">
+          <p:sp>
+            <p:nvSpPr>
+              <p:cNvPr id="57" name="テキスト ボックス 56"/>
+              <p:cNvSpPr txBox="1"/>
+              <p:nvPr/>
+            </p:nvSpPr>
+            <p:spPr>
+              <a:xfrm>
+                <a:off x="1781943" y="2525992"/>
+                <a:ext cx="305808" cy="205100"/>
+              </a:xfrm>
+              <a:prstGeom prst="rect">
+                <a:avLst/>
+              </a:prstGeom>
+              <a:noFill/>
+              <a:ln w="19050" cap="rnd">
+                <a:noFill/>
+                <a:prstDash val="sysDash"/>
+              </a:ln>
+            </p:spPr>
+            <p:txBody>
+              <a:bodyPr wrap="none" lIns="43094" tIns="21548" rIns="43094" bIns="21548" rtlCol="0">
+                <a:spAutoFit/>
+              </a:bodyPr>
+              <a:lstStyle/>
+              <a:p>
+                <a:pPr/>
+                <a14:m>
+                  <m:oMathPara xmlns:m="http://schemas.openxmlformats.org/officeDocument/2006/math">
+                    <m:oMathParaPr>
+                      <m:jc m:val="centerGroup"/>
+                    </m:oMathParaPr>
+                    <m:oMath xmlns:m="http://schemas.openxmlformats.org/officeDocument/2006/math">
+                      <m:sSub>
+                        <m:sSubPr>
+                          <m:ctrlPr>
+                            <a:rPr lang="en-US" altLang="ja-JP" sz="1050" b="0" i="1" smtClean="0">
+                              <a:latin typeface="Cambria Math"/>
+                              <a:ea typeface="HG丸ｺﾞｼｯｸM-PRO" panose="020F0600000000000000" pitchFamily="50" charset="-128"/>
+                              <a:cs typeface="Courier New" pitchFamily="49" charset="0"/>
+                            </a:rPr>
+                          </m:ctrlPr>
+                        </m:sSubPr>
+                        <m:e>
+                          <m:r>
+                            <a:rPr lang="en-US" altLang="ja-JP" sz="1050" b="0" i="1" smtClean="0">
+                              <a:latin typeface="Cambria Math"/>
+                              <a:ea typeface="HG丸ｺﾞｼｯｸM-PRO" panose="020F0600000000000000" pitchFamily="50" charset="-128"/>
+                              <a:cs typeface="Courier New" pitchFamily="49" charset="0"/>
+                            </a:rPr>
+                            <m:t>𝑚</m:t>
+                          </m:r>
+                        </m:e>
+                        <m:sub>
+                          <m:r>
+                            <a:rPr lang="en-US" altLang="ja-JP" sz="1050" b="0" i="1" smtClean="0">
+                              <a:latin typeface="Cambria Math"/>
+                              <a:ea typeface="HG丸ｺﾞｼｯｸM-PRO" panose="020F0600000000000000" pitchFamily="50" charset="-128"/>
+                              <a:cs typeface="Courier New" pitchFamily="49" charset="0"/>
+                            </a:rPr>
+                            <m:t>3</m:t>
+                          </m:r>
+                        </m:sub>
+                      </m:sSub>
+                    </m:oMath>
+                  </m:oMathPara>
+                </a14:m>
+                <a:endParaRPr lang="ja-JP" altLang="en-US" sz="1050">
+                  <a:latin typeface="HG丸ｺﾞｼｯｸM-PRO" panose="020F0600000000000000" pitchFamily="50" charset="-128"/>
+                  <a:ea typeface="HG丸ｺﾞｼｯｸM-PRO" panose="020F0600000000000000" pitchFamily="50" charset="-128"/>
+                  <a:cs typeface="Courier New" pitchFamily="49" charset="0"/>
+                </a:endParaRPr>
+              </a:p>
+            </p:txBody>
+          </p:sp>
+        </mc:Choice>
+        <mc:Fallback>
+          <p:sp>
+            <p:nvSpPr>
+              <p:cNvPr id="57" name="テキスト ボックス 56"/>
+              <p:cNvSpPr txBox="1">
+                <a:spLocks noRot="1" noChangeAspect="1" noMove="1" noResize="1" noEditPoints="1" noAdjustHandles="1" noChangeArrowheads="1" noChangeShapeType="1" noTextEdit="1"/>
+              </p:cNvSpPr>
+              <p:nvPr/>
+            </p:nvSpPr>
+            <p:spPr>
+              <a:xfrm>
+                <a:off x="1781943" y="2525992"/>
+                <a:ext cx="305808" cy="205100"/>
+              </a:xfrm>
+              <a:prstGeom prst="rect">
+                <a:avLst/>
+              </a:prstGeom>
+              <a:blipFill rotWithShape="1">
+                <a:blip r:embed="rId16"/>
+                <a:stretch>
+                  <a:fillRect b="-2941"/>
+                </a:stretch>
+              </a:blipFill>
+              <a:ln w="19050" cap="rnd">
+                <a:noFill/>
+                <a:prstDash val="sysDash"/>
+              </a:ln>
+            </p:spPr>
+            <p:txBody>
+              <a:bodyPr/>
+              <a:lstStyle/>
+              <a:p>
+                <a:r>
+                  <a:rPr lang="ja-JP" altLang="en-US">
+                    <a:noFill/>
+                  </a:rPr>
+                  <a:t> </a:t>
+                </a:r>
+              </a:p>
+            </p:txBody>
+          </p:sp>
+        </mc:Fallback>
+      </mc:AlternateContent>
+      <p:sp>
+        <p:nvSpPr>
+          <p:cNvPr id="59" name="正方形/長方形 58"/>
+          <p:cNvSpPr/>
+          <p:nvPr/>
+        </p:nvSpPr>
+        <p:spPr>
+          <a:xfrm>
+            <a:off x="1637928" y="2061964"/>
+            <a:ext cx="576064" cy="720080"/>
+          </a:xfrm>
+          <a:prstGeom prst="rect">
+            <a:avLst/>
+          </a:prstGeom>
+          <a:noFill/>
+          <a:ln w="6350">
+            <a:solidFill>
+              <a:srgbClr val="000000"/>
+            </a:solidFill>
+            <a:prstDash val="solid"/>
+          </a:ln>
+        </p:spPr>
+        <p:style>
+          <a:lnRef idx="2">
+            <a:schemeClr val="accent1">
+              <a:shade val="50000"/>
+            </a:schemeClr>
+          </a:lnRef>
+          <a:fillRef idx="1">
+            <a:schemeClr val="accent1"/>
+          </a:fillRef>
+          <a:effectRef idx="0">
+            <a:schemeClr val="accent1"/>
+          </a:effectRef>
+          <a:fontRef idx="minor">
+            <a:schemeClr val="lt1"/>
+          </a:fontRef>
+        </p:style>
+        <p:txBody>
+          <a:bodyPr rtlCol="0" anchor="ctr"/>
+          <a:lstStyle/>
+          <a:p>
+            <a:pPr algn="ctr"/>
+            <a:endParaRPr kumimoji="1" lang="ja-JP" altLang="en-US" sz="1050">
+              <a:solidFill>
+                <a:srgbClr val="000000"/>
+              </a:solidFill>
+              <a:latin typeface="HG丸ｺﾞｼｯｸM-PRO" panose="020F0600000000000000" pitchFamily="50" charset="-128"/>
+              <a:ea typeface="HG丸ｺﾞｼｯｸM-PRO" panose="020F0600000000000000" pitchFamily="50" charset="-128"/>
+            </a:endParaRPr>
+          </a:p>
+        </p:txBody>
+      </p:sp>
+      <p:sp>
+        <p:nvSpPr>
+          <p:cNvPr id="68" name="テキスト ボックス 67"/>
+          <p:cNvSpPr txBox="1"/>
+          <p:nvPr/>
+        </p:nvSpPr>
+        <p:spPr>
+          <a:xfrm>
+            <a:off x="1670749" y="2368615"/>
+            <a:ext cx="490986" cy="205100"/>
+          </a:xfrm>
+          <a:prstGeom prst="rect">
+            <a:avLst/>
+          </a:prstGeom>
+          <a:noFill/>
+          <a:ln w="19050" cap="rnd">
+            <a:noFill/>
+            <a:prstDash val="sysDash"/>
+          </a:ln>
+        </p:spPr>
+        <p:txBody>
+          <a:bodyPr wrap="none" lIns="43094" tIns="21548" rIns="43094" bIns="21548" rtlCol="0">
+            <a:spAutoFit/>
+          </a:bodyPr>
+          <a:lstStyle/>
+          <a:p>
+            <a:r>
+              <a:rPr lang="ja-JP" altLang="en-US" sz="1050" smtClean="0">
+                <a:latin typeface="HG丸ｺﾞｼｯｸM-PRO" panose="020F0600000000000000" pitchFamily="50" charset="-128"/>
+                <a:ea typeface="HG丸ｺﾞｼｯｸM-PRO" panose="020F0600000000000000" pitchFamily="50" charset="-128"/>
+                <a:cs typeface="Courier New" pitchFamily="49" charset="0"/>
+              </a:rPr>
+              <a:t>内封筒</a:t>
+            </a:r>
+            <a:endParaRPr lang="ja-JP" altLang="en-US" sz="1050">
+              <a:latin typeface="HG丸ｺﾞｼｯｸM-PRO" panose="020F0600000000000000" pitchFamily="50" charset="-128"/>
+              <a:ea typeface="HG丸ｺﾞｼｯｸM-PRO" panose="020F0600000000000000" pitchFamily="50" charset="-128"/>
+              <a:cs typeface="Courier New" pitchFamily="49" charset="0"/>
+            </a:endParaRPr>
+          </a:p>
+        </p:txBody>
+      </p:sp>
+      <p:sp>
+        <p:nvSpPr>
+          <p:cNvPr id="69" name="正方形/長方形 68"/>
+          <p:cNvSpPr/>
+          <p:nvPr/>
+        </p:nvSpPr>
+        <p:spPr>
+          <a:xfrm>
+            <a:off x="1675960" y="2313991"/>
+            <a:ext cx="467254" cy="430743"/>
+          </a:xfrm>
+          <a:prstGeom prst="rect">
+            <a:avLst/>
+          </a:prstGeom>
+          <a:noFill/>
+          <a:ln w="6350">
+            <a:solidFill>
+              <a:srgbClr val="000000"/>
+            </a:solidFill>
+            <a:prstDash val="solid"/>
+          </a:ln>
+        </p:spPr>
+        <p:style>
+          <a:lnRef idx="2">
+            <a:schemeClr val="accent1">
+              <a:shade val="50000"/>
+            </a:schemeClr>
+          </a:lnRef>
+          <a:fillRef idx="1">
+            <a:schemeClr val="accent1"/>
+          </a:fillRef>
+          <a:effectRef idx="0">
+            <a:schemeClr val="accent1"/>
+          </a:effectRef>
+          <a:fontRef idx="minor">
+            <a:schemeClr val="lt1"/>
+          </a:fontRef>
+        </p:style>
+        <p:txBody>
+          <a:bodyPr rtlCol="0" anchor="ctr"/>
+          <a:lstStyle/>
+          <a:p>
+            <a:pPr algn="ctr"/>
+            <a:endParaRPr kumimoji="1" lang="ja-JP" altLang="en-US" sz="1050">
+              <a:solidFill>
+                <a:srgbClr val="000000"/>
+              </a:solidFill>
+              <a:latin typeface="HG丸ｺﾞｼｯｸM-PRO" panose="020F0600000000000000" pitchFamily="50" charset="-128"/>
+              <a:ea typeface="HG丸ｺﾞｼｯｸM-PRO" panose="020F0600000000000000" pitchFamily="50" charset="-128"/>
+            </a:endParaRPr>
+          </a:p>
+        </p:txBody>
+      </p:sp>
+      <p:sp>
+        <p:nvSpPr>
+          <p:cNvPr id="70" name="テキスト ボックス 69"/>
+          <p:cNvSpPr txBox="1"/>
+          <p:nvPr/>
+        </p:nvSpPr>
+        <p:spPr>
+          <a:xfrm>
+            <a:off x="1709321" y="2080583"/>
+            <a:ext cx="490986" cy="205100"/>
+          </a:xfrm>
+          <a:prstGeom prst="rect">
+            <a:avLst/>
+          </a:prstGeom>
+          <a:noFill/>
+          <a:ln w="19050" cap="rnd">
+            <a:noFill/>
+            <a:prstDash val="sysDash"/>
+          </a:ln>
+        </p:spPr>
+        <p:txBody>
+          <a:bodyPr wrap="none" lIns="43094" tIns="21548" rIns="43094" bIns="21548" rtlCol="0">
+            <a:spAutoFit/>
+          </a:bodyPr>
+          <a:lstStyle/>
+          <a:p>
+            <a:r>
+              <a:rPr lang="ja-JP" altLang="en-US" sz="1050">
+                <a:latin typeface="HG丸ｺﾞｼｯｸM-PRO" panose="020F0600000000000000" pitchFamily="50" charset="-128"/>
+                <a:ea typeface="HG丸ｺﾞｼｯｸM-PRO" panose="020F0600000000000000" pitchFamily="50" charset="-128"/>
+                <a:cs typeface="Courier New" pitchFamily="49" charset="0"/>
+              </a:rPr>
+              <a:t>外</a:t>
+            </a:r>
+            <a:r>
+              <a:rPr lang="ja-JP" altLang="en-US" sz="1050" smtClean="0">
+                <a:latin typeface="HG丸ｺﾞｼｯｸM-PRO" panose="020F0600000000000000" pitchFamily="50" charset="-128"/>
+                <a:ea typeface="HG丸ｺﾞｼｯｸM-PRO" panose="020F0600000000000000" pitchFamily="50" charset="-128"/>
+                <a:cs typeface="Courier New" pitchFamily="49" charset="0"/>
+              </a:rPr>
+              <a:t>封筒</a:t>
+            </a:r>
+            <a:endParaRPr lang="ja-JP" altLang="en-US" sz="1050">
+              <a:latin typeface="HG丸ｺﾞｼｯｸM-PRO" panose="020F0600000000000000" pitchFamily="50" charset="-128"/>
+              <a:ea typeface="HG丸ｺﾞｼｯｸM-PRO" panose="020F0600000000000000" pitchFamily="50" charset="-128"/>
+              <a:cs typeface="Courier New" pitchFamily="49" charset="0"/>
+            </a:endParaRPr>
+          </a:p>
+        </p:txBody>
+      </p:sp>
+      <p:sp>
+        <p:nvSpPr>
+          <p:cNvPr id="71" name="正方形/長方形 70"/>
+          <p:cNvSpPr/>
+          <p:nvPr/>
+        </p:nvSpPr>
+        <p:spPr>
+          <a:xfrm>
+            <a:off x="439280" y="1621724"/>
+            <a:ext cx="1535282" cy="216024"/>
+          </a:xfrm>
+          <a:prstGeom prst="rect">
+            <a:avLst/>
+          </a:prstGeom>
+          <a:noFill/>
+          <a:ln w="6350">
+            <a:solidFill>
+              <a:srgbClr val="000000"/>
+            </a:solidFill>
+            <a:prstDash val="solid"/>
+          </a:ln>
+        </p:spPr>
+        <p:style>
+          <a:lnRef idx="2">
+            <a:schemeClr val="accent1">
+              <a:shade val="50000"/>
+            </a:schemeClr>
+          </a:lnRef>
+          <a:fillRef idx="1">
+            <a:schemeClr val="accent1"/>
+          </a:fillRef>
+          <a:effectRef idx="0">
+            <a:schemeClr val="accent1"/>
+          </a:effectRef>
+          <a:fontRef idx="minor">
+            <a:schemeClr val="lt1"/>
+          </a:fontRef>
+        </p:style>
+        <p:txBody>
+          <a:bodyPr rtlCol="0" anchor="ctr"/>
+          <a:lstStyle/>
+          <a:p>
+            <a:pPr algn="ctr"/>
+            <a:r>
+              <a:rPr lang="ja-JP" altLang="en-US" sz="1050" smtClean="0">
+                <a:solidFill>
+                  <a:srgbClr val="000000"/>
+                </a:solidFill>
+                <a:latin typeface="HG丸ｺﾞｼｯｸM-PRO" panose="020F0600000000000000" pitchFamily="50" charset="-128"/>
+                <a:ea typeface="HG丸ｺﾞｼｯｸM-PRO" panose="020F0600000000000000" pitchFamily="50" charset="-128"/>
+              </a:rPr>
+              <a:t>投票</a:t>
+            </a:r>
+            <a:endParaRPr kumimoji="1" lang="ja-JP" altLang="en-US" sz="1050">
+              <a:solidFill>
+                <a:srgbClr val="000000"/>
+              </a:solidFill>
+              <a:latin typeface="HG丸ｺﾞｼｯｸM-PRO" panose="020F0600000000000000" pitchFamily="50" charset="-128"/>
+              <a:ea typeface="HG丸ｺﾞｼｯｸM-PRO" panose="020F0600000000000000" pitchFamily="50" charset="-128"/>
+            </a:endParaRPr>
+          </a:p>
+        </p:txBody>
+      </p:sp>
+      <p:cxnSp>
+        <p:nvCxnSpPr>
+          <p:cNvPr id="72" name="直線矢印コネクタ 71"/>
+          <p:cNvCxnSpPr/>
+          <p:nvPr/>
+        </p:nvCxnSpPr>
+        <p:spPr>
+          <a:xfrm flipV="1">
+            <a:off x="485800" y="1831665"/>
+            <a:ext cx="269120" cy="230299"/>
+          </a:xfrm>
+          <a:prstGeom prst="straightConnector1">
+            <a:avLst/>
+          </a:prstGeom>
+          <a:ln w="3175">
+            <a:solidFill>
+              <a:schemeClr val="tx1"/>
+            </a:solidFill>
+            <a:tailEnd type="arrow"/>
+          </a:ln>
+        </p:spPr>
+        <p:style>
+          <a:lnRef idx="1">
+            <a:schemeClr val="accent1"/>
+          </a:lnRef>
+          <a:fillRef idx="0">
+            <a:schemeClr val="accent1"/>
+          </a:fillRef>
+          <a:effectRef idx="0">
+            <a:schemeClr val="accent1"/>
+          </a:effectRef>
+          <a:fontRef idx="minor">
+            <a:schemeClr val="tx1"/>
+          </a:fontRef>
+        </p:style>
+      </p:cxnSp>
+      <p:cxnSp>
+        <p:nvCxnSpPr>
+          <p:cNvPr id="75" name="直線矢印コネクタ 74"/>
+          <p:cNvCxnSpPr>
+            <a:stCxn id="45" idx="0"/>
+            <a:endCxn id="71" idx="2"/>
+          </p:cNvCxnSpPr>
+          <p:nvPr/>
+        </p:nvCxnSpPr>
+        <p:spPr>
+          <a:xfrm flipV="1">
+            <a:off x="1205880" y="1837748"/>
+            <a:ext cx="1041" cy="224216"/>
+          </a:xfrm>
+          <a:prstGeom prst="straightConnector1">
+            <a:avLst/>
+          </a:prstGeom>
+          <a:ln w="3175">
+            <a:solidFill>
+              <a:schemeClr val="tx1"/>
+            </a:solidFill>
+            <a:tailEnd type="arrow"/>
+          </a:ln>
+        </p:spPr>
+        <p:style>
+          <a:lnRef idx="1">
+            <a:schemeClr val="accent1"/>
+          </a:lnRef>
+          <a:fillRef idx="0">
+            <a:schemeClr val="accent1"/>
+          </a:fillRef>
+          <a:effectRef idx="0">
+            <a:schemeClr val="accent1"/>
+          </a:effectRef>
+          <a:fontRef idx="minor">
+            <a:schemeClr val="tx1"/>
+          </a:fontRef>
+        </p:style>
+      </p:cxnSp>
+      <p:cxnSp>
+        <p:nvCxnSpPr>
+          <p:cNvPr id="76" name="直線矢印コネクタ 75"/>
+          <p:cNvCxnSpPr>
+            <a:stCxn id="59" idx="0"/>
+          </p:cNvCxnSpPr>
+          <p:nvPr/>
+        </p:nvCxnSpPr>
+        <p:spPr>
+          <a:xfrm flipH="1" flipV="1">
+            <a:off x="1710790" y="1837748"/>
+            <a:ext cx="215170" cy="224216"/>
+          </a:xfrm>
+          <a:prstGeom prst="straightConnector1">
+            <a:avLst/>
+          </a:prstGeom>
+          <a:ln w="3175">
+            <a:solidFill>
+              <a:schemeClr val="tx1"/>
+            </a:solidFill>
+            <a:tailEnd type="arrow"/>
+          </a:ln>
+        </p:spPr>
+        <p:style>
+          <a:lnRef idx="1">
+            <a:schemeClr val="accent1"/>
+          </a:lnRef>
+          <a:fillRef idx="0">
+            <a:schemeClr val="accent1"/>
+          </a:fillRef>
+          <a:effectRef idx="0">
+            <a:schemeClr val="accent1"/>
+          </a:effectRef>
+          <a:fontRef idx="minor">
+            <a:schemeClr val="tx1"/>
+          </a:fontRef>
+        </p:style>
+      </p:cxnSp>
+      <mc:AlternateContent xmlns:mc="http://schemas.openxmlformats.org/markup-compatibility/2006">
+        <mc:Choice xmlns:a14="http://schemas.microsoft.com/office/drawing/2010/main" Requires="a14">
+          <p:sp>
+            <p:nvSpPr>
+              <p:cNvPr id="85" name="テキスト ボックス 84"/>
+              <p:cNvSpPr txBox="1"/>
+              <p:nvPr/>
+            </p:nvSpPr>
+            <p:spPr>
+              <a:xfrm>
+                <a:off x="581346" y="1340295"/>
+                <a:ext cx="305808" cy="205100"/>
+              </a:xfrm>
+              <a:prstGeom prst="rect">
+                <a:avLst/>
+              </a:prstGeom>
+              <a:noFill/>
+              <a:ln w="19050" cap="rnd">
+                <a:noFill/>
+                <a:prstDash val="sysDash"/>
+              </a:ln>
+            </p:spPr>
+            <p:txBody>
+              <a:bodyPr wrap="none" lIns="43094" tIns="21548" rIns="43094" bIns="21548" rtlCol="0">
+                <a:spAutoFit/>
+              </a:bodyPr>
+              <a:lstStyle/>
+              <a:p>
+                <a:pPr/>
+                <a14:m>
+                  <m:oMathPara xmlns:m="http://schemas.openxmlformats.org/officeDocument/2006/math">
+                    <m:oMathParaPr>
+                      <m:jc m:val="centerGroup"/>
+                    </m:oMathParaPr>
+                    <m:oMath xmlns:m="http://schemas.openxmlformats.org/officeDocument/2006/math">
+                      <m:sSub>
+                        <m:sSubPr>
+                          <m:ctrlPr>
+                            <a:rPr lang="en-US" altLang="ja-JP" sz="1050" b="0" i="1" smtClean="0">
+                              <a:latin typeface="Cambria Math"/>
+                              <a:ea typeface="HG丸ｺﾞｼｯｸM-PRO" panose="020F0600000000000000" pitchFamily="50" charset="-128"/>
+                              <a:cs typeface="Courier New" pitchFamily="49" charset="0"/>
+                            </a:rPr>
+                          </m:ctrlPr>
+                        </m:sSubPr>
+                        <m:e>
+                          <m:r>
+                            <a:rPr lang="en-US" altLang="ja-JP" sz="1050" b="0" i="1" smtClean="0">
+                              <a:latin typeface="Cambria Math"/>
+                              <a:ea typeface="HG丸ｺﾞｼｯｸM-PRO" panose="020F0600000000000000" pitchFamily="50" charset="-128"/>
+                              <a:cs typeface="Courier New" pitchFamily="49" charset="0"/>
+                            </a:rPr>
+                            <m:t>𝑚</m:t>
+                          </m:r>
+                        </m:e>
+                        <m:sub>
+                          <m:r>
+                            <a:rPr lang="en-US" altLang="ja-JP" sz="1050" b="0" i="1" smtClean="0">
+                              <a:latin typeface="Cambria Math"/>
+                              <a:ea typeface="HG丸ｺﾞｼｯｸM-PRO" panose="020F0600000000000000" pitchFamily="50" charset="-128"/>
+                              <a:cs typeface="Courier New" pitchFamily="49" charset="0"/>
+                            </a:rPr>
+                            <m:t>2</m:t>
+                          </m:r>
+                        </m:sub>
+                      </m:sSub>
+                    </m:oMath>
+                  </m:oMathPara>
+                </a14:m>
+                <a:endParaRPr lang="ja-JP" altLang="en-US" sz="1050">
+                  <a:latin typeface="HG丸ｺﾞｼｯｸM-PRO" panose="020F0600000000000000" pitchFamily="50" charset="-128"/>
+                  <a:ea typeface="HG丸ｺﾞｼｯｸM-PRO" panose="020F0600000000000000" pitchFamily="50" charset="-128"/>
+                  <a:cs typeface="Courier New" pitchFamily="49" charset="0"/>
+                </a:endParaRPr>
+              </a:p>
+            </p:txBody>
+          </p:sp>
+        </mc:Choice>
+        <mc:Fallback>
+          <p:sp>
+            <p:nvSpPr>
+              <p:cNvPr id="85" name="テキスト ボックス 84"/>
+              <p:cNvSpPr txBox="1">
+                <a:spLocks noRot="1" noChangeAspect="1" noMove="1" noResize="1" noEditPoints="1" noAdjustHandles="1" noChangeArrowheads="1" noChangeShapeType="1" noTextEdit="1"/>
+              </p:cNvSpPr>
+              <p:nvPr/>
+            </p:nvSpPr>
+            <p:spPr>
+              <a:xfrm>
+                <a:off x="581346" y="1340295"/>
+                <a:ext cx="305808" cy="205100"/>
+              </a:xfrm>
+              <a:prstGeom prst="rect">
+                <a:avLst/>
+              </a:prstGeom>
+              <a:blipFill rotWithShape="1">
+                <a:blip r:embed="rId17"/>
+                <a:stretch>
+                  <a:fillRect b="-2941"/>
+                </a:stretch>
+              </a:blipFill>
+              <a:ln w="19050" cap="rnd">
+                <a:noFill/>
+                <a:prstDash val="sysDash"/>
+              </a:ln>
+            </p:spPr>
+            <p:txBody>
+              <a:bodyPr/>
+              <a:lstStyle/>
+              <a:p>
+                <a:r>
+                  <a:rPr lang="ja-JP" altLang="en-US">
+                    <a:noFill/>
+                  </a:rPr>
+                  <a:t> </a:t>
+                </a:r>
+              </a:p>
+            </p:txBody>
+          </p:sp>
+        </mc:Fallback>
+      </mc:AlternateContent>
+      <p:sp>
+        <p:nvSpPr>
+          <p:cNvPr id="86" name="テキスト ボックス 85"/>
+          <p:cNvSpPr txBox="1"/>
+          <p:nvPr/>
+        </p:nvSpPr>
+        <p:spPr>
+          <a:xfrm>
+            <a:off x="474506" y="1182918"/>
+            <a:ext cx="490986" cy="205100"/>
+          </a:xfrm>
+          <a:prstGeom prst="rect">
+            <a:avLst/>
+          </a:prstGeom>
+          <a:noFill/>
+          <a:ln w="19050" cap="rnd">
+            <a:noFill/>
+            <a:prstDash val="sysDash"/>
+          </a:ln>
+        </p:spPr>
+        <p:txBody>
+          <a:bodyPr wrap="none" lIns="43094" tIns="21548" rIns="43094" bIns="21548" rtlCol="0">
+            <a:spAutoFit/>
+          </a:bodyPr>
+          <a:lstStyle/>
+          <a:p>
+            <a:r>
+              <a:rPr lang="ja-JP" altLang="en-US" sz="1050" smtClean="0">
+                <a:latin typeface="HG丸ｺﾞｼｯｸM-PRO" panose="020F0600000000000000" pitchFamily="50" charset="-128"/>
+                <a:ea typeface="HG丸ｺﾞｼｯｸM-PRO" panose="020F0600000000000000" pitchFamily="50" charset="-128"/>
+                <a:cs typeface="Courier New" pitchFamily="49" charset="0"/>
+              </a:rPr>
+              <a:t>内封筒</a:t>
+            </a:r>
+            <a:endParaRPr lang="ja-JP" altLang="en-US" sz="1050">
+              <a:latin typeface="HG丸ｺﾞｼｯｸM-PRO" panose="020F0600000000000000" pitchFamily="50" charset="-128"/>
+              <a:ea typeface="HG丸ｺﾞｼｯｸM-PRO" panose="020F0600000000000000" pitchFamily="50" charset="-128"/>
+              <a:cs typeface="Courier New" pitchFamily="49" charset="0"/>
+            </a:endParaRPr>
+          </a:p>
+        </p:txBody>
+      </p:sp>
+      <p:sp>
+        <p:nvSpPr>
+          <p:cNvPr id="87" name="正方形/長方形 86"/>
+          <p:cNvSpPr/>
+          <p:nvPr/>
+        </p:nvSpPr>
+        <p:spPr>
+          <a:xfrm>
+            <a:off x="475363" y="1128294"/>
+            <a:ext cx="467254" cy="430743"/>
+          </a:xfrm>
+          <a:prstGeom prst="rect">
+            <a:avLst/>
+          </a:prstGeom>
+          <a:noFill/>
+          <a:ln w="6350">
+            <a:solidFill>
+              <a:srgbClr val="000000"/>
+            </a:solidFill>
+            <a:prstDash val="solid"/>
+          </a:ln>
+        </p:spPr>
+        <p:style>
+          <a:lnRef idx="2">
+            <a:schemeClr val="accent1">
+              <a:shade val="50000"/>
+            </a:schemeClr>
+          </a:lnRef>
+          <a:fillRef idx="1">
+            <a:schemeClr val="accent1"/>
+          </a:fillRef>
+          <a:effectRef idx="0">
+            <a:schemeClr val="accent1"/>
+          </a:effectRef>
+          <a:fontRef idx="minor">
+            <a:schemeClr val="lt1"/>
+          </a:fontRef>
+        </p:style>
+        <p:txBody>
+          <a:bodyPr rtlCol="0" anchor="ctr"/>
+          <a:lstStyle/>
+          <a:p>
+            <a:pPr algn="ctr"/>
+            <a:endParaRPr kumimoji="1" lang="ja-JP" altLang="en-US" sz="1050">
+              <a:solidFill>
+                <a:srgbClr val="000000"/>
+              </a:solidFill>
+              <a:latin typeface="HG丸ｺﾞｼｯｸM-PRO" panose="020F0600000000000000" pitchFamily="50" charset="-128"/>
+              <a:ea typeface="HG丸ｺﾞｼｯｸM-PRO" panose="020F0600000000000000" pitchFamily="50" charset="-128"/>
+            </a:endParaRPr>
+          </a:p>
+        </p:txBody>
+      </p:sp>
       <p:grpSp>
         <p:nvGrpSpPr>
-          <p:cNvPr id="42" name="グループ化 41"/>
+          <p:cNvPr id="78" name="グループ化 77"/>
           <p:cNvGrpSpPr/>
           <p:nvPr/>
         </p:nvGrpSpPr>
         <p:grpSpPr>
           <a:xfrm>
-            <a:off x="917848" y="2061964"/>
-            <a:ext cx="576064" cy="720080"/>
-            <a:chOff x="269777" y="1917948"/>
-            <a:chExt cx="576064" cy="720080"/>
+            <a:off x="954711" y="1128294"/>
+            <a:ext cx="530534" cy="430743"/>
+            <a:chOff x="125759" y="2169975"/>
+            <a:chExt cx="490986" cy="430743"/>
           </a:xfrm>
         </p:grpSpPr>
-        <mc:AlternateContent xmlns:mc="http://schemas.openxmlformats.org/markup-compatibility/2006">
-          <mc:Choice xmlns:a14="http://schemas.microsoft.com/office/drawing/2010/main" Requires="a14">
+        <mc:AlternateContent xmlns:mc="http://schemas.openxmlformats.org/markup-compatibility/2006" xmlns:a14="http://schemas.microsoft.com/office/drawing/2010/main">
+          <mc:Choice Requires="a14">
             <p:sp>
               <p:nvSpPr>
-                <p:cNvPr id="43" name="テキスト ボックス 42"/>
+                <p:cNvPr id="79" name="テキスト ボックス 78"/>
                 <p:cNvSpPr txBox="1"/>
                 <p:nvPr/>
               </p:nvSpPr>
               <p:spPr>
                 <a:xfrm>
-                  <a:off x="413792" y="2381976"/>
-                  <a:ext cx="338702" cy="228183"/>
+                  <a:off x="197767" y="2381976"/>
+                  <a:ext cx="305808" cy="205100"/>
                 </a:xfrm>
                 <a:prstGeom prst="rect">
                   <a:avLst/>
@@ -4774,7 +5807,7 @@
                         <m:sSub>
                           <m:sSubPr>
                             <m:ctrlPr>
-                              <a:rPr lang="en-US" altLang="ja-JP" sz="1200" b="0" i="1" smtClean="0">
+                              <a:rPr lang="en-US" altLang="ja-JP" sz="1050" b="0" i="1" smtClean="0">
                                 <a:latin typeface="Cambria Math"/>
                                 <a:ea typeface="HG丸ｺﾞｼｯｸM-PRO" panose="020F0600000000000000" pitchFamily="50" charset="-128"/>
                                 <a:cs typeface="Courier New" pitchFamily="49" charset="0"/>
@@ -4783,7 +5816,7 @@
                           </m:sSubPr>
                           <m:e>
                             <m:r>
-                              <a:rPr lang="en-US" altLang="ja-JP" sz="1200" b="0" i="1" smtClean="0">
+                              <a:rPr lang="en-US" altLang="ja-JP" sz="1050" b="0" i="1" smtClean="0">
                                 <a:latin typeface="Cambria Math"/>
                                 <a:ea typeface="HG丸ｺﾞｼｯｸM-PRO" panose="020F0600000000000000" pitchFamily="50" charset="-128"/>
                                 <a:cs typeface="Courier New" pitchFamily="49" charset="0"/>
@@ -4793,19 +5826,19 @@
                           </m:e>
                           <m:sub>
                             <m:r>
-                              <a:rPr lang="en-US" altLang="ja-JP" sz="1200" b="0" i="1" smtClean="0">
+                              <a:rPr lang="en-US" altLang="ja-JP" sz="1050" b="0" i="1" smtClean="0">
                                 <a:latin typeface="Cambria Math"/>
                                 <a:ea typeface="HG丸ｺﾞｼｯｸM-PRO" panose="020F0600000000000000" pitchFamily="50" charset="-128"/>
                                 <a:cs typeface="Courier New" pitchFamily="49" charset="0"/>
                               </a:rPr>
-                              <m:t>2</m:t>
+                              <m:t>3</m:t>
                             </m:r>
                           </m:sub>
                         </m:sSub>
                       </m:oMath>
                     </m:oMathPara>
                   </a14:m>
-                  <a:endParaRPr lang="ja-JP" altLang="en-US" sz="1200">
+                  <a:endParaRPr lang="ja-JP" altLang="en-US" sz="1050">
                     <a:latin typeface="HG丸ｺﾞｼｯｸM-PRO" panose="020F0600000000000000" pitchFamily="50" charset="-128"/>
                     <a:ea typeface="HG丸ｺﾞｼｯｸM-PRO" panose="020F0600000000000000" pitchFamily="50" charset="-128"/>
                     <a:cs typeface="Courier New" pitchFamily="49" charset="0"/>
@@ -4814,10 +5847,10 @@
               </p:txBody>
             </p:sp>
           </mc:Choice>
-          <mc:Fallback>
+          <mc:Fallback xmlns="">
             <p:sp>
               <p:nvSpPr>
-                <p:cNvPr id="43" name="テキスト ボックス 42"/>
+                <p:cNvPr id="79" name="テキスト ボックス 78"/>
                 <p:cNvSpPr txBox="1">
                   <a:spLocks noRot="1" noChangeAspect="1" noMove="1" noResize="1" noEditPoints="1" noAdjustHandles="1" noChangeArrowheads="1" noChangeShapeType="1" noTextEdit="1"/>
                 </p:cNvSpPr>
@@ -4825,16 +5858,16 @@
               </p:nvSpPr>
               <p:spPr>
                 <a:xfrm>
-                  <a:off x="413792" y="2381976"/>
+                  <a:off x="197767" y="2381976"/>
                   <a:ext cx="338702" cy="228183"/>
                 </a:xfrm>
                 <a:prstGeom prst="rect">
                   <a:avLst/>
                 </a:prstGeom>
                 <a:blipFill rotWithShape="1">
-                  <a:blip r:embed="rId15"/>
+                  <a:blip r:embed="rId18"/>
                   <a:stretch>
-                    <a:fillRect b="-2632"/>
+                    <a:fillRect b="-5405"/>
                   </a:stretch>
                 </a:blipFill>
                 <a:ln w="19050" cap="rnd">
@@ -4859,67 +5892,14 @@
         </mc:AlternateContent>
         <p:sp>
           <p:nvSpPr>
-            <p:cNvPr id="45" name="正方形/長方形 44"/>
-            <p:cNvSpPr/>
-            <p:nvPr/>
-          </p:nvSpPr>
-          <p:spPr>
-            <a:xfrm>
-              <a:off x="269777" y="1917948"/>
-              <a:ext cx="576064" cy="720080"/>
-            </a:xfrm>
-            <a:prstGeom prst="rect">
-              <a:avLst/>
-            </a:prstGeom>
-            <a:noFill/>
-            <a:ln w="6350">
-              <a:solidFill>
-                <a:srgbClr val="000000"/>
-              </a:solidFill>
-              <a:prstDash val="solid"/>
-            </a:ln>
-          </p:spPr>
-          <p:style>
-            <a:lnRef idx="2">
-              <a:schemeClr val="accent1">
-                <a:shade val="50000"/>
-              </a:schemeClr>
-            </a:lnRef>
-            <a:fillRef idx="1">
-              <a:schemeClr val="accent1"/>
-            </a:fillRef>
-            <a:effectRef idx="0">
-              <a:schemeClr val="accent1"/>
-            </a:effectRef>
-            <a:fontRef idx="minor">
-              <a:schemeClr val="lt1"/>
-            </a:fontRef>
-          </p:style>
-          <p:txBody>
-            <a:bodyPr rtlCol="0" anchor="ctr"/>
-            <a:lstStyle/>
-            <a:p>
-              <a:pPr algn="ctr"/>
-              <a:endParaRPr kumimoji="1" lang="ja-JP" altLang="en-US" sz="1000">
-                <a:solidFill>
-                  <a:srgbClr val="000000"/>
-                </a:solidFill>
-                <a:latin typeface="HG丸ｺﾞｼｯｸM-PRO" panose="020F0600000000000000" pitchFamily="50" charset="-128"/>
-                <a:ea typeface="HG丸ｺﾞｼｯｸM-PRO" panose="020F0600000000000000" pitchFamily="50" charset="-128"/>
-              </a:endParaRPr>
-            </a:p>
-          </p:txBody>
-        </p:sp>
-        <p:sp>
-          <p:nvSpPr>
-            <p:cNvPr id="50" name="テキスト ボックス 49"/>
+            <p:cNvPr id="81" name="テキスト ボックス 80"/>
             <p:cNvSpPr txBox="1"/>
             <p:nvPr/>
           </p:nvSpPr>
           <p:spPr>
             <a:xfrm>
-              <a:off x="341784" y="2224599"/>
-              <a:ext cx="433278" cy="182016"/>
+              <a:off x="125759" y="2224599"/>
+              <a:ext cx="490986" cy="205100"/>
             </a:xfrm>
             <a:prstGeom prst="rect">
               <a:avLst/>
@@ -4937,14 +5917,14 @@
             <a:lstStyle/>
             <a:p>
               <a:r>
-                <a:rPr lang="ja-JP" altLang="en-US" sz="900" smtClean="0">
+                <a:rPr lang="ja-JP" altLang="en-US" sz="1050" smtClean="0">
                   <a:latin typeface="HG丸ｺﾞｼｯｸM-PRO" panose="020F0600000000000000" pitchFamily="50" charset="-128"/>
                   <a:ea typeface="HG丸ｺﾞｼｯｸM-PRO" panose="020F0600000000000000" pitchFamily="50" charset="-128"/>
                   <a:cs typeface="Courier New" pitchFamily="49" charset="0"/>
                 </a:rPr>
                 <a:t>内封筒</a:t>
               </a:r>
-              <a:endParaRPr lang="ja-JP" altLang="en-US" sz="900">
+              <a:endParaRPr lang="ja-JP" altLang="en-US" sz="1050">
                 <a:latin typeface="HG丸ｺﾞｼｯｸM-PRO" panose="020F0600000000000000" pitchFamily="50" charset="-128"/>
                 <a:ea typeface="HG丸ｺﾞｼｯｸM-PRO" panose="020F0600000000000000" pitchFamily="50" charset="-128"/>
                 <a:cs typeface="Courier New" pitchFamily="49" charset="0"/>
@@ -4954,13 +5934,13 @@
         </p:sp>
         <p:sp>
           <p:nvSpPr>
-            <p:cNvPr id="51" name="正方形/長方形 50"/>
+            <p:cNvPr id="82" name="正方形/長方形 81"/>
             <p:cNvSpPr/>
             <p:nvPr/>
           </p:nvSpPr>
           <p:spPr>
             <a:xfrm>
-              <a:off x="342639" y="2169975"/>
+              <a:off x="142166" y="2169975"/>
               <a:ext cx="432423" cy="430743"/>
             </a:xfrm>
             <a:prstGeom prst="rect">
@@ -4995,7 +5975,7 @@
             <a:lstStyle/>
             <a:p>
               <a:pPr algn="ctr"/>
-              <a:endParaRPr kumimoji="1" lang="ja-JP" altLang="en-US" sz="1000">
+              <a:endParaRPr kumimoji="1" lang="ja-JP" altLang="en-US" sz="1050">
                 <a:solidFill>
                   <a:srgbClr val="000000"/>
                 </a:solidFill>
@@ -5005,83 +5985,33 @@
             </a:p>
           </p:txBody>
         </p:sp>
-        <p:sp>
-          <p:nvSpPr>
-            <p:cNvPr id="53" name="テキスト ボックス 52"/>
-            <p:cNvSpPr txBox="1"/>
-            <p:nvPr/>
-          </p:nvSpPr>
-          <p:spPr>
-            <a:xfrm>
-              <a:off x="341170" y="1936567"/>
-              <a:ext cx="433278" cy="182016"/>
-            </a:xfrm>
-            <a:prstGeom prst="rect">
-              <a:avLst/>
-            </a:prstGeom>
-            <a:noFill/>
-            <a:ln w="19050" cap="rnd">
-              <a:noFill/>
-              <a:prstDash val="sysDash"/>
-            </a:ln>
-          </p:spPr>
-          <p:txBody>
-            <a:bodyPr wrap="none" lIns="43094" tIns="21548" rIns="43094" bIns="21548" rtlCol="0">
-              <a:spAutoFit/>
-            </a:bodyPr>
-            <a:lstStyle/>
-            <a:p>
-              <a:r>
-                <a:rPr lang="ja-JP" altLang="en-US" sz="900">
-                  <a:latin typeface="HG丸ｺﾞｼｯｸM-PRO" panose="020F0600000000000000" pitchFamily="50" charset="-128"/>
-                  <a:ea typeface="HG丸ｺﾞｼｯｸM-PRO" panose="020F0600000000000000" pitchFamily="50" charset="-128"/>
-                  <a:cs typeface="Courier New" pitchFamily="49" charset="0"/>
-                </a:rPr>
-                <a:t>外</a:t>
-              </a:r>
-              <a:r>
-                <a:rPr lang="ja-JP" altLang="en-US" sz="900" smtClean="0">
-                  <a:latin typeface="HG丸ｺﾞｼｯｸM-PRO" panose="020F0600000000000000" pitchFamily="50" charset="-128"/>
-                  <a:ea typeface="HG丸ｺﾞｼｯｸM-PRO" panose="020F0600000000000000" pitchFamily="50" charset="-128"/>
-                  <a:cs typeface="Courier New" pitchFamily="49" charset="0"/>
-                </a:rPr>
-                <a:t>封筒</a:t>
-              </a:r>
-              <a:endParaRPr lang="ja-JP" altLang="en-US" sz="900">
-                <a:latin typeface="HG丸ｺﾞｼｯｸM-PRO" panose="020F0600000000000000" pitchFamily="50" charset="-128"/>
-                <a:ea typeface="HG丸ｺﾞｼｯｸM-PRO" panose="020F0600000000000000" pitchFamily="50" charset="-128"/>
-                <a:cs typeface="Courier New" pitchFamily="49" charset="0"/>
-              </a:endParaRPr>
-            </a:p>
-          </p:txBody>
-        </p:sp>
       </p:grpSp>
       <p:grpSp>
         <p:nvGrpSpPr>
-          <p:cNvPr id="54" name="グループ化 53"/>
+          <p:cNvPr id="88" name="グループ化 87"/>
           <p:cNvGrpSpPr/>
           <p:nvPr/>
         </p:nvGrpSpPr>
         <p:grpSpPr>
           <a:xfrm>
-            <a:off x="1637928" y="2061964"/>
-            <a:ext cx="576064" cy="720080"/>
-            <a:chOff x="269777" y="1917948"/>
-            <a:chExt cx="576064" cy="720080"/>
+            <a:off x="1468386" y="1128294"/>
+            <a:ext cx="530534" cy="430743"/>
+            <a:chOff x="125759" y="2169975"/>
+            <a:chExt cx="490986" cy="430743"/>
           </a:xfrm>
         </p:grpSpPr>
-        <mc:AlternateContent xmlns:mc="http://schemas.openxmlformats.org/markup-compatibility/2006">
-          <mc:Choice xmlns:a14="http://schemas.microsoft.com/office/drawing/2010/main" Requires="a14">
+        <mc:AlternateContent xmlns:mc="http://schemas.openxmlformats.org/markup-compatibility/2006" xmlns:a14="http://schemas.microsoft.com/office/drawing/2010/main">
+          <mc:Choice Requires="a14">
             <p:sp>
               <p:nvSpPr>
-                <p:cNvPr id="57" name="テキスト ボックス 56"/>
+                <p:cNvPr id="89" name="テキスト ボックス 88"/>
                 <p:cNvSpPr txBox="1"/>
                 <p:nvPr/>
               </p:nvSpPr>
               <p:spPr>
                 <a:xfrm>
-                  <a:off x="413792" y="2381976"/>
-                  <a:ext cx="338701" cy="228183"/>
+                  <a:off x="197767" y="2381976"/>
+                  <a:ext cx="302666" cy="205100"/>
                 </a:xfrm>
                 <a:prstGeom prst="rect">
                   <a:avLst/>
@@ -5108,7 +6038,7 @@
                         <m:sSub>
                           <m:sSubPr>
                             <m:ctrlPr>
-                              <a:rPr lang="en-US" altLang="ja-JP" sz="1200" b="0" i="1" smtClean="0">
+                              <a:rPr lang="en-US" altLang="ja-JP" sz="1050" b="0" i="1" smtClean="0">
                                 <a:latin typeface="Cambria Math"/>
                                 <a:ea typeface="HG丸ｺﾞｼｯｸM-PRO" panose="020F0600000000000000" pitchFamily="50" charset="-128"/>
                                 <a:cs typeface="Courier New" pitchFamily="49" charset="0"/>
@@ -5117,7 +6047,7 @@
                           </m:sSubPr>
                           <m:e>
                             <m:r>
-                              <a:rPr lang="en-US" altLang="ja-JP" sz="1200" b="0" i="1" smtClean="0">
+                              <a:rPr lang="en-US" altLang="ja-JP" sz="1050" b="0" i="1" smtClean="0">
                                 <a:latin typeface="Cambria Math"/>
                                 <a:ea typeface="HG丸ｺﾞｼｯｸM-PRO" panose="020F0600000000000000" pitchFamily="50" charset="-128"/>
                                 <a:cs typeface="Courier New" pitchFamily="49" charset="0"/>
@@ -5127,19 +6057,19 @@
                           </m:e>
                           <m:sub>
                             <m:r>
-                              <a:rPr lang="en-US" altLang="ja-JP" sz="1200" b="0" i="1" smtClean="0">
+                              <a:rPr lang="en-US" altLang="ja-JP" sz="1050" b="0" i="1" smtClean="0">
                                 <a:latin typeface="Cambria Math"/>
                                 <a:ea typeface="HG丸ｺﾞｼｯｸM-PRO" panose="020F0600000000000000" pitchFamily="50" charset="-128"/>
                                 <a:cs typeface="Courier New" pitchFamily="49" charset="0"/>
                               </a:rPr>
-                              <m:t>3</m:t>
+                              <m:t>1</m:t>
                             </m:r>
                           </m:sub>
                         </m:sSub>
                       </m:oMath>
                     </m:oMathPara>
                   </a14:m>
-                  <a:endParaRPr lang="ja-JP" altLang="en-US" sz="1200">
+                  <a:endParaRPr lang="ja-JP" altLang="en-US" sz="1050">
                     <a:latin typeface="HG丸ｺﾞｼｯｸM-PRO" panose="020F0600000000000000" pitchFamily="50" charset="-128"/>
                     <a:ea typeface="HG丸ｺﾞｼｯｸM-PRO" panose="020F0600000000000000" pitchFamily="50" charset="-128"/>
                     <a:cs typeface="Courier New" pitchFamily="49" charset="0"/>
@@ -5148,10 +6078,10 @@
               </p:txBody>
             </p:sp>
           </mc:Choice>
-          <mc:Fallback>
+          <mc:Fallback xmlns="">
             <p:sp>
               <p:nvSpPr>
-                <p:cNvPr id="57" name="テキスト ボックス 56"/>
+                <p:cNvPr id="89" name="テキスト ボックス 88"/>
                 <p:cNvSpPr txBox="1">
                   <a:spLocks noRot="1" noChangeAspect="1" noMove="1" noResize="1" noEditPoints="1" noAdjustHandles="1" noChangeArrowheads="1" noChangeShapeType="1" noTextEdit="1"/>
                 </p:cNvSpPr>
@@ -5159,16 +6089,16 @@
               </p:nvSpPr>
               <p:spPr>
                 <a:xfrm>
-                  <a:off x="413792" y="2381976"/>
-                  <a:ext cx="338701" cy="228183"/>
+                  <a:off x="197767" y="2381976"/>
+                  <a:ext cx="335111" cy="228183"/>
                 </a:xfrm>
                 <a:prstGeom prst="rect">
                   <a:avLst/>
                 </a:prstGeom>
                 <a:blipFill rotWithShape="1">
-                  <a:blip r:embed="rId16"/>
+                  <a:blip r:embed="rId19"/>
                   <a:stretch>
-                    <a:fillRect b="-2632"/>
+                    <a:fillRect b="-5405"/>
                   </a:stretch>
                 </a:blipFill>
                 <a:ln w="19050" cap="rnd">
@@ -5193,67 +6123,14 @@
         </mc:AlternateContent>
         <p:sp>
           <p:nvSpPr>
-            <p:cNvPr id="59" name="正方形/長方形 58"/>
-            <p:cNvSpPr/>
-            <p:nvPr/>
-          </p:nvSpPr>
-          <p:spPr>
-            <a:xfrm>
-              <a:off x="269777" y="1917948"/>
-              <a:ext cx="576064" cy="720080"/>
-            </a:xfrm>
-            <a:prstGeom prst="rect">
-              <a:avLst/>
-            </a:prstGeom>
-            <a:noFill/>
-            <a:ln w="6350">
-              <a:solidFill>
-                <a:srgbClr val="000000"/>
-              </a:solidFill>
-              <a:prstDash val="solid"/>
-            </a:ln>
-          </p:spPr>
-          <p:style>
-            <a:lnRef idx="2">
-              <a:schemeClr val="accent1">
-                <a:shade val="50000"/>
-              </a:schemeClr>
-            </a:lnRef>
-            <a:fillRef idx="1">
-              <a:schemeClr val="accent1"/>
-            </a:fillRef>
-            <a:effectRef idx="0">
-              <a:schemeClr val="accent1"/>
-            </a:effectRef>
-            <a:fontRef idx="minor">
-              <a:schemeClr val="lt1"/>
-            </a:fontRef>
-          </p:style>
-          <p:txBody>
-            <a:bodyPr rtlCol="0" anchor="ctr"/>
-            <a:lstStyle/>
-            <a:p>
-              <a:pPr algn="ctr"/>
-              <a:endParaRPr kumimoji="1" lang="ja-JP" altLang="en-US" sz="1000">
-                <a:solidFill>
-                  <a:srgbClr val="000000"/>
-                </a:solidFill>
-                <a:latin typeface="HG丸ｺﾞｼｯｸM-PRO" panose="020F0600000000000000" pitchFamily="50" charset="-128"/>
-                <a:ea typeface="HG丸ｺﾞｼｯｸM-PRO" panose="020F0600000000000000" pitchFamily="50" charset="-128"/>
-              </a:endParaRPr>
-            </a:p>
-          </p:txBody>
-        </p:sp>
-        <p:sp>
-          <p:nvSpPr>
-            <p:cNvPr id="68" name="テキスト ボックス 67"/>
+            <p:cNvPr id="90" name="テキスト ボックス 89"/>
             <p:cNvSpPr txBox="1"/>
             <p:nvPr/>
           </p:nvSpPr>
           <p:spPr>
             <a:xfrm>
-              <a:off x="341784" y="2224599"/>
-              <a:ext cx="433278" cy="182016"/>
+              <a:off x="125759" y="2224599"/>
+              <a:ext cx="490986" cy="205100"/>
             </a:xfrm>
             <a:prstGeom prst="rect">
               <a:avLst/>
@@ -5271,14 +6148,14 @@
             <a:lstStyle/>
             <a:p>
               <a:r>
-                <a:rPr lang="ja-JP" altLang="en-US" sz="900" smtClean="0">
+                <a:rPr lang="ja-JP" altLang="en-US" sz="1050" smtClean="0">
                   <a:latin typeface="HG丸ｺﾞｼｯｸM-PRO" panose="020F0600000000000000" pitchFamily="50" charset="-128"/>
                   <a:ea typeface="HG丸ｺﾞｼｯｸM-PRO" panose="020F0600000000000000" pitchFamily="50" charset="-128"/>
                   <a:cs typeface="Courier New" pitchFamily="49" charset="0"/>
                 </a:rPr>
                 <a:t>内封筒</a:t>
               </a:r>
-              <a:endParaRPr lang="ja-JP" altLang="en-US" sz="900">
+              <a:endParaRPr lang="ja-JP" altLang="en-US" sz="1050">
                 <a:latin typeface="HG丸ｺﾞｼｯｸM-PRO" panose="020F0600000000000000" pitchFamily="50" charset="-128"/>
                 <a:ea typeface="HG丸ｺﾞｼｯｸM-PRO" panose="020F0600000000000000" pitchFamily="50" charset="-128"/>
                 <a:cs typeface="Courier New" pitchFamily="49" charset="0"/>
@@ -5288,13 +6165,13 @@
         </p:sp>
         <p:sp>
           <p:nvSpPr>
-            <p:cNvPr id="69" name="正方形/長方形 68"/>
+            <p:cNvPr id="91" name="正方形/長方形 90"/>
             <p:cNvSpPr/>
             <p:nvPr/>
           </p:nvSpPr>
           <p:spPr>
             <a:xfrm>
-              <a:off x="342639" y="2169975"/>
+              <a:off x="126614" y="2169975"/>
               <a:ext cx="432423" cy="430743"/>
             </a:xfrm>
             <a:prstGeom prst="rect">
@@ -5329,7 +6206,7 @@
             <a:lstStyle/>
             <a:p>
               <a:pPr algn="ctr"/>
-              <a:endParaRPr kumimoji="1" lang="ja-JP" altLang="en-US" sz="1000">
+              <a:endParaRPr kumimoji="1" lang="ja-JP" altLang="en-US" sz="1050">
                 <a:solidFill>
                   <a:srgbClr val="000000"/>
                 </a:solidFill>
@@ -5339,245 +6216,19 @@
             </a:p>
           </p:txBody>
         </p:sp>
-        <p:sp>
-          <p:nvSpPr>
-            <p:cNvPr id="70" name="テキスト ボックス 69"/>
-            <p:cNvSpPr txBox="1"/>
-            <p:nvPr/>
-          </p:nvSpPr>
-          <p:spPr>
-            <a:xfrm>
-              <a:off x="341170" y="1936567"/>
-              <a:ext cx="433278" cy="182016"/>
-            </a:xfrm>
-            <a:prstGeom prst="rect">
-              <a:avLst/>
-            </a:prstGeom>
-            <a:noFill/>
-            <a:ln w="19050" cap="rnd">
-              <a:noFill/>
-              <a:prstDash val="sysDash"/>
-            </a:ln>
-          </p:spPr>
-          <p:txBody>
-            <a:bodyPr wrap="none" lIns="43094" tIns="21548" rIns="43094" bIns="21548" rtlCol="0">
-              <a:spAutoFit/>
-            </a:bodyPr>
-            <a:lstStyle/>
-            <a:p>
-              <a:r>
-                <a:rPr lang="ja-JP" altLang="en-US" sz="900">
-                  <a:latin typeface="HG丸ｺﾞｼｯｸM-PRO" panose="020F0600000000000000" pitchFamily="50" charset="-128"/>
-                  <a:ea typeface="HG丸ｺﾞｼｯｸM-PRO" panose="020F0600000000000000" pitchFamily="50" charset="-128"/>
-                  <a:cs typeface="Courier New" pitchFamily="49" charset="0"/>
-                </a:rPr>
-                <a:t>外</a:t>
-              </a:r>
-              <a:r>
-                <a:rPr lang="ja-JP" altLang="en-US" sz="900" smtClean="0">
-                  <a:latin typeface="HG丸ｺﾞｼｯｸM-PRO" panose="020F0600000000000000" pitchFamily="50" charset="-128"/>
-                  <a:ea typeface="HG丸ｺﾞｼｯｸM-PRO" panose="020F0600000000000000" pitchFamily="50" charset="-128"/>
-                  <a:cs typeface="Courier New" pitchFamily="49" charset="0"/>
-                </a:rPr>
-                <a:t>封筒</a:t>
-              </a:r>
-              <a:endParaRPr lang="ja-JP" altLang="en-US" sz="900">
-                <a:latin typeface="HG丸ｺﾞｼｯｸM-PRO" panose="020F0600000000000000" pitchFamily="50" charset="-128"/>
-                <a:ea typeface="HG丸ｺﾞｼｯｸM-PRO" panose="020F0600000000000000" pitchFamily="50" charset="-128"/>
-                <a:cs typeface="Courier New" pitchFamily="49" charset="0"/>
-              </a:endParaRPr>
-            </a:p>
-          </p:txBody>
-        </p:sp>
       </p:grpSp>
-      <p:sp>
-        <p:nvSpPr>
-          <p:cNvPr id="71" name="正方形/長方形 70"/>
-          <p:cNvSpPr/>
-          <p:nvPr/>
-        </p:nvSpPr>
-        <p:spPr>
-          <a:xfrm>
-            <a:off x="439280" y="1621724"/>
-            <a:ext cx="1535282" cy="216024"/>
-          </a:xfrm>
-          <a:prstGeom prst="rect">
-            <a:avLst/>
-          </a:prstGeom>
-          <a:noFill/>
-          <a:ln w="6350">
-            <a:solidFill>
-              <a:srgbClr val="000000"/>
-            </a:solidFill>
-            <a:prstDash val="solid"/>
-          </a:ln>
-        </p:spPr>
-        <p:style>
-          <a:lnRef idx="2">
-            <a:schemeClr val="accent1">
-              <a:shade val="50000"/>
-            </a:schemeClr>
-          </a:lnRef>
-          <a:fillRef idx="1">
-            <a:schemeClr val="accent1"/>
-          </a:fillRef>
-          <a:effectRef idx="0">
-            <a:schemeClr val="accent1"/>
-          </a:effectRef>
-          <a:fontRef idx="minor">
-            <a:schemeClr val="lt1"/>
-          </a:fontRef>
-        </p:style>
-        <p:txBody>
-          <a:bodyPr rtlCol="0" anchor="ctr"/>
-          <a:lstStyle/>
-          <a:p>
-            <a:pPr algn="ctr"/>
-            <a:r>
-              <a:rPr lang="ja-JP" altLang="en-US" sz="1200" smtClean="0">
-                <a:solidFill>
-                  <a:srgbClr val="000000"/>
-                </a:solidFill>
-                <a:latin typeface="HG丸ｺﾞｼｯｸM-PRO" panose="020F0600000000000000" pitchFamily="50" charset="-128"/>
-                <a:ea typeface="HG丸ｺﾞｼｯｸM-PRO" panose="020F0600000000000000" pitchFamily="50" charset="-128"/>
-              </a:rPr>
-              <a:t>投票</a:t>
-            </a:r>
-            <a:endParaRPr kumimoji="1" lang="ja-JP" altLang="en-US" sz="1200">
-              <a:solidFill>
-                <a:srgbClr val="000000"/>
-              </a:solidFill>
-              <a:latin typeface="HG丸ｺﾞｼｯｸM-PRO" panose="020F0600000000000000" pitchFamily="50" charset="-128"/>
-              <a:ea typeface="HG丸ｺﾞｼｯｸM-PRO" panose="020F0600000000000000" pitchFamily="50" charset="-128"/>
-            </a:endParaRPr>
-          </a:p>
-        </p:txBody>
-      </p:sp>
-      <p:cxnSp>
-        <p:nvCxnSpPr>
-          <p:cNvPr id="72" name="直線矢印コネクタ 71"/>
-          <p:cNvCxnSpPr/>
-          <p:nvPr/>
-        </p:nvCxnSpPr>
-        <p:spPr>
-          <a:xfrm flipV="1">
-            <a:off x="485800" y="1831665"/>
-            <a:ext cx="269120" cy="230299"/>
-          </a:xfrm>
-          <a:prstGeom prst="straightConnector1">
-            <a:avLst/>
-          </a:prstGeom>
-          <a:ln w="3175">
-            <a:solidFill>
-              <a:schemeClr val="tx1"/>
-            </a:solidFill>
-            <a:tailEnd type="arrow"/>
-          </a:ln>
-        </p:spPr>
-        <p:style>
-          <a:lnRef idx="1">
-            <a:schemeClr val="accent1"/>
-          </a:lnRef>
-          <a:fillRef idx="0">
-            <a:schemeClr val="accent1"/>
-          </a:fillRef>
-          <a:effectRef idx="0">
-            <a:schemeClr val="accent1"/>
-          </a:effectRef>
-          <a:fontRef idx="minor">
-            <a:schemeClr val="tx1"/>
-          </a:fontRef>
-        </p:style>
-      </p:cxnSp>
-      <p:cxnSp>
-        <p:nvCxnSpPr>
-          <p:cNvPr id="75" name="直線矢印コネクタ 74"/>
-          <p:cNvCxnSpPr>
-            <a:stCxn id="45" idx="0"/>
-            <a:endCxn id="71" idx="2"/>
-          </p:cNvCxnSpPr>
-          <p:nvPr/>
-        </p:nvCxnSpPr>
-        <p:spPr>
-          <a:xfrm flipV="1">
-            <a:off x="1205880" y="1837748"/>
-            <a:ext cx="1041" cy="224216"/>
-          </a:xfrm>
-          <a:prstGeom prst="straightConnector1">
-            <a:avLst/>
-          </a:prstGeom>
-          <a:ln w="3175">
-            <a:solidFill>
-              <a:schemeClr val="tx1"/>
-            </a:solidFill>
-            <a:tailEnd type="arrow"/>
-          </a:ln>
-        </p:spPr>
-        <p:style>
-          <a:lnRef idx="1">
-            <a:schemeClr val="accent1"/>
-          </a:lnRef>
-          <a:fillRef idx="0">
-            <a:schemeClr val="accent1"/>
-          </a:fillRef>
-          <a:effectRef idx="0">
-            <a:schemeClr val="accent1"/>
-          </a:effectRef>
-          <a:fontRef idx="minor">
-            <a:schemeClr val="tx1"/>
-          </a:fontRef>
-        </p:style>
-      </p:cxnSp>
-      <p:cxnSp>
-        <p:nvCxnSpPr>
-          <p:cNvPr id="76" name="直線矢印コネクタ 75"/>
-          <p:cNvCxnSpPr>
-            <a:stCxn id="59" idx="0"/>
-          </p:cNvCxnSpPr>
-          <p:nvPr/>
-        </p:nvCxnSpPr>
-        <p:spPr>
-          <a:xfrm flipH="1" flipV="1">
-            <a:off x="1710790" y="1837748"/>
-            <a:ext cx="215170" cy="224216"/>
-          </a:xfrm>
-          <a:prstGeom prst="straightConnector1">
-            <a:avLst/>
-          </a:prstGeom>
-          <a:ln w="3175">
-            <a:solidFill>
-              <a:schemeClr val="tx1"/>
-            </a:solidFill>
-            <a:tailEnd type="arrow"/>
-          </a:ln>
-        </p:spPr>
-        <p:style>
-          <a:lnRef idx="1">
-            <a:schemeClr val="accent1"/>
-          </a:lnRef>
-          <a:fillRef idx="0">
-            <a:schemeClr val="accent1"/>
-          </a:fillRef>
-          <a:effectRef idx="0">
-            <a:schemeClr val="accent1"/>
-          </a:effectRef>
-          <a:fontRef idx="minor">
-            <a:schemeClr val="tx1"/>
-          </a:fontRef>
-        </p:style>
-      </p:cxnSp>
       <mc:AlternateContent xmlns:mc="http://schemas.openxmlformats.org/markup-compatibility/2006">
         <mc:Choice xmlns:a14="http://schemas.microsoft.com/office/drawing/2010/main" Requires="a14">
           <p:sp>
             <p:nvSpPr>
-              <p:cNvPr id="85" name="テキスト ボックス 84"/>
+              <p:cNvPr id="92" name="テキスト ボックス 91"/>
               <p:cNvSpPr txBox="1"/>
               <p:nvPr/>
             </p:nvSpPr>
             <p:spPr>
               <a:xfrm>
-                <a:off x="581346" y="1340295"/>
-                <a:ext cx="338702" cy="228183"/>
+                <a:off x="564395" y="837828"/>
+                <a:ext cx="305808" cy="205100"/>
               </a:xfrm>
               <a:prstGeom prst="rect">
                 <a:avLst/>
@@ -5604,7 +6255,7 @@
                       <m:sSub>
                         <m:sSubPr>
                           <m:ctrlPr>
-                            <a:rPr lang="en-US" altLang="ja-JP" sz="1200" b="0" i="1" smtClean="0">
+                            <a:rPr lang="en-US" altLang="ja-JP" sz="1050" b="0" i="1" smtClean="0">
                               <a:latin typeface="Cambria Math"/>
                               <a:ea typeface="HG丸ｺﾞｼｯｸM-PRO" panose="020F0600000000000000" pitchFamily="50" charset="-128"/>
                               <a:cs typeface="Courier New" pitchFamily="49" charset="0"/>
@@ -5613,7 +6264,7 @@
                         </m:sSubPr>
                         <m:e>
                           <m:r>
-                            <a:rPr lang="en-US" altLang="ja-JP" sz="1200" b="0" i="1" smtClean="0">
+                            <a:rPr lang="en-US" altLang="ja-JP" sz="1050" b="0" i="1" smtClean="0">
                               <a:latin typeface="Cambria Math"/>
                               <a:ea typeface="HG丸ｺﾞｼｯｸM-PRO" panose="020F0600000000000000" pitchFamily="50" charset="-128"/>
                               <a:cs typeface="Courier New" pitchFamily="49" charset="0"/>
@@ -5623,7 +6274,7 @@
                         </m:e>
                         <m:sub>
                           <m:r>
-                            <a:rPr lang="en-US" altLang="ja-JP" sz="1200" b="0" i="1" smtClean="0">
+                            <a:rPr lang="en-US" altLang="ja-JP" sz="1050" b="0" i="1" smtClean="0">
                               <a:latin typeface="Cambria Math"/>
                               <a:ea typeface="HG丸ｺﾞｼｯｸM-PRO" panose="020F0600000000000000" pitchFamily="50" charset="-128"/>
                               <a:cs typeface="Courier New" pitchFamily="49" charset="0"/>
@@ -5635,700 +6286,7 @@
                     </m:oMath>
                   </m:oMathPara>
                 </a14:m>
-                <a:endParaRPr lang="ja-JP" altLang="en-US" sz="1200">
-                  <a:latin typeface="HG丸ｺﾞｼｯｸM-PRO" panose="020F0600000000000000" pitchFamily="50" charset="-128"/>
-                  <a:ea typeface="HG丸ｺﾞｼｯｸM-PRO" panose="020F0600000000000000" pitchFamily="50" charset="-128"/>
-                  <a:cs typeface="Courier New" pitchFamily="49" charset="0"/>
-                </a:endParaRPr>
-              </a:p>
-            </p:txBody>
-          </p:sp>
-        </mc:Choice>
-        <mc:Fallback>
-          <p:sp>
-            <p:nvSpPr>
-              <p:cNvPr id="85" name="テキスト ボックス 84"/>
-              <p:cNvSpPr txBox="1">
-                <a:spLocks noRot="1" noChangeAspect="1" noMove="1" noResize="1" noEditPoints="1" noAdjustHandles="1" noChangeArrowheads="1" noChangeShapeType="1" noTextEdit="1"/>
-              </p:cNvSpPr>
-              <p:nvPr/>
-            </p:nvSpPr>
-            <p:spPr>
-              <a:xfrm>
-                <a:off x="581346" y="1340295"/>
-                <a:ext cx="338702" cy="228183"/>
-              </a:xfrm>
-              <a:prstGeom prst="rect">
-                <a:avLst/>
-              </a:prstGeom>
-              <a:blipFill rotWithShape="1">
-                <a:blip r:embed="rId17"/>
-                <a:stretch>
-                  <a:fillRect b="-5405"/>
-                </a:stretch>
-              </a:blipFill>
-              <a:ln w="19050" cap="rnd">
-                <a:noFill/>
-                <a:prstDash val="sysDash"/>
-              </a:ln>
-            </p:spPr>
-            <p:txBody>
-              <a:bodyPr/>
-              <a:lstStyle/>
-              <a:p>
-                <a:r>
-                  <a:rPr lang="ja-JP" altLang="en-US">
-                    <a:noFill/>
-                  </a:rPr>
-                  <a:t> </a:t>
-                </a:r>
-              </a:p>
-            </p:txBody>
-          </p:sp>
-        </mc:Fallback>
-      </mc:AlternateContent>
-      <p:sp>
-        <p:nvSpPr>
-          <p:cNvPr id="86" name="テキスト ボックス 85"/>
-          <p:cNvSpPr txBox="1"/>
-          <p:nvPr/>
-        </p:nvSpPr>
-        <p:spPr>
-          <a:xfrm>
-            <a:off x="509338" y="1182918"/>
-            <a:ext cx="433278" cy="182016"/>
-          </a:xfrm>
-          <a:prstGeom prst="rect">
-            <a:avLst/>
-          </a:prstGeom>
-          <a:noFill/>
-          <a:ln w="19050" cap="rnd">
-            <a:noFill/>
-            <a:prstDash val="sysDash"/>
-          </a:ln>
-        </p:spPr>
-        <p:txBody>
-          <a:bodyPr wrap="none" lIns="43094" tIns="21548" rIns="43094" bIns="21548" rtlCol="0">
-            <a:spAutoFit/>
-          </a:bodyPr>
-          <a:lstStyle/>
-          <a:p>
-            <a:r>
-              <a:rPr lang="ja-JP" altLang="en-US" sz="900" smtClean="0">
-                <a:latin typeface="HG丸ｺﾞｼｯｸM-PRO" panose="020F0600000000000000" pitchFamily="50" charset="-128"/>
-                <a:ea typeface="HG丸ｺﾞｼｯｸM-PRO" panose="020F0600000000000000" pitchFamily="50" charset="-128"/>
-                <a:cs typeface="Courier New" pitchFamily="49" charset="0"/>
-              </a:rPr>
-              <a:t>内封筒</a:t>
-            </a:r>
-            <a:endParaRPr lang="ja-JP" altLang="en-US" sz="900">
-              <a:latin typeface="HG丸ｺﾞｼｯｸM-PRO" panose="020F0600000000000000" pitchFamily="50" charset="-128"/>
-              <a:ea typeface="HG丸ｺﾞｼｯｸM-PRO" panose="020F0600000000000000" pitchFamily="50" charset="-128"/>
-              <a:cs typeface="Courier New" pitchFamily="49" charset="0"/>
-            </a:endParaRPr>
-          </a:p>
-        </p:txBody>
-      </p:sp>
-      <p:sp>
-        <p:nvSpPr>
-          <p:cNvPr id="87" name="正方形/長方形 86"/>
-          <p:cNvSpPr/>
-          <p:nvPr/>
-        </p:nvSpPr>
-        <p:spPr>
-          <a:xfrm>
-            <a:off x="510193" y="1128294"/>
-            <a:ext cx="432423" cy="430743"/>
-          </a:xfrm>
-          <a:prstGeom prst="rect">
-            <a:avLst/>
-          </a:prstGeom>
-          <a:noFill/>
-          <a:ln w="6350">
-            <a:solidFill>
-              <a:srgbClr val="000000"/>
-            </a:solidFill>
-            <a:prstDash val="solid"/>
-          </a:ln>
-        </p:spPr>
-        <p:style>
-          <a:lnRef idx="2">
-            <a:schemeClr val="accent1">
-              <a:shade val="50000"/>
-            </a:schemeClr>
-          </a:lnRef>
-          <a:fillRef idx="1">
-            <a:schemeClr val="accent1"/>
-          </a:fillRef>
-          <a:effectRef idx="0">
-            <a:schemeClr val="accent1"/>
-          </a:effectRef>
-          <a:fontRef idx="minor">
-            <a:schemeClr val="lt1"/>
-          </a:fontRef>
-        </p:style>
-        <p:txBody>
-          <a:bodyPr rtlCol="0" anchor="ctr"/>
-          <a:lstStyle/>
-          <a:p>
-            <a:pPr algn="ctr"/>
-            <a:endParaRPr kumimoji="1" lang="ja-JP" altLang="en-US" sz="1000">
-              <a:solidFill>
-                <a:srgbClr val="000000"/>
-              </a:solidFill>
-              <a:latin typeface="HG丸ｺﾞｼｯｸM-PRO" panose="020F0600000000000000" pitchFamily="50" charset="-128"/>
-              <a:ea typeface="HG丸ｺﾞｼｯｸM-PRO" panose="020F0600000000000000" pitchFamily="50" charset="-128"/>
-            </a:endParaRPr>
-          </a:p>
-        </p:txBody>
-      </p:sp>
-      <p:grpSp>
-        <p:nvGrpSpPr>
-          <p:cNvPr id="12" name="グループ化 11"/>
-          <p:cNvGrpSpPr/>
-          <p:nvPr/>
-        </p:nvGrpSpPr>
-        <p:grpSpPr>
-          <a:xfrm>
-            <a:off x="994259" y="1128294"/>
-            <a:ext cx="946953" cy="440184"/>
-            <a:chOff x="850243" y="984278"/>
-            <a:chExt cx="946953" cy="440184"/>
-          </a:xfrm>
-        </p:grpSpPr>
-        <p:grpSp>
-          <p:nvGrpSpPr>
-            <p:cNvPr id="78" name="グループ化 77"/>
-            <p:cNvGrpSpPr/>
-            <p:nvPr/>
-          </p:nvGrpSpPr>
-          <p:grpSpPr>
-            <a:xfrm>
-              <a:off x="850243" y="984278"/>
-              <a:ext cx="433278" cy="440184"/>
-              <a:chOff x="125759" y="2169975"/>
-              <a:chExt cx="433278" cy="440184"/>
-            </a:xfrm>
-          </p:grpSpPr>
-          <mc:AlternateContent xmlns:mc="http://schemas.openxmlformats.org/markup-compatibility/2006">
-            <mc:Choice xmlns:a14="http://schemas.microsoft.com/office/drawing/2010/main" Requires="a14">
-              <p:sp>
-                <p:nvSpPr>
-                  <p:cNvPr id="79" name="テキスト ボックス 78"/>
-                  <p:cNvSpPr txBox="1"/>
-                  <p:nvPr/>
-                </p:nvSpPr>
-                <p:spPr>
-                  <a:xfrm>
-                    <a:off x="197767" y="2381976"/>
-                    <a:ext cx="338702" cy="228183"/>
-                  </a:xfrm>
-                  <a:prstGeom prst="rect">
-                    <a:avLst/>
-                  </a:prstGeom>
-                  <a:noFill/>
-                  <a:ln w="19050" cap="rnd">
-                    <a:noFill/>
-                    <a:prstDash val="sysDash"/>
-                  </a:ln>
-                </p:spPr>
-                <p:txBody>
-                  <a:bodyPr wrap="none" lIns="43094" tIns="21548" rIns="43094" bIns="21548" rtlCol="0">
-                    <a:spAutoFit/>
-                  </a:bodyPr>
-                  <a:lstStyle/>
-                  <a:p>
-                    <a:pPr/>
-                    <a14:m>
-                      <m:oMathPara xmlns:m="http://schemas.openxmlformats.org/officeDocument/2006/math">
-                        <m:oMathParaPr>
-                          <m:jc m:val="centerGroup"/>
-                        </m:oMathParaPr>
-                        <m:oMath xmlns:m="http://schemas.openxmlformats.org/officeDocument/2006/math">
-                          <m:sSub>
-                            <m:sSubPr>
-                              <m:ctrlPr>
-                                <a:rPr lang="en-US" altLang="ja-JP" sz="1200" b="0" i="1" smtClean="0">
-                                  <a:latin typeface="Cambria Math"/>
-                                  <a:ea typeface="HG丸ｺﾞｼｯｸM-PRO" panose="020F0600000000000000" pitchFamily="50" charset="-128"/>
-                                  <a:cs typeface="Courier New" pitchFamily="49" charset="0"/>
-                                </a:rPr>
-                              </m:ctrlPr>
-                            </m:sSubPr>
-                            <m:e>
-                              <m:r>
-                                <a:rPr lang="en-US" altLang="ja-JP" sz="1200" b="0" i="1" smtClean="0">
-                                  <a:latin typeface="Cambria Math"/>
-                                  <a:ea typeface="HG丸ｺﾞｼｯｸM-PRO" panose="020F0600000000000000" pitchFamily="50" charset="-128"/>
-                                  <a:cs typeface="Courier New" pitchFamily="49" charset="0"/>
-                                </a:rPr>
-                                <m:t>𝑚</m:t>
-                              </m:r>
-                            </m:e>
-                            <m:sub>
-                              <m:r>
-                                <a:rPr lang="en-US" altLang="ja-JP" sz="1200" b="0" i="1" smtClean="0">
-                                  <a:latin typeface="Cambria Math"/>
-                                  <a:ea typeface="HG丸ｺﾞｼｯｸM-PRO" panose="020F0600000000000000" pitchFamily="50" charset="-128"/>
-                                  <a:cs typeface="Courier New" pitchFamily="49" charset="0"/>
-                                </a:rPr>
-                                <m:t>3</m:t>
-                              </m:r>
-                            </m:sub>
-                          </m:sSub>
-                        </m:oMath>
-                      </m:oMathPara>
-                    </a14:m>
-                    <a:endParaRPr lang="ja-JP" altLang="en-US" sz="1200">
-                      <a:latin typeface="HG丸ｺﾞｼｯｸM-PRO" panose="020F0600000000000000" pitchFamily="50" charset="-128"/>
-                      <a:ea typeface="HG丸ｺﾞｼｯｸM-PRO" panose="020F0600000000000000" pitchFamily="50" charset="-128"/>
-                      <a:cs typeface="Courier New" pitchFamily="49" charset="0"/>
-                    </a:endParaRPr>
-                  </a:p>
-                </p:txBody>
-              </p:sp>
-            </mc:Choice>
-            <mc:Fallback>
-              <p:sp>
-                <p:nvSpPr>
-                  <p:cNvPr id="79" name="テキスト ボックス 78"/>
-                  <p:cNvSpPr txBox="1">
-                    <a:spLocks noRot="1" noChangeAspect="1" noMove="1" noResize="1" noEditPoints="1" noAdjustHandles="1" noChangeArrowheads="1" noChangeShapeType="1" noTextEdit="1"/>
-                  </p:cNvSpPr>
-                  <p:nvPr/>
-                </p:nvSpPr>
-                <p:spPr>
-                  <a:xfrm>
-                    <a:off x="197767" y="2381976"/>
-                    <a:ext cx="338702" cy="228183"/>
-                  </a:xfrm>
-                  <a:prstGeom prst="rect">
-                    <a:avLst/>
-                  </a:prstGeom>
-                  <a:blipFill rotWithShape="1">
-                    <a:blip r:embed="rId18"/>
-                    <a:stretch>
-                      <a:fillRect b="-5405"/>
-                    </a:stretch>
-                  </a:blipFill>
-                  <a:ln w="19050" cap="rnd">
-                    <a:noFill/>
-                    <a:prstDash val="sysDash"/>
-                  </a:ln>
-                </p:spPr>
-                <p:txBody>
-                  <a:bodyPr/>
-                  <a:lstStyle/>
-                  <a:p>
-                    <a:r>
-                      <a:rPr lang="ja-JP" altLang="en-US">
-                        <a:noFill/>
-                      </a:rPr>
-                      <a:t> </a:t>
-                    </a:r>
-                  </a:p>
-                </p:txBody>
-              </p:sp>
-            </mc:Fallback>
-          </mc:AlternateContent>
-          <p:sp>
-            <p:nvSpPr>
-              <p:cNvPr id="81" name="テキスト ボックス 80"/>
-              <p:cNvSpPr txBox="1"/>
-              <p:nvPr/>
-            </p:nvSpPr>
-            <p:spPr>
-              <a:xfrm>
-                <a:off x="125759" y="2224599"/>
-                <a:ext cx="433278" cy="182016"/>
-              </a:xfrm>
-              <a:prstGeom prst="rect">
-                <a:avLst/>
-              </a:prstGeom>
-              <a:noFill/>
-              <a:ln w="19050" cap="rnd">
-                <a:noFill/>
-                <a:prstDash val="sysDash"/>
-              </a:ln>
-            </p:spPr>
-            <p:txBody>
-              <a:bodyPr wrap="none" lIns="43094" tIns="21548" rIns="43094" bIns="21548" rtlCol="0">
-                <a:spAutoFit/>
-              </a:bodyPr>
-              <a:lstStyle/>
-              <a:p>
-                <a:r>
-                  <a:rPr lang="ja-JP" altLang="en-US" sz="900" smtClean="0">
-                    <a:latin typeface="HG丸ｺﾞｼｯｸM-PRO" panose="020F0600000000000000" pitchFamily="50" charset="-128"/>
-                    <a:ea typeface="HG丸ｺﾞｼｯｸM-PRO" panose="020F0600000000000000" pitchFamily="50" charset="-128"/>
-                    <a:cs typeface="Courier New" pitchFamily="49" charset="0"/>
-                  </a:rPr>
-                  <a:t>内封筒</a:t>
-                </a:r>
-                <a:endParaRPr lang="ja-JP" altLang="en-US" sz="900">
-                  <a:latin typeface="HG丸ｺﾞｼｯｸM-PRO" panose="020F0600000000000000" pitchFamily="50" charset="-128"/>
-                  <a:ea typeface="HG丸ｺﾞｼｯｸM-PRO" panose="020F0600000000000000" pitchFamily="50" charset="-128"/>
-                  <a:cs typeface="Courier New" pitchFamily="49" charset="0"/>
-                </a:endParaRPr>
-              </a:p>
-            </p:txBody>
-          </p:sp>
-          <p:sp>
-            <p:nvSpPr>
-              <p:cNvPr id="82" name="正方形/長方形 81"/>
-              <p:cNvSpPr/>
-              <p:nvPr/>
-            </p:nvSpPr>
-            <p:spPr>
-              <a:xfrm>
-                <a:off x="126614" y="2169975"/>
-                <a:ext cx="432423" cy="430743"/>
-              </a:xfrm>
-              <a:prstGeom prst="rect">
-                <a:avLst/>
-              </a:prstGeom>
-              <a:noFill/>
-              <a:ln w="6350">
-                <a:solidFill>
-                  <a:srgbClr val="000000"/>
-                </a:solidFill>
-                <a:prstDash val="solid"/>
-              </a:ln>
-            </p:spPr>
-            <p:style>
-              <a:lnRef idx="2">
-                <a:schemeClr val="accent1">
-                  <a:shade val="50000"/>
-                </a:schemeClr>
-              </a:lnRef>
-              <a:fillRef idx="1">
-                <a:schemeClr val="accent1"/>
-              </a:fillRef>
-              <a:effectRef idx="0">
-                <a:schemeClr val="accent1"/>
-              </a:effectRef>
-              <a:fontRef idx="minor">
-                <a:schemeClr val="lt1"/>
-              </a:fontRef>
-            </p:style>
-            <p:txBody>
-              <a:bodyPr rtlCol="0" anchor="ctr"/>
-              <a:lstStyle/>
-              <a:p>
-                <a:pPr algn="ctr"/>
-                <a:endParaRPr kumimoji="1" lang="ja-JP" altLang="en-US" sz="1000">
-                  <a:solidFill>
-                    <a:srgbClr val="000000"/>
-                  </a:solidFill>
-                  <a:latin typeface="HG丸ｺﾞｼｯｸM-PRO" panose="020F0600000000000000" pitchFamily="50" charset="-128"/>
-                  <a:ea typeface="HG丸ｺﾞｼｯｸM-PRO" panose="020F0600000000000000" pitchFamily="50" charset="-128"/>
-                </a:endParaRPr>
-              </a:p>
-            </p:txBody>
-          </p:sp>
-        </p:grpSp>
-        <p:grpSp>
-          <p:nvGrpSpPr>
-            <p:cNvPr id="88" name="グループ化 87"/>
-            <p:cNvGrpSpPr/>
-            <p:nvPr/>
-          </p:nvGrpSpPr>
-          <p:grpSpPr>
-            <a:xfrm>
-              <a:off x="1363918" y="984278"/>
-              <a:ext cx="433278" cy="440184"/>
-              <a:chOff x="125759" y="2169975"/>
-              <a:chExt cx="433278" cy="440184"/>
-            </a:xfrm>
-          </p:grpSpPr>
-          <mc:AlternateContent xmlns:mc="http://schemas.openxmlformats.org/markup-compatibility/2006">
-            <mc:Choice xmlns:a14="http://schemas.microsoft.com/office/drawing/2010/main" Requires="a14">
-              <p:sp>
-                <p:nvSpPr>
-                  <p:cNvPr id="89" name="テキスト ボックス 88"/>
-                  <p:cNvSpPr txBox="1"/>
-                  <p:nvPr/>
-                </p:nvSpPr>
-                <p:spPr>
-                  <a:xfrm>
-                    <a:off x="197767" y="2381976"/>
-                    <a:ext cx="335111" cy="228183"/>
-                  </a:xfrm>
-                  <a:prstGeom prst="rect">
-                    <a:avLst/>
-                  </a:prstGeom>
-                  <a:noFill/>
-                  <a:ln w="19050" cap="rnd">
-                    <a:noFill/>
-                    <a:prstDash val="sysDash"/>
-                  </a:ln>
-                </p:spPr>
-                <p:txBody>
-                  <a:bodyPr wrap="none" lIns="43094" tIns="21548" rIns="43094" bIns="21548" rtlCol="0">
-                    <a:spAutoFit/>
-                  </a:bodyPr>
-                  <a:lstStyle/>
-                  <a:p>
-                    <a:pPr/>
-                    <a14:m>
-                      <m:oMathPara xmlns:m="http://schemas.openxmlformats.org/officeDocument/2006/math">
-                        <m:oMathParaPr>
-                          <m:jc m:val="centerGroup"/>
-                        </m:oMathParaPr>
-                        <m:oMath xmlns:m="http://schemas.openxmlformats.org/officeDocument/2006/math">
-                          <m:sSub>
-                            <m:sSubPr>
-                              <m:ctrlPr>
-                                <a:rPr lang="en-US" altLang="ja-JP" sz="1200" b="0" i="1" smtClean="0">
-                                  <a:latin typeface="Cambria Math"/>
-                                  <a:ea typeface="HG丸ｺﾞｼｯｸM-PRO" panose="020F0600000000000000" pitchFamily="50" charset="-128"/>
-                                  <a:cs typeface="Courier New" pitchFamily="49" charset="0"/>
-                                </a:rPr>
-                              </m:ctrlPr>
-                            </m:sSubPr>
-                            <m:e>
-                              <m:r>
-                                <a:rPr lang="en-US" altLang="ja-JP" sz="1200" b="0" i="1" smtClean="0">
-                                  <a:latin typeface="Cambria Math"/>
-                                  <a:ea typeface="HG丸ｺﾞｼｯｸM-PRO" panose="020F0600000000000000" pitchFamily="50" charset="-128"/>
-                                  <a:cs typeface="Courier New" pitchFamily="49" charset="0"/>
-                                </a:rPr>
-                                <m:t>𝑚</m:t>
-                              </m:r>
-                            </m:e>
-                            <m:sub>
-                              <m:r>
-                                <a:rPr lang="en-US" altLang="ja-JP" sz="1200" b="0" i="1" smtClean="0">
-                                  <a:latin typeface="Cambria Math"/>
-                                  <a:ea typeface="HG丸ｺﾞｼｯｸM-PRO" panose="020F0600000000000000" pitchFamily="50" charset="-128"/>
-                                  <a:cs typeface="Courier New" pitchFamily="49" charset="0"/>
-                                </a:rPr>
-                                <m:t>1</m:t>
-                              </m:r>
-                            </m:sub>
-                          </m:sSub>
-                        </m:oMath>
-                      </m:oMathPara>
-                    </a14:m>
-                    <a:endParaRPr lang="ja-JP" altLang="en-US" sz="1200">
-                      <a:latin typeface="HG丸ｺﾞｼｯｸM-PRO" panose="020F0600000000000000" pitchFamily="50" charset="-128"/>
-                      <a:ea typeface="HG丸ｺﾞｼｯｸM-PRO" panose="020F0600000000000000" pitchFamily="50" charset="-128"/>
-                      <a:cs typeface="Courier New" pitchFamily="49" charset="0"/>
-                    </a:endParaRPr>
-                  </a:p>
-                </p:txBody>
-              </p:sp>
-            </mc:Choice>
-            <mc:Fallback>
-              <p:sp>
-                <p:nvSpPr>
-                  <p:cNvPr id="89" name="テキスト ボックス 88"/>
-                  <p:cNvSpPr txBox="1">
-                    <a:spLocks noRot="1" noChangeAspect="1" noMove="1" noResize="1" noEditPoints="1" noAdjustHandles="1" noChangeArrowheads="1" noChangeShapeType="1" noTextEdit="1"/>
-                  </p:cNvSpPr>
-                  <p:nvPr/>
-                </p:nvSpPr>
-                <p:spPr>
-                  <a:xfrm>
-                    <a:off x="197767" y="2381976"/>
-                    <a:ext cx="335111" cy="228183"/>
-                  </a:xfrm>
-                  <a:prstGeom prst="rect">
-                    <a:avLst/>
-                  </a:prstGeom>
-                  <a:blipFill rotWithShape="1">
-                    <a:blip r:embed="rId19"/>
-                    <a:stretch>
-                      <a:fillRect b="-5405"/>
-                    </a:stretch>
-                  </a:blipFill>
-                  <a:ln w="19050" cap="rnd">
-                    <a:noFill/>
-                    <a:prstDash val="sysDash"/>
-                  </a:ln>
-                </p:spPr>
-                <p:txBody>
-                  <a:bodyPr/>
-                  <a:lstStyle/>
-                  <a:p>
-                    <a:r>
-                      <a:rPr lang="ja-JP" altLang="en-US">
-                        <a:noFill/>
-                      </a:rPr>
-                      <a:t> </a:t>
-                    </a:r>
-                  </a:p>
-                </p:txBody>
-              </p:sp>
-            </mc:Fallback>
-          </mc:AlternateContent>
-          <p:sp>
-            <p:nvSpPr>
-              <p:cNvPr id="90" name="テキスト ボックス 89"/>
-              <p:cNvSpPr txBox="1"/>
-              <p:nvPr/>
-            </p:nvSpPr>
-            <p:spPr>
-              <a:xfrm>
-                <a:off x="125759" y="2224599"/>
-                <a:ext cx="433278" cy="182016"/>
-              </a:xfrm>
-              <a:prstGeom prst="rect">
-                <a:avLst/>
-              </a:prstGeom>
-              <a:noFill/>
-              <a:ln w="19050" cap="rnd">
-                <a:noFill/>
-                <a:prstDash val="sysDash"/>
-              </a:ln>
-            </p:spPr>
-            <p:txBody>
-              <a:bodyPr wrap="none" lIns="43094" tIns="21548" rIns="43094" bIns="21548" rtlCol="0">
-                <a:spAutoFit/>
-              </a:bodyPr>
-              <a:lstStyle/>
-              <a:p>
-                <a:r>
-                  <a:rPr lang="ja-JP" altLang="en-US" sz="900" smtClean="0">
-                    <a:latin typeface="HG丸ｺﾞｼｯｸM-PRO" panose="020F0600000000000000" pitchFamily="50" charset="-128"/>
-                    <a:ea typeface="HG丸ｺﾞｼｯｸM-PRO" panose="020F0600000000000000" pitchFamily="50" charset="-128"/>
-                    <a:cs typeface="Courier New" pitchFamily="49" charset="0"/>
-                  </a:rPr>
-                  <a:t>内封筒</a:t>
-                </a:r>
-                <a:endParaRPr lang="ja-JP" altLang="en-US" sz="900">
-                  <a:latin typeface="HG丸ｺﾞｼｯｸM-PRO" panose="020F0600000000000000" pitchFamily="50" charset="-128"/>
-                  <a:ea typeface="HG丸ｺﾞｼｯｸM-PRO" panose="020F0600000000000000" pitchFamily="50" charset="-128"/>
-                  <a:cs typeface="Courier New" pitchFamily="49" charset="0"/>
-                </a:endParaRPr>
-              </a:p>
-            </p:txBody>
-          </p:sp>
-          <p:sp>
-            <p:nvSpPr>
-              <p:cNvPr id="91" name="正方形/長方形 90"/>
-              <p:cNvSpPr/>
-              <p:nvPr/>
-            </p:nvSpPr>
-            <p:spPr>
-              <a:xfrm>
-                <a:off x="126614" y="2169975"/>
-                <a:ext cx="432423" cy="430743"/>
-              </a:xfrm>
-              <a:prstGeom prst="rect">
-                <a:avLst/>
-              </a:prstGeom>
-              <a:noFill/>
-              <a:ln w="6350">
-                <a:solidFill>
-                  <a:srgbClr val="000000"/>
-                </a:solidFill>
-                <a:prstDash val="solid"/>
-              </a:ln>
-            </p:spPr>
-            <p:style>
-              <a:lnRef idx="2">
-                <a:schemeClr val="accent1">
-                  <a:shade val="50000"/>
-                </a:schemeClr>
-              </a:lnRef>
-              <a:fillRef idx="1">
-                <a:schemeClr val="accent1"/>
-              </a:fillRef>
-              <a:effectRef idx="0">
-                <a:schemeClr val="accent1"/>
-              </a:effectRef>
-              <a:fontRef idx="minor">
-                <a:schemeClr val="lt1"/>
-              </a:fontRef>
-            </p:style>
-            <p:txBody>
-              <a:bodyPr rtlCol="0" anchor="ctr"/>
-              <a:lstStyle/>
-              <a:p>
-                <a:pPr algn="ctr"/>
-                <a:endParaRPr kumimoji="1" lang="ja-JP" altLang="en-US" sz="1000">
-                  <a:solidFill>
-                    <a:srgbClr val="000000"/>
-                  </a:solidFill>
-                  <a:latin typeface="HG丸ｺﾞｼｯｸM-PRO" panose="020F0600000000000000" pitchFamily="50" charset="-128"/>
-                  <a:ea typeface="HG丸ｺﾞｼｯｸM-PRO" panose="020F0600000000000000" pitchFamily="50" charset="-128"/>
-                </a:endParaRPr>
-              </a:p>
-            </p:txBody>
-          </p:sp>
-        </p:grpSp>
-      </p:grpSp>
-      <mc:AlternateContent xmlns:mc="http://schemas.openxmlformats.org/markup-compatibility/2006">
-        <mc:Choice xmlns:a14="http://schemas.microsoft.com/office/drawing/2010/main" Requires="a14">
-          <p:sp>
-            <p:nvSpPr>
-              <p:cNvPr id="92" name="テキスト ボックス 91"/>
-              <p:cNvSpPr txBox="1"/>
-              <p:nvPr/>
-            </p:nvSpPr>
-            <p:spPr>
-              <a:xfrm>
-                <a:off x="564395" y="837828"/>
-                <a:ext cx="338702" cy="228183"/>
-              </a:xfrm>
-              <a:prstGeom prst="rect">
-                <a:avLst/>
-              </a:prstGeom>
-              <a:noFill/>
-              <a:ln w="19050" cap="rnd">
-                <a:noFill/>
-                <a:prstDash val="sysDash"/>
-              </a:ln>
-            </p:spPr>
-            <p:txBody>
-              <a:bodyPr wrap="none" lIns="43094" tIns="21548" rIns="43094" bIns="21548" rtlCol="0">
-                <a:spAutoFit/>
-              </a:bodyPr>
-              <a:lstStyle/>
-              <a:p>
-                <a:pPr/>
-                <a14:m>
-                  <m:oMathPara xmlns:m="http://schemas.openxmlformats.org/officeDocument/2006/math">
-                    <m:oMathParaPr>
-                      <m:jc m:val="centerGroup"/>
-                    </m:oMathParaPr>
-                    <m:oMath xmlns:m="http://schemas.openxmlformats.org/officeDocument/2006/math">
-                      <m:sSub>
-                        <m:sSubPr>
-                          <m:ctrlPr>
-                            <a:rPr lang="en-US" altLang="ja-JP" sz="1200" b="0" i="1" smtClean="0">
-                              <a:latin typeface="Cambria Math"/>
-                              <a:ea typeface="HG丸ｺﾞｼｯｸM-PRO" panose="020F0600000000000000" pitchFamily="50" charset="-128"/>
-                              <a:cs typeface="Courier New" pitchFamily="49" charset="0"/>
-                            </a:rPr>
-                          </m:ctrlPr>
-                        </m:sSubPr>
-                        <m:e>
-                          <m:r>
-                            <a:rPr lang="en-US" altLang="ja-JP" sz="1200" b="0" i="1" smtClean="0">
-                              <a:latin typeface="Cambria Math"/>
-                              <a:ea typeface="HG丸ｺﾞｼｯｸM-PRO" panose="020F0600000000000000" pitchFamily="50" charset="-128"/>
-                              <a:cs typeface="Courier New" pitchFamily="49" charset="0"/>
-                            </a:rPr>
-                            <m:t>𝑚</m:t>
-                          </m:r>
-                        </m:e>
-                        <m:sub>
-                          <m:r>
-                            <a:rPr lang="en-US" altLang="ja-JP" sz="1200" b="0" i="1" smtClean="0">
-                              <a:latin typeface="Cambria Math"/>
-                              <a:ea typeface="HG丸ｺﾞｼｯｸM-PRO" panose="020F0600000000000000" pitchFamily="50" charset="-128"/>
-                              <a:cs typeface="Courier New" pitchFamily="49" charset="0"/>
-                            </a:rPr>
-                            <m:t>2</m:t>
-                          </m:r>
-                        </m:sub>
-                      </m:sSub>
-                    </m:oMath>
-                  </m:oMathPara>
-                </a14:m>
-                <a:endParaRPr lang="ja-JP" altLang="en-US" sz="1200">
+                <a:endParaRPr lang="ja-JP" altLang="en-US" sz="1050">
                   <a:latin typeface="HG丸ｺﾞｼｯｸM-PRO" panose="020F0600000000000000" pitchFamily="50" charset="-128"/>
                   <a:ea typeface="HG丸ｺﾞｼｯｸM-PRO" panose="020F0600000000000000" pitchFamily="50" charset="-128"/>
                   <a:cs typeface="Courier New" pitchFamily="49" charset="0"/>
@@ -6349,15 +6307,15 @@
             <p:spPr>
               <a:xfrm>
                 <a:off x="564395" y="837828"/>
-                <a:ext cx="338702" cy="228183"/>
+                <a:ext cx="305808" cy="205100"/>
               </a:xfrm>
               <a:prstGeom prst="rect">
                 <a:avLst/>
               </a:prstGeom>
               <a:blipFill rotWithShape="1">
-                <a:blip r:embed="rId20"/>
+                <a:blip r:embed="rId15"/>
                 <a:stretch>
-                  <a:fillRect b="-2632"/>
+                  <a:fillRect b="-2941"/>
                 </a:stretch>
               </a:blipFill>
               <a:ln w="19050" cap="rnd">
@@ -6391,7 +6349,7 @@
             <p:spPr>
               <a:xfrm>
                 <a:off x="1036529" y="837828"/>
-                <a:ext cx="338702" cy="228183"/>
+                <a:ext cx="305808" cy="205100"/>
               </a:xfrm>
               <a:prstGeom prst="rect">
                 <a:avLst/>
@@ -6418,7 +6376,7 @@
                       <m:sSub>
                         <m:sSubPr>
                           <m:ctrlPr>
-                            <a:rPr lang="en-US" altLang="ja-JP" sz="1200" b="0" i="1" smtClean="0">
+                            <a:rPr lang="en-US" altLang="ja-JP" sz="1050" b="0" i="1" smtClean="0">
                               <a:latin typeface="Cambria Math"/>
                               <a:ea typeface="HG丸ｺﾞｼｯｸM-PRO" panose="020F0600000000000000" pitchFamily="50" charset="-128"/>
                               <a:cs typeface="Courier New" pitchFamily="49" charset="0"/>
@@ -6427,7 +6385,7 @@
                         </m:sSubPr>
                         <m:e>
                           <m:r>
-                            <a:rPr lang="en-US" altLang="ja-JP" sz="1200" b="0" i="1" smtClean="0">
+                            <a:rPr lang="en-US" altLang="ja-JP" sz="1050" b="0" i="1" smtClean="0">
                               <a:latin typeface="Cambria Math"/>
                               <a:ea typeface="HG丸ｺﾞｼｯｸM-PRO" panose="020F0600000000000000" pitchFamily="50" charset="-128"/>
                               <a:cs typeface="Courier New" pitchFamily="49" charset="0"/>
@@ -6437,7 +6395,7 @@
                         </m:e>
                         <m:sub>
                           <m:r>
-                            <a:rPr lang="en-US" altLang="ja-JP" sz="1200" b="0" i="1" smtClean="0">
+                            <a:rPr lang="en-US" altLang="ja-JP" sz="1050" b="0" i="1" smtClean="0">
                               <a:latin typeface="Cambria Math"/>
                               <a:ea typeface="HG丸ｺﾞｼｯｸM-PRO" panose="020F0600000000000000" pitchFamily="50" charset="-128"/>
                               <a:cs typeface="Courier New" pitchFamily="49" charset="0"/>
@@ -6449,7 +6407,7 @@
                     </m:oMath>
                   </m:oMathPara>
                 </a14:m>
-                <a:endParaRPr lang="ja-JP" altLang="en-US" sz="1200">
+                <a:endParaRPr lang="ja-JP" altLang="en-US" sz="1050">
                   <a:latin typeface="HG丸ｺﾞｼｯｸM-PRO" panose="020F0600000000000000" pitchFamily="50" charset="-128"/>
                   <a:ea typeface="HG丸ｺﾞｼｯｸM-PRO" panose="020F0600000000000000" pitchFamily="50" charset="-128"/>
                   <a:cs typeface="Courier New" pitchFamily="49" charset="0"/>
@@ -6470,7 +6428,7 @@
             <p:spPr>
               <a:xfrm>
                 <a:off x="1036529" y="837828"/>
-                <a:ext cx="338702" cy="228183"/>
+                <a:ext cx="305808" cy="205100"/>
               </a:xfrm>
               <a:prstGeom prst="rect">
                 <a:avLst/>
@@ -6478,7 +6436,7 @@
               <a:blipFill rotWithShape="1">
                 <a:blip r:embed="rId16"/>
                 <a:stretch>
-                  <a:fillRect b="-2632"/>
+                  <a:fillRect b="-2941"/>
                 </a:stretch>
               </a:blipFill>
               <a:ln w="19050" cap="rnd">
@@ -6512,7 +6470,7 @@
             <p:spPr>
               <a:xfrm>
                 <a:off x="1562657" y="837828"/>
-                <a:ext cx="335111" cy="228183"/>
+                <a:ext cx="302666" cy="205100"/>
               </a:xfrm>
               <a:prstGeom prst="rect">
                 <a:avLst/>
@@ -6539,7 +6497,7 @@
                       <m:sSub>
                         <m:sSubPr>
                           <m:ctrlPr>
-                            <a:rPr lang="en-US" altLang="ja-JP" sz="1200" b="0" i="1" smtClean="0">
+                            <a:rPr lang="en-US" altLang="ja-JP" sz="1050" b="0" i="1" smtClean="0">
                               <a:latin typeface="Cambria Math"/>
                               <a:ea typeface="HG丸ｺﾞｼｯｸM-PRO" panose="020F0600000000000000" pitchFamily="50" charset="-128"/>
                               <a:cs typeface="Courier New" pitchFamily="49" charset="0"/>
@@ -6548,7 +6506,7 @@
                         </m:sSubPr>
                         <m:e>
                           <m:r>
-                            <a:rPr lang="en-US" altLang="ja-JP" sz="1200" b="0" i="1" smtClean="0">
+                            <a:rPr lang="en-US" altLang="ja-JP" sz="1050" b="0" i="1" smtClean="0">
                               <a:latin typeface="Cambria Math"/>
                               <a:ea typeface="HG丸ｺﾞｼｯｸM-PRO" panose="020F0600000000000000" pitchFamily="50" charset="-128"/>
                               <a:cs typeface="Courier New" pitchFamily="49" charset="0"/>
@@ -6558,7 +6516,7 @@
                         </m:e>
                         <m:sub>
                           <m:r>
-                            <a:rPr lang="en-US" altLang="ja-JP" sz="1200" b="0" i="1" smtClean="0">
+                            <a:rPr lang="en-US" altLang="ja-JP" sz="1050" b="0" i="1" smtClean="0">
                               <a:latin typeface="Cambria Math"/>
                               <a:ea typeface="HG丸ｺﾞｼｯｸM-PRO" panose="020F0600000000000000" pitchFamily="50" charset="-128"/>
                               <a:cs typeface="Courier New" pitchFamily="49" charset="0"/>
@@ -6570,7 +6528,7 @@
                     </m:oMath>
                   </m:oMathPara>
                 </a14:m>
-                <a:endParaRPr lang="ja-JP" altLang="en-US" sz="1200">
+                <a:endParaRPr lang="ja-JP" altLang="en-US" sz="1050">
                   <a:latin typeface="HG丸ｺﾞｼｯｸM-PRO" panose="020F0600000000000000" pitchFamily="50" charset="-128"/>
                   <a:ea typeface="HG丸ｺﾞｼｯｸM-PRO" panose="020F0600000000000000" pitchFamily="50" charset="-128"/>
                   <a:cs typeface="Courier New" pitchFamily="49" charset="0"/>
@@ -6591,15 +6549,15 @@
             <p:spPr>
               <a:xfrm>
                 <a:off x="1562657" y="837828"/>
-                <a:ext cx="335111" cy="228183"/>
+                <a:ext cx="302666" cy="205100"/>
               </a:xfrm>
               <a:prstGeom prst="rect">
                 <a:avLst/>
               </a:prstGeom>
               <a:blipFill rotWithShape="1">
-                <a:blip r:embed="rId14"/>
+                <a:blip r:embed="rId20"/>
                 <a:stretch>
-                  <a:fillRect b="-2632"/>
+                  <a:fillRect b="-2941"/>
                 </a:stretch>
               </a:blipFill>
               <a:ln w="19050" cap="rnd">
@@ -6666,7 +6624,7 @@
           <a:p>
             <a:pPr algn="ctr"/>
             <a:r>
-              <a:rPr kumimoji="1" lang="ja-JP" altLang="en-US" sz="1200" smtClean="0">
+              <a:rPr kumimoji="1" lang="ja-JP" altLang="en-US" sz="1050" smtClean="0">
                 <a:solidFill>
                   <a:srgbClr val="000000"/>
                 </a:solidFill>
@@ -6675,7 +6633,7 @@
               </a:rPr>
               <a:t>集計</a:t>
             </a:r>
-            <a:endParaRPr kumimoji="1" lang="ja-JP" altLang="en-US" sz="1200">
+            <a:endParaRPr kumimoji="1" lang="ja-JP" altLang="en-US" sz="1050">
               <a:solidFill>
                 <a:srgbClr val="000000"/>
               </a:solidFill>
@@ -6695,8 +6653,8 @@
         </p:nvCxnSpPr>
         <p:spPr>
           <a:xfrm flipV="1">
-            <a:off x="733746" y="693812"/>
-            <a:ext cx="21174" cy="144016"/>
+            <a:off x="717299" y="693812"/>
+            <a:ext cx="37621" cy="144016"/>
           </a:xfrm>
           <a:prstGeom prst="straightConnector1">
             <a:avLst/>
@@ -6734,8 +6692,8 @@
         </p:nvCxnSpPr>
         <p:spPr>
           <a:xfrm flipV="1">
-            <a:off x="1205880" y="693812"/>
-            <a:ext cx="5445" cy="144016"/>
+            <a:off x="1189433" y="693812"/>
+            <a:ext cx="21892" cy="144016"/>
           </a:xfrm>
           <a:prstGeom prst="straightConnector1">
             <a:avLst/>
@@ -6772,8 +6730,8 @@
         </p:nvCxnSpPr>
         <p:spPr>
           <a:xfrm flipH="1" flipV="1">
-            <a:off x="1637928" y="693812"/>
-            <a:ext cx="92285" cy="144016"/>
+            <a:off x="1637929" y="693812"/>
+            <a:ext cx="76061" cy="144016"/>
           </a:xfrm>
           <a:prstGeom prst="straightConnector1">
             <a:avLst/>
@@ -6843,7 +6801,7 @@
           <a:lstStyle/>
           <a:p>
             <a:pPr algn="ctr"/>
-            <a:endParaRPr kumimoji="1" lang="ja-JP" altLang="en-US" sz="1200">
+            <a:endParaRPr kumimoji="1" lang="ja-JP" altLang="en-US" sz="1050">
               <a:solidFill>
                 <a:srgbClr val="000000"/>
               </a:solidFill>

--- a/img/vote.pptx
+++ b/img/vote.pptx
@@ -151,7 +151,7 @@
       </p14:sectionLst>
     </p:ext>
     <p:ext uri="{EFAFB233-063F-42B5-8137-9DF3F51BA10A}">
-      <p15:sldGuideLst xmlns="" xmlns:p15="http://schemas.microsoft.com/office/powerpoint/2012/main">
+      <p15:sldGuideLst xmlns:p15="http://schemas.microsoft.com/office/powerpoint/2012/main" xmlns="">
         <p15:guide id="1" orient="horz" pos="2160">
           <p15:clr>
             <a:srgbClr val="A4A3A4"/>
@@ -165,7 +165,7 @@
       </p15:sldGuideLst>
     </p:ext>
     <p:ext uri="{2D200454-40CA-4A62-9FC3-DE9A4176ACB9}">
-      <p15:notesGuideLst xmlns="" xmlns:p15="http://schemas.microsoft.com/office/powerpoint/2012/main">
+      <p15:notesGuideLst xmlns:p15="http://schemas.microsoft.com/office/powerpoint/2012/main" xmlns="">
         <p15:guide id="1" orient="horz" pos="3223">
           <p15:clr>
             <a:srgbClr val="A4A3A4"/>
@@ -2050,8 +2050,8 @@
           </a:fontRef>
         </p:style>
       </p:cxnSp>
-      <mc:AlternateContent xmlns:mc="http://schemas.openxmlformats.org/markup-compatibility/2006">
-        <mc:Choice xmlns:a14="http://schemas.microsoft.com/office/drawing/2010/main" Requires="a14">
+      <mc:AlternateContent xmlns:mc="http://schemas.openxmlformats.org/markup-compatibility/2006" xmlns:a14="http://schemas.microsoft.com/office/drawing/2010/main">
+        <mc:Choice Requires="a14">
           <p:sp>
             <p:nvSpPr>
               <p:cNvPr id="20" name="テキスト ボックス 19"/>
@@ -2194,7 +2194,7 @@
             </p:txBody>
           </p:sp>
         </mc:Choice>
-        <mc:Fallback>
+        <mc:Fallback xmlns="">
           <p:sp>
             <p:nvSpPr>
               <p:cNvPr id="20" name="テキスト ボックス 19"/>
@@ -2237,8 +2237,8 @@
           </p:sp>
         </mc:Fallback>
       </mc:AlternateContent>
-      <mc:AlternateContent xmlns:mc="http://schemas.openxmlformats.org/markup-compatibility/2006">
-        <mc:Choice xmlns:a14="http://schemas.microsoft.com/office/drawing/2010/main" Requires="a14">
+      <mc:AlternateContent xmlns:mc="http://schemas.openxmlformats.org/markup-compatibility/2006" xmlns:a14="http://schemas.microsoft.com/office/drawing/2010/main">
+        <mc:Choice Requires="a14">
           <p:sp>
             <p:nvSpPr>
               <p:cNvPr id="30" name="テキスト ボックス 29"/>
@@ -2315,7 +2315,7 @@
             </p:txBody>
           </p:sp>
         </mc:Choice>
-        <mc:Fallback>
+        <mc:Fallback xmlns="">
           <p:sp>
             <p:nvSpPr>
               <p:cNvPr id="30" name="テキスト ボックス 29"/>
@@ -2358,8 +2358,8 @@
           </p:sp>
         </mc:Fallback>
       </mc:AlternateContent>
-      <mc:AlternateContent xmlns:mc="http://schemas.openxmlformats.org/markup-compatibility/2006">
-        <mc:Choice xmlns:a14="http://schemas.microsoft.com/office/drawing/2010/main" Requires="a14">
+      <mc:AlternateContent xmlns:mc="http://schemas.openxmlformats.org/markup-compatibility/2006" xmlns:a14="http://schemas.microsoft.com/office/drawing/2010/main">
+        <mc:Choice Requires="a14">
           <p:sp>
             <p:nvSpPr>
               <p:cNvPr id="31" name="テキスト ボックス 30"/>
@@ -2436,7 +2436,7 @@
             </p:txBody>
           </p:sp>
         </mc:Choice>
-        <mc:Fallback>
+        <mc:Fallback xmlns="">
           <p:sp>
             <p:nvSpPr>
               <p:cNvPr id="31" name="テキスト ボックス 30"/>
@@ -2479,8 +2479,8 @@
           </p:sp>
         </mc:Fallback>
       </mc:AlternateContent>
-      <mc:AlternateContent xmlns:mc="http://schemas.openxmlformats.org/markup-compatibility/2006">
-        <mc:Choice xmlns:a14="http://schemas.microsoft.com/office/drawing/2010/main" Requires="a14">
+      <mc:AlternateContent xmlns:mc="http://schemas.openxmlformats.org/markup-compatibility/2006" xmlns:a14="http://schemas.microsoft.com/office/drawing/2010/main">
+        <mc:Choice Requires="a14">
           <p:sp>
             <p:nvSpPr>
               <p:cNvPr id="32" name="テキスト ボックス 31"/>
@@ -2557,7 +2557,7 @@
             </p:txBody>
           </p:sp>
         </mc:Choice>
-        <mc:Fallback>
+        <mc:Fallback xmlns="">
           <p:sp>
             <p:nvSpPr>
               <p:cNvPr id="32" name="テキスト ボックス 31"/>
@@ -2726,7 +2726,7 @@
             <p:spPr>
               <a:xfrm>
                 <a:off x="2763773" y="1472073"/>
-                <a:ext cx="282147" cy="206125"/>
+                <a:ext cx="249703" cy="205100"/>
               </a:xfrm>
               <a:prstGeom prst="rect">
                 <a:avLst/>
@@ -2750,8 +2750,8 @@
                       <m:jc m:val="centerGroup"/>
                     </m:oMathParaPr>
                     <m:oMath xmlns:m="http://schemas.openxmlformats.org/officeDocument/2006/math">
-                      <m:sSub>
-                        <m:sSubPr>
+                      <m:sSubSup>
+                        <m:sSubSupPr>
                           <m:ctrlPr>
                             <a:rPr lang="en-US" altLang="ja-JP" sz="1050" b="0" i="1" smtClean="0">
                               <a:latin typeface="Cambria Math"/>
@@ -2759,7 +2759,7 @@
                               <a:cs typeface="Courier New" pitchFamily="49" charset="0"/>
                             </a:rPr>
                           </m:ctrlPr>
-                        </m:sSubPr>
+                        </m:sSubSupPr>
                         <m:e>
                           <m:r>
                             <a:rPr lang="en-US" altLang="ja-JP" sz="1050" b="0" i="1" smtClean="0">
@@ -2771,39 +2771,26 @@
                           </m:r>
                         </m:e>
                         <m:sub>
-                          <m:sSup>
-                            <m:sSupPr>
-                              <m:ctrlPr>
-                                <a:rPr lang="en-US" altLang="ja-JP" sz="1050" b="0" i="1" smtClean="0">
-                                  <a:latin typeface="Cambria Math"/>
-                                  <a:ea typeface="HG丸ｺﾞｼｯｸM-PRO" panose="020F0600000000000000" pitchFamily="50" charset="-128"/>
-                                  <a:cs typeface="Courier New" pitchFamily="49" charset="0"/>
-                                </a:rPr>
-                              </m:ctrlPr>
-                            </m:sSupPr>
-                            <m:e>
-                              <m:r>
-                                <a:rPr lang="en-US" altLang="ja-JP" sz="1050" b="0" i="1" smtClean="0">
-                                  <a:latin typeface="Cambria Math"/>
-                                  <a:ea typeface="HG丸ｺﾞｼｯｸM-PRO" panose="020F0600000000000000" pitchFamily="50" charset="-128"/>
-                                  <a:cs typeface="Courier New" pitchFamily="49" charset="0"/>
-                                </a:rPr>
-                                <m:t>1</m:t>
-                              </m:r>
-                            </m:e>
-                            <m:sup>
-                              <m:r>
-                                <a:rPr lang="en-US" altLang="ja-JP" sz="1050" b="0" i="1" smtClean="0">
-                                  <a:latin typeface="Cambria Math"/>
-                                  <a:ea typeface="HG丸ｺﾞｼｯｸM-PRO" panose="020F0600000000000000" pitchFamily="50" charset="-128"/>
-                                  <a:cs typeface="Courier New" pitchFamily="49" charset="0"/>
-                                </a:rPr>
-                                <m:t>′</m:t>
-                              </m:r>
-                            </m:sup>
-                          </m:sSup>
+                          <m:r>
+                            <a:rPr lang="en-US" altLang="ja-JP" sz="1050" b="0" i="1" smtClean="0">
+                              <a:latin typeface="Cambria Math"/>
+                              <a:ea typeface="HG丸ｺﾞｼｯｸM-PRO" panose="020F0600000000000000" pitchFamily="50" charset="-128"/>
+                              <a:cs typeface="Courier New" pitchFamily="49" charset="0"/>
+                            </a:rPr>
+                            <m:t>1</m:t>
+                          </m:r>
                         </m:sub>
-                      </m:sSub>
+                        <m:sup>
+                          <m:r>
+                            <a:rPr lang="en-US" altLang="ja-JP" sz="1050" b="0" i="1" smtClean="0">
+                              <a:latin typeface="Cambria Math"/>
+                              <a:ea typeface="HG丸ｺﾞｼｯｸM-PRO" panose="020F0600000000000000" pitchFamily="50" charset="-128"/>
+                              <a:cs typeface="Courier New" pitchFamily="49" charset="0"/>
+                            </a:rPr>
+                            <m:t>′</m:t>
+                          </m:r>
+                        </m:sup>
+                      </m:sSubSup>
                     </m:oMath>
                   </m:oMathPara>
                 </a14:m>
@@ -2828,7 +2815,7 @@
             <p:spPr>
               <a:xfrm>
                 <a:off x="2763773" y="1472073"/>
-                <a:ext cx="282147" cy="206125"/>
+                <a:ext cx="249703" cy="205100"/>
               </a:xfrm>
               <a:prstGeom prst="rect">
                 <a:avLst/>
@@ -2870,7 +2857,7 @@
             <p:spPr>
               <a:xfrm>
                 <a:off x="3094393" y="1472073"/>
-                <a:ext cx="293881" cy="206125"/>
+                <a:ext cx="252844" cy="205100"/>
               </a:xfrm>
               <a:prstGeom prst="rect">
                 <a:avLst/>
@@ -2894,8 +2881,8 @@
                       <m:jc m:val="centerGroup"/>
                     </m:oMathParaPr>
                     <m:oMath xmlns:m="http://schemas.openxmlformats.org/officeDocument/2006/math">
-                      <m:sSub>
-                        <m:sSubPr>
+                      <m:sSubSup>
+                        <m:sSubSupPr>
                           <m:ctrlPr>
                             <a:rPr lang="en-US" altLang="ja-JP" sz="1050" b="0" i="1" smtClean="0">
                               <a:latin typeface="Cambria Math"/>
@@ -2903,7 +2890,7 @@
                               <a:cs typeface="Courier New" pitchFamily="49" charset="0"/>
                             </a:rPr>
                           </m:ctrlPr>
-                        </m:sSubPr>
+                        </m:sSubSupPr>
                         <m:e>
                           <m:r>
                             <a:rPr lang="en-US" altLang="ja-JP" sz="1050" b="0" i="1" smtClean="0">
@@ -2915,39 +2902,26 @@
                           </m:r>
                         </m:e>
                         <m:sub>
-                          <m:sSup>
-                            <m:sSupPr>
-                              <m:ctrlPr>
-                                <a:rPr lang="en-US" altLang="ja-JP" sz="1050" b="0" i="1" smtClean="0">
-                                  <a:latin typeface="Cambria Math"/>
-                                  <a:ea typeface="HG丸ｺﾞｼｯｸM-PRO" panose="020F0600000000000000" pitchFamily="50" charset="-128"/>
-                                  <a:cs typeface="Courier New" pitchFamily="49" charset="0"/>
-                                </a:rPr>
-                              </m:ctrlPr>
-                            </m:sSupPr>
-                            <m:e>
-                              <m:r>
-                                <a:rPr lang="en-US" altLang="ja-JP" sz="1050" b="0" i="1" smtClean="0">
-                                  <a:latin typeface="Cambria Math"/>
-                                  <a:ea typeface="HG丸ｺﾞｼｯｸM-PRO" panose="020F0600000000000000" pitchFamily="50" charset="-128"/>
-                                  <a:cs typeface="Courier New" pitchFamily="49" charset="0"/>
-                                </a:rPr>
-                                <m:t>2</m:t>
-                              </m:r>
-                            </m:e>
-                            <m:sup>
-                              <m:r>
-                                <a:rPr lang="en-US" altLang="ja-JP" sz="1050" b="0" i="1" smtClean="0">
-                                  <a:latin typeface="Cambria Math"/>
-                                  <a:ea typeface="HG丸ｺﾞｼｯｸM-PRO" panose="020F0600000000000000" pitchFamily="50" charset="-128"/>
-                                  <a:cs typeface="Courier New" pitchFamily="49" charset="0"/>
-                                </a:rPr>
-                                <m:t>′</m:t>
-                              </m:r>
-                            </m:sup>
-                          </m:sSup>
+                          <m:r>
+                            <a:rPr lang="en-US" altLang="ja-JP" sz="1050" b="0" i="1" smtClean="0">
+                              <a:latin typeface="Cambria Math"/>
+                              <a:ea typeface="HG丸ｺﾞｼｯｸM-PRO" panose="020F0600000000000000" pitchFamily="50" charset="-128"/>
+                              <a:cs typeface="Courier New" pitchFamily="49" charset="0"/>
+                            </a:rPr>
+                            <m:t>2</m:t>
+                          </m:r>
                         </m:sub>
-                      </m:sSub>
+                        <m:sup>
+                          <m:r>
+                            <a:rPr lang="en-US" altLang="ja-JP" sz="1050" b="0" i="1" smtClean="0">
+                              <a:latin typeface="Cambria Math"/>
+                              <a:ea typeface="HG丸ｺﾞｼｯｸM-PRO" panose="020F0600000000000000" pitchFamily="50" charset="-128"/>
+                              <a:cs typeface="Courier New" pitchFamily="49" charset="0"/>
+                            </a:rPr>
+                            <m:t>′</m:t>
+                          </m:r>
+                        </m:sup>
+                      </m:sSubSup>
                     </m:oMath>
                   </m:oMathPara>
                 </a14:m>
@@ -2972,7 +2946,7 @@
             <p:spPr>
               <a:xfrm>
                 <a:off x="3094393" y="1472073"/>
-                <a:ext cx="293881" cy="206125"/>
+                <a:ext cx="252844" cy="205100"/>
               </a:xfrm>
               <a:prstGeom prst="rect">
                 <a:avLst/>
@@ -3014,7 +2988,7 @@
             <p:spPr>
               <a:xfrm>
                 <a:off x="3438478" y="1471625"/>
-                <a:ext cx="293881" cy="206960"/>
+                <a:ext cx="252844" cy="205100"/>
               </a:xfrm>
               <a:prstGeom prst="rect">
                 <a:avLst/>
@@ -3038,8 +3012,8 @@
                       <m:jc m:val="centerGroup"/>
                     </m:oMathParaPr>
                     <m:oMath xmlns:m="http://schemas.openxmlformats.org/officeDocument/2006/math">
-                      <m:sSub>
-                        <m:sSubPr>
+                      <m:sSubSup>
+                        <m:sSubSupPr>
                           <m:ctrlPr>
                             <a:rPr lang="en-US" altLang="ja-JP" sz="1050" b="0" i="1" smtClean="0">
                               <a:latin typeface="Cambria Math"/>
@@ -3047,7 +3021,7 @@
                               <a:cs typeface="Courier New" pitchFamily="49" charset="0"/>
                             </a:rPr>
                           </m:ctrlPr>
-                        </m:sSubPr>
+                        </m:sSubSupPr>
                         <m:e>
                           <m:r>
                             <a:rPr lang="en-US" altLang="ja-JP" sz="1050" b="0" i="1" smtClean="0">
@@ -3059,39 +3033,26 @@
                           </m:r>
                         </m:e>
                         <m:sub>
-                          <m:sSup>
-                            <m:sSupPr>
-                              <m:ctrlPr>
-                                <a:rPr lang="en-US" altLang="ja-JP" sz="1050" b="0" i="1" smtClean="0">
-                                  <a:latin typeface="Cambria Math"/>
-                                  <a:ea typeface="HG丸ｺﾞｼｯｸM-PRO" panose="020F0600000000000000" pitchFamily="50" charset="-128"/>
-                                  <a:cs typeface="Courier New" pitchFamily="49" charset="0"/>
-                                </a:rPr>
-                              </m:ctrlPr>
-                            </m:sSupPr>
-                            <m:e>
-                              <m:r>
-                                <a:rPr lang="en-US" altLang="ja-JP" sz="1050" b="0" i="1" smtClean="0">
-                                  <a:latin typeface="Cambria Math"/>
-                                  <a:ea typeface="HG丸ｺﾞｼｯｸM-PRO" panose="020F0600000000000000" pitchFamily="50" charset="-128"/>
-                                  <a:cs typeface="Courier New" pitchFamily="49" charset="0"/>
-                                </a:rPr>
-                                <m:t>3</m:t>
-                              </m:r>
-                            </m:e>
-                            <m:sup>
-                              <m:r>
-                                <a:rPr lang="en-US" altLang="ja-JP" sz="1050" b="0" i="1" smtClean="0">
-                                  <a:latin typeface="Cambria Math"/>
-                                  <a:ea typeface="HG丸ｺﾞｼｯｸM-PRO" panose="020F0600000000000000" pitchFamily="50" charset="-128"/>
-                                  <a:cs typeface="Courier New" pitchFamily="49" charset="0"/>
-                                </a:rPr>
-                                <m:t>′</m:t>
-                              </m:r>
-                            </m:sup>
-                          </m:sSup>
+                          <m:r>
+                            <a:rPr lang="en-US" altLang="ja-JP" sz="1050" b="0" i="1" smtClean="0">
+                              <a:latin typeface="Cambria Math"/>
+                              <a:ea typeface="HG丸ｺﾞｼｯｸM-PRO" panose="020F0600000000000000" pitchFamily="50" charset="-128"/>
+                              <a:cs typeface="Courier New" pitchFamily="49" charset="0"/>
+                            </a:rPr>
+                            <m:t>3</m:t>
+                          </m:r>
                         </m:sub>
-                      </m:sSub>
+                        <m:sup>
+                          <m:r>
+                            <a:rPr lang="en-US" altLang="ja-JP" sz="1050" b="0" i="1" smtClean="0">
+                              <a:latin typeface="Cambria Math"/>
+                              <a:ea typeface="HG丸ｺﾞｼｯｸM-PRO" panose="020F0600000000000000" pitchFamily="50" charset="-128"/>
+                              <a:cs typeface="Courier New" pitchFamily="49" charset="0"/>
+                            </a:rPr>
+                            <m:t>′</m:t>
+                          </m:r>
+                        </m:sup>
+                      </m:sSubSup>
                     </m:oMath>
                   </m:oMathPara>
                 </a14:m>
@@ -3116,7 +3077,7 @@
             <p:spPr>
               <a:xfrm>
                 <a:off x="3438478" y="1471625"/>
-                <a:ext cx="293881" cy="206960"/>
+                <a:ext cx="252844" cy="205100"/>
               </a:xfrm>
               <a:prstGeom prst="rect">
                 <a:avLst/>
@@ -3124,7 +3085,7 @@
               <a:blipFill rotWithShape="1">
                 <a:blip r:embed="rId8"/>
                 <a:stretch>
-                  <a:fillRect b="-5882"/>
+                  <a:fillRect b="-2941"/>
                 </a:stretch>
               </a:blipFill>
               <a:ln w="19050" cap="rnd">
@@ -3158,7 +3119,7 @@
             <p:spPr>
               <a:xfrm>
                 <a:off x="3782564" y="1472073"/>
-                <a:ext cx="288239" cy="206125"/>
+                <a:ext cx="252844" cy="205100"/>
               </a:xfrm>
               <a:prstGeom prst="rect">
                 <a:avLst/>
@@ -3182,8 +3143,8 @@
                       <m:jc m:val="centerGroup"/>
                     </m:oMathParaPr>
                     <m:oMath xmlns:m="http://schemas.openxmlformats.org/officeDocument/2006/math">
-                      <m:sSub>
-                        <m:sSubPr>
+                      <m:sSubSup>
+                        <m:sSubSupPr>
                           <m:ctrlPr>
                             <a:rPr lang="en-US" altLang="ja-JP" sz="1050" b="0" i="1" smtClean="0">
                               <a:latin typeface="Cambria Math"/>
@@ -3191,7 +3152,7 @@
                               <a:cs typeface="Courier New" pitchFamily="49" charset="0"/>
                             </a:rPr>
                           </m:ctrlPr>
-                        </m:sSubPr>
+                        </m:sSubSupPr>
                         <m:e>
                           <m:r>
                             <a:rPr lang="en-US" altLang="ja-JP" sz="1050" b="0" i="1" smtClean="0">
@@ -3203,39 +3164,26 @@
                           </m:r>
                         </m:e>
                         <m:sub>
-                          <m:sSup>
-                            <m:sSupPr>
-                              <m:ctrlPr>
-                                <a:rPr lang="en-US" altLang="ja-JP" sz="1050" b="0" i="1" smtClean="0">
-                                  <a:latin typeface="Cambria Math"/>
-                                  <a:ea typeface="HG丸ｺﾞｼｯｸM-PRO" panose="020F0600000000000000" pitchFamily="50" charset="-128"/>
-                                  <a:cs typeface="Courier New" pitchFamily="49" charset="0"/>
-                                </a:rPr>
-                              </m:ctrlPr>
-                            </m:sSupPr>
-                            <m:e>
-                              <m:r>
-                                <a:rPr lang="en-US" altLang="ja-JP" sz="1050" b="0" i="1" smtClean="0">
-                                  <a:latin typeface="Cambria Math"/>
-                                  <a:ea typeface="HG丸ｺﾞｼｯｸM-PRO" panose="020F0600000000000000" pitchFamily="50" charset="-128"/>
-                                  <a:cs typeface="Courier New" pitchFamily="49" charset="0"/>
-                                </a:rPr>
-                                <m:t>4</m:t>
-                              </m:r>
-                            </m:e>
-                            <m:sup>
-                              <m:r>
-                                <a:rPr lang="en-US" altLang="ja-JP" sz="1050" b="0" i="1" smtClean="0">
-                                  <a:latin typeface="Cambria Math"/>
-                                  <a:ea typeface="HG丸ｺﾞｼｯｸM-PRO" panose="020F0600000000000000" pitchFamily="50" charset="-128"/>
-                                  <a:cs typeface="Courier New" pitchFamily="49" charset="0"/>
-                                </a:rPr>
-                                <m:t>′</m:t>
-                              </m:r>
-                            </m:sup>
-                          </m:sSup>
+                          <m:r>
+                            <a:rPr lang="en-US" altLang="ja-JP" sz="1050" b="0" i="1" smtClean="0">
+                              <a:latin typeface="Cambria Math"/>
+                              <a:ea typeface="HG丸ｺﾞｼｯｸM-PRO" panose="020F0600000000000000" pitchFamily="50" charset="-128"/>
+                              <a:cs typeface="Courier New" pitchFamily="49" charset="0"/>
+                            </a:rPr>
+                            <m:t>4</m:t>
+                          </m:r>
                         </m:sub>
-                      </m:sSub>
+                        <m:sup>
+                          <m:r>
+                            <a:rPr lang="en-US" altLang="ja-JP" sz="1050" b="0" i="1" smtClean="0">
+                              <a:latin typeface="Cambria Math"/>
+                              <a:ea typeface="HG丸ｺﾞｼｯｸM-PRO" panose="020F0600000000000000" pitchFamily="50" charset="-128"/>
+                              <a:cs typeface="Courier New" pitchFamily="49" charset="0"/>
+                            </a:rPr>
+                            <m:t>′</m:t>
+                          </m:r>
+                        </m:sup>
+                      </m:sSubSup>
                     </m:oMath>
                   </m:oMathPara>
                 </a14:m>
@@ -3260,7 +3208,7 @@
             <p:spPr>
               <a:xfrm>
                 <a:off x="3782564" y="1472073"/>
-                <a:ext cx="288239" cy="206125"/>
+                <a:ext cx="252844" cy="205100"/>
               </a:xfrm>
               <a:prstGeom prst="rect">
                 <a:avLst/>
@@ -3301,8 +3249,8 @@
         </p:nvCxnSpPr>
         <p:spPr>
           <a:xfrm flipH="1" flipV="1">
-            <a:off x="2904847" y="1678198"/>
-            <a:ext cx="58150" cy="275755"/>
+            <a:off x="2888625" y="1677173"/>
+            <a:ext cx="74385" cy="276782"/>
           </a:xfrm>
           <a:prstGeom prst="straightConnector1">
             <a:avLst/>
@@ -3340,8 +3288,8 @@
         </p:nvCxnSpPr>
         <p:spPr>
           <a:xfrm flipH="1" flipV="1">
-            <a:off x="3241334" y="1678198"/>
-            <a:ext cx="117963" cy="275754"/>
+            <a:off x="3220815" y="1677173"/>
+            <a:ext cx="138482" cy="276779"/>
           </a:xfrm>
           <a:prstGeom prst="straightConnector1">
             <a:avLst/>
@@ -3378,8 +3326,8 @@
         </p:nvCxnSpPr>
         <p:spPr>
           <a:xfrm flipH="1" flipV="1">
-            <a:off x="3585419" y="1678585"/>
-            <a:ext cx="14608" cy="275367"/>
+            <a:off x="3564900" y="1676725"/>
+            <a:ext cx="35131" cy="277230"/>
           </a:xfrm>
           <a:prstGeom prst="straightConnector1">
             <a:avLst/>
@@ -3416,8 +3364,8 @@
         </p:nvCxnSpPr>
         <p:spPr>
           <a:xfrm flipV="1">
-            <a:off x="3908158" y="1678198"/>
-            <a:ext cx="18526" cy="275755"/>
+            <a:off x="3908161" y="1677173"/>
+            <a:ext cx="825" cy="276782"/>
           </a:xfrm>
           <a:prstGeom prst="straightConnector1">
             <a:avLst/>
@@ -3455,7 +3403,7 @@
             <p:spPr>
               <a:xfrm>
                 <a:off x="2737000" y="1040025"/>
-                <a:ext cx="331840" cy="206125"/>
+                <a:ext cx="302665" cy="205100"/>
               </a:xfrm>
               <a:prstGeom prst="rect">
                 <a:avLst/>
@@ -3479,8 +3427,8 @@
                       <m:jc m:val="centerGroup"/>
                     </m:oMathParaPr>
                     <m:oMath xmlns:m="http://schemas.openxmlformats.org/officeDocument/2006/math">
-                      <m:sSub>
-                        <m:sSubPr>
+                      <m:sSubSup>
+                        <m:sSubSupPr>
                           <m:ctrlPr>
                             <a:rPr lang="en-US" altLang="ja-JP" sz="1050" b="0" i="1" smtClean="0">
                               <a:latin typeface="Cambria Math"/>
@@ -3488,7 +3436,7 @@
                               <a:cs typeface="Courier New" pitchFamily="49" charset="0"/>
                             </a:rPr>
                           </m:ctrlPr>
-                        </m:sSubPr>
+                        </m:sSubSupPr>
                         <m:e>
                           <m:r>
                             <a:rPr lang="en-US" altLang="ja-JP" sz="1050" b="0" i="1" smtClean="0">
@@ -3500,39 +3448,26 @@
                           </m:r>
                         </m:e>
                         <m:sub>
-                          <m:sSup>
-                            <m:sSupPr>
-                              <m:ctrlPr>
-                                <a:rPr lang="en-US" altLang="ja-JP" sz="1050" b="0" i="1" smtClean="0">
-                                  <a:latin typeface="Cambria Math"/>
-                                  <a:ea typeface="HG丸ｺﾞｼｯｸM-PRO" panose="020F0600000000000000" pitchFamily="50" charset="-128"/>
-                                  <a:cs typeface="Courier New" pitchFamily="49" charset="0"/>
-                                </a:rPr>
-                              </m:ctrlPr>
-                            </m:sSupPr>
-                            <m:e>
-                              <m:r>
-                                <a:rPr lang="en-US" altLang="ja-JP" sz="1050" b="0" i="1" smtClean="0">
-                                  <a:latin typeface="Cambria Math"/>
-                                  <a:ea typeface="HG丸ｺﾞｼｯｸM-PRO" panose="020F0600000000000000" pitchFamily="50" charset="-128"/>
-                                  <a:cs typeface="Courier New" pitchFamily="49" charset="0"/>
-                                </a:rPr>
-                                <m:t>1</m:t>
-                              </m:r>
-                            </m:e>
-                            <m:sup>
-                              <m:r>
-                                <a:rPr lang="en-US" altLang="ja-JP" sz="1050" b="0" i="1" smtClean="0">
-                                  <a:latin typeface="Cambria Math"/>
-                                  <a:ea typeface="HG丸ｺﾞｼｯｸM-PRO" panose="020F0600000000000000" pitchFamily="50" charset="-128"/>
-                                  <a:cs typeface="Courier New" pitchFamily="49" charset="0"/>
-                                </a:rPr>
-                                <m:t>′</m:t>
-                              </m:r>
-                            </m:sup>
-                          </m:sSup>
+                          <m:r>
+                            <a:rPr lang="en-US" altLang="ja-JP" sz="1050" b="0" i="1" smtClean="0">
+                              <a:latin typeface="Cambria Math"/>
+                              <a:ea typeface="HG丸ｺﾞｼｯｸM-PRO" panose="020F0600000000000000" pitchFamily="50" charset="-128"/>
+                              <a:cs typeface="Courier New" pitchFamily="49" charset="0"/>
+                            </a:rPr>
+                            <m:t>1</m:t>
+                          </m:r>
                         </m:sub>
-                      </m:sSub>
+                        <m:sup>
+                          <m:r>
+                            <a:rPr lang="en-US" altLang="ja-JP" sz="1050" b="0" i="1" smtClean="0">
+                              <a:latin typeface="Cambria Math"/>
+                              <a:ea typeface="HG丸ｺﾞｼｯｸM-PRO" panose="020F0600000000000000" pitchFamily="50" charset="-128"/>
+                              <a:cs typeface="Courier New" pitchFamily="49" charset="0"/>
+                            </a:rPr>
+                            <m:t>′</m:t>
+                          </m:r>
+                        </m:sup>
+                      </m:sSubSup>
                     </m:oMath>
                   </m:oMathPara>
                 </a14:m>
@@ -3557,7 +3492,7 @@
             <p:spPr>
               <a:xfrm>
                 <a:off x="2737000" y="1040025"/>
-                <a:ext cx="331840" cy="206125"/>
+                <a:ext cx="302665" cy="205100"/>
               </a:xfrm>
               <a:prstGeom prst="rect">
                 <a:avLst/>
@@ -3599,7 +3534,7 @@
             <p:spPr>
               <a:xfrm>
                 <a:off x="3067620" y="1040025"/>
-                <a:ext cx="343574" cy="206125"/>
+                <a:ext cx="305808" cy="205100"/>
               </a:xfrm>
               <a:prstGeom prst="rect">
                 <a:avLst/>
@@ -3623,8 +3558,8 @@
                       <m:jc m:val="centerGroup"/>
                     </m:oMathParaPr>
                     <m:oMath xmlns:m="http://schemas.openxmlformats.org/officeDocument/2006/math">
-                      <m:sSub>
-                        <m:sSubPr>
+                      <m:sSubSup>
+                        <m:sSubSupPr>
                           <m:ctrlPr>
                             <a:rPr lang="en-US" altLang="ja-JP" sz="1050" b="0" i="1" smtClean="0">
                               <a:latin typeface="Cambria Math"/>
@@ -3632,7 +3567,7 @@
                               <a:cs typeface="Courier New" pitchFamily="49" charset="0"/>
                             </a:rPr>
                           </m:ctrlPr>
-                        </m:sSubPr>
+                        </m:sSubSupPr>
                         <m:e>
                           <m:r>
                             <a:rPr lang="en-US" altLang="ja-JP" sz="1050" b="0" i="1" smtClean="0">
@@ -3644,39 +3579,26 @@
                           </m:r>
                         </m:e>
                         <m:sub>
-                          <m:sSup>
-                            <m:sSupPr>
-                              <m:ctrlPr>
-                                <a:rPr lang="en-US" altLang="ja-JP" sz="1050" b="0" i="1" smtClean="0">
-                                  <a:latin typeface="Cambria Math"/>
-                                  <a:ea typeface="HG丸ｺﾞｼｯｸM-PRO" panose="020F0600000000000000" pitchFamily="50" charset="-128"/>
-                                  <a:cs typeface="Courier New" pitchFamily="49" charset="0"/>
-                                </a:rPr>
-                              </m:ctrlPr>
-                            </m:sSupPr>
-                            <m:e>
-                              <m:r>
-                                <a:rPr lang="en-US" altLang="ja-JP" sz="1050" b="0" i="1" smtClean="0">
-                                  <a:latin typeface="Cambria Math"/>
-                                  <a:ea typeface="HG丸ｺﾞｼｯｸM-PRO" panose="020F0600000000000000" pitchFamily="50" charset="-128"/>
-                                  <a:cs typeface="Courier New" pitchFamily="49" charset="0"/>
-                                </a:rPr>
-                                <m:t>2</m:t>
-                              </m:r>
-                            </m:e>
-                            <m:sup>
-                              <m:r>
-                                <a:rPr lang="en-US" altLang="ja-JP" sz="1050" b="0" i="1" smtClean="0">
-                                  <a:latin typeface="Cambria Math"/>
-                                  <a:ea typeface="HG丸ｺﾞｼｯｸM-PRO" panose="020F0600000000000000" pitchFamily="50" charset="-128"/>
-                                  <a:cs typeface="Courier New" pitchFamily="49" charset="0"/>
-                                </a:rPr>
-                                <m:t>′</m:t>
-                              </m:r>
-                            </m:sup>
-                          </m:sSup>
+                          <m:r>
+                            <a:rPr lang="en-US" altLang="ja-JP" sz="1050" b="0" i="1" smtClean="0">
+                              <a:latin typeface="Cambria Math"/>
+                              <a:ea typeface="HG丸ｺﾞｼｯｸM-PRO" panose="020F0600000000000000" pitchFamily="50" charset="-128"/>
+                              <a:cs typeface="Courier New" pitchFamily="49" charset="0"/>
+                            </a:rPr>
+                            <m:t>2</m:t>
+                          </m:r>
                         </m:sub>
-                      </m:sSub>
+                        <m:sup>
+                          <m:r>
+                            <a:rPr lang="en-US" altLang="ja-JP" sz="1050" b="0" i="1" smtClean="0">
+                              <a:latin typeface="Cambria Math"/>
+                              <a:ea typeface="HG丸ｺﾞｼｯｸM-PRO" panose="020F0600000000000000" pitchFamily="50" charset="-128"/>
+                              <a:cs typeface="Courier New" pitchFamily="49" charset="0"/>
+                            </a:rPr>
+                            <m:t>′</m:t>
+                          </m:r>
+                        </m:sup>
+                      </m:sSubSup>
                     </m:oMath>
                   </m:oMathPara>
                 </a14:m>
@@ -3701,7 +3623,7 @@
             <p:spPr>
               <a:xfrm>
                 <a:off x="3067620" y="1040025"/>
-                <a:ext cx="343574" cy="206125"/>
+                <a:ext cx="305808" cy="205100"/>
               </a:xfrm>
               <a:prstGeom prst="rect">
                 <a:avLst/>
@@ -3743,7 +3665,7 @@
             <p:spPr>
               <a:xfrm>
                 <a:off x="3401886" y="1039577"/>
-                <a:ext cx="343574" cy="206960"/>
+                <a:ext cx="305808" cy="205100"/>
               </a:xfrm>
               <a:prstGeom prst="rect">
                 <a:avLst/>
@@ -3767,8 +3689,8 @@
                       <m:jc m:val="centerGroup"/>
                     </m:oMathParaPr>
                     <m:oMath xmlns:m="http://schemas.openxmlformats.org/officeDocument/2006/math">
-                      <m:sSub>
-                        <m:sSubPr>
+                      <m:sSubSup>
+                        <m:sSubSupPr>
                           <m:ctrlPr>
                             <a:rPr lang="en-US" altLang="ja-JP" sz="1050" b="0" i="1" smtClean="0">
                               <a:latin typeface="Cambria Math"/>
@@ -3776,7 +3698,7 @@
                               <a:cs typeface="Courier New" pitchFamily="49" charset="0"/>
                             </a:rPr>
                           </m:ctrlPr>
-                        </m:sSubPr>
+                        </m:sSubSupPr>
                         <m:e>
                           <m:r>
                             <a:rPr lang="en-US" altLang="ja-JP" sz="1050" b="0" i="1" smtClean="0">
@@ -3788,39 +3710,26 @@
                           </m:r>
                         </m:e>
                         <m:sub>
-                          <m:sSup>
-                            <m:sSupPr>
-                              <m:ctrlPr>
-                                <a:rPr lang="en-US" altLang="ja-JP" sz="1050" b="0" i="1" smtClean="0">
-                                  <a:latin typeface="Cambria Math"/>
-                                  <a:ea typeface="HG丸ｺﾞｼｯｸM-PRO" panose="020F0600000000000000" pitchFamily="50" charset="-128"/>
-                                  <a:cs typeface="Courier New" pitchFamily="49" charset="0"/>
-                                </a:rPr>
-                              </m:ctrlPr>
-                            </m:sSupPr>
-                            <m:e>
-                              <m:r>
-                                <a:rPr lang="en-US" altLang="ja-JP" sz="1050" b="0" i="1" smtClean="0">
-                                  <a:latin typeface="Cambria Math"/>
-                                  <a:ea typeface="HG丸ｺﾞｼｯｸM-PRO" panose="020F0600000000000000" pitchFamily="50" charset="-128"/>
-                                  <a:cs typeface="Courier New" pitchFamily="49" charset="0"/>
-                                </a:rPr>
-                                <m:t>3</m:t>
-                              </m:r>
-                            </m:e>
-                            <m:sup>
-                              <m:r>
-                                <a:rPr lang="en-US" altLang="ja-JP" sz="1050" b="0" i="1" smtClean="0">
-                                  <a:latin typeface="Cambria Math"/>
-                                  <a:ea typeface="HG丸ｺﾞｼｯｸM-PRO" panose="020F0600000000000000" pitchFamily="50" charset="-128"/>
-                                  <a:cs typeface="Courier New" pitchFamily="49" charset="0"/>
-                                </a:rPr>
-                                <m:t>′</m:t>
-                              </m:r>
-                            </m:sup>
-                          </m:sSup>
+                          <m:r>
+                            <a:rPr lang="en-US" altLang="ja-JP" sz="1050" b="0" i="1" smtClean="0">
+                              <a:latin typeface="Cambria Math"/>
+                              <a:ea typeface="HG丸ｺﾞｼｯｸM-PRO" panose="020F0600000000000000" pitchFamily="50" charset="-128"/>
+                              <a:cs typeface="Courier New" pitchFamily="49" charset="0"/>
+                            </a:rPr>
+                            <m:t>3</m:t>
+                          </m:r>
                         </m:sub>
-                      </m:sSub>
+                        <m:sup>
+                          <m:r>
+                            <a:rPr lang="en-US" altLang="ja-JP" sz="1050" b="0" i="1" smtClean="0">
+                              <a:latin typeface="Cambria Math"/>
+                              <a:ea typeface="HG丸ｺﾞｼｯｸM-PRO" panose="020F0600000000000000" pitchFamily="50" charset="-128"/>
+                              <a:cs typeface="Courier New" pitchFamily="49" charset="0"/>
+                            </a:rPr>
+                            <m:t>′</m:t>
+                          </m:r>
+                        </m:sup>
+                      </m:sSubSup>
                     </m:oMath>
                   </m:oMathPara>
                 </a14:m>
@@ -3845,7 +3754,7 @@
             <p:spPr>
               <a:xfrm>
                 <a:off x="3401886" y="1039577"/>
-                <a:ext cx="343574" cy="206960"/>
+                <a:ext cx="305808" cy="205100"/>
               </a:xfrm>
               <a:prstGeom prst="rect">
                 <a:avLst/>
@@ -3853,7 +3762,7 @@
               <a:blipFill rotWithShape="1">
                 <a:blip r:embed="rId12"/>
                 <a:stretch>
-                  <a:fillRect b="-9091"/>
+                  <a:fillRect b="-6061"/>
                 </a:stretch>
               </a:blipFill>
               <a:ln w="19050" cap="rnd">
@@ -3887,7 +3796,7 @@
             <p:spPr>
               <a:xfrm>
                 <a:off x="3755791" y="1040025"/>
-                <a:ext cx="341202" cy="206125"/>
+                <a:ext cx="305808" cy="205100"/>
               </a:xfrm>
               <a:prstGeom prst="rect">
                 <a:avLst/>
@@ -3911,8 +3820,8 @@
                       <m:jc m:val="centerGroup"/>
                     </m:oMathParaPr>
                     <m:oMath xmlns:m="http://schemas.openxmlformats.org/officeDocument/2006/math">
-                      <m:sSub>
-                        <m:sSubPr>
+                      <m:sSubSup>
+                        <m:sSubSupPr>
                           <m:ctrlPr>
                             <a:rPr lang="en-US" altLang="ja-JP" sz="1050" b="0" i="1" smtClean="0">
                               <a:latin typeface="Cambria Math"/>
@@ -3920,7 +3829,7 @@
                               <a:cs typeface="Courier New" pitchFamily="49" charset="0"/>
                             </a:rPr>
                           </m:ctrlPr>
-                        </m:sSubPr>
+                        </m:sSubSupPr>
                         <m:e>
                           <m:r>
                             <a:rPr lang="en-US" altLang="ja-JP" sz="1050" b="0" i="1" smtClean="0">
@@ -3932,39 +3841,26 @@
                           </m:r>
                         </m:e>
                         <m:sub>
-                          <m:sSup>
-                            <m:sSupPr>
-                              <m:ctrlPr>
-                                <a:rPr lang="en-US" altLang="ja-JP" sz="1050" b="0" i="1" smtClean="0">
-                                  <a:latin typeface="Cambria Math"/>
-                                  <a:ea typeface="HG丸ｺﾞｼｯｸM-PRO" panose="020F0600000000000000" pitchFamily="50" charset="-128"/>
-                                  <a:cs typeface="Courier New" pitchFamily="49" charset="0"/>
-                                </a:rPr>
-                              </m:ctrlPr>
-                            </m:sSupPr>
-                            <m:e>
-                              <m:r>
-                                <a:rPr lang="en-US" altLang="ja-JP" sz="1050" b="0" i="1" smtClean="0">
-                                  <a:latin typeface="Cambria Math"/>
-                                  <a:ea typeface="HG丸ｺﾞｼｯｸM-PRO" panose="020F0600000000000000" pitchFamily="50" charset="-128"/>
-                                  <a:cs typeface="Courier New" pitchFamily="49" charset="0"/>
-                                </a:rPr>
-                                <m:t>4</m:t>
-                              </m:r>
-                            </m:e>
-                            <m:sup>
-                              <m:r>
-                                <a:rPr lang="en-US" altLang="ja-JP" sz="1050" b="0" i="1" smtClean="0">
-                                  <a:latin typeface="Cambria Math"/>
-                                  <a:ea typeface="HG丸ｺﾞｼｯｸM-PRO" panose="020F0600000000000000" pitchFamily="50" charset="-128"/>
-                                  <a:cs typeface="Courier New" pitchFamily="49" charset="0"/>
-                                </a:rPr>
-                                <m:t>′</m:t>
-                              </m:r>
-                            </m:sup>
-                          </m:sSup>
+                          <m:r>
+                            <a:rPr lang="en-US" altLang="ja-JP" sz="1050" b="0" i="1" smtClean="0">
+                              <a:latin typeface="Cambria Math"/>
+                              <a:ea typeface="HG丸ｺﾞｼｯｸM-PRO" panose="020F0600000000000000" pitchFamily="50" charset="-128"/>
+                              <a:cs typeface="Courier New" pitchFamily="49" charset="0"/>
+                            </a:rPr>
+                            <m:t>4</m:t>
+                          </m:r>
                         </m:sub>
-                      </m:sSub>
+                        <m:sup>
+                          <m:r>
+                            <a:rPr lang="en-US" altLang="ja-JP" sz="1050" b="0" i="1" smtClean="0">
+                              <a:latin typeface="Cambria Math"/>
+                              <a:ea typeface="HG丸ｺﾞｼｯｸM-PRO" panose="020F0600000000000000" pitchFamily="50" charset="-128"/>
+                              <a:cs typeface="Courier New" pitchFamily="49" charset="0"/>
+                            </a:rPr>
+                            <m:t>′</m:t>
+                          </m:r>
+                        </m:sup>
+                      </m:sSubSup>
                     </m:oMath>
                   </m:oMathPara>
                 </a14:m>
@@ -3989,7 +3885,7 @@
             <p:spPr>
               <a:xfrm>
                 <a:off x="3755791" y="1040025"/>
-                <a:ext cx="341202" cy="206125"/>
+                <a:ext cx="305808" cy="205100"/>
               </a:xfrm>
               <a:prstGeom prst="rect">
                 <a:avLst/>
@@ -4031,8 +3927,8 @@
         </p:nvCxnSpPr>
         <p:spPr>
           <a:xfrm flipH="1" flipV="1">
-            <a:off x="2902920" y="1246150"/>
-            <a:ext cx="1927" cy="225923"/>
+            <a:off x="2888333" y="1245125"/>
+            <a:ext cx="292" cy="226948"/>
           </a:xfrm>
           <a:prstGeom prst="straightConnector1">
             <a:avLst/>
@@ -4070,8 +3966,8 @@
         </p:nvCxnSpPr>
         <p:spPr>
           <a:xfrm flipH="1" flipV="1">
-            <a:off x="3239407" y="1246150"/>
-            <a:ext cx="1927" cy="225923"/>
+            <a:off x="3220524" y="1245125"/>
+            <a:ext cx="291" cy="226948"/>
           </a:xfrm>
           <a:prstGeom prst="straightConnector1">
             <a:avLst/>
@@ -4109,8 +4005,8 @@
         </p:nvCxnSpPr>
         <p:spPr>
           <a:xfrm flipH="1" flipV="1">
-            <a:off x="3573673" y="1246537"/>
-            <a:ext cx="11746" cy="225088"/>
+            <a:off x="3554790" y="1244677"/>
+            <a:ext cx="10110" cy="226948"/>
           </a:xfrm>
           <a:prstGeom prst="straightConnector1">
             <a:avLst/>
@@ -4148,8 +4044,8 @@
         </p:nvCxnSpPr>
         <p:spPr>
           <a:xfrm flipH="1" flipV="1">
-            <a:off x="3926392" y="1246150"/>
-            <a:ext cx="292" cy="225923"/>
+            <a:off x="3908695" y="1245125"/>
+            <a:ext cx="291" cy="226948"/>
           </a:xfrm>
           <a:prstGeom prst="straightConnector1">
             <a:avLst/>
@@ -4249,8 +4145,8 @@
         </p:nvCxnSpPr>
         <p:spPr>
           <a:xfrm flipV="1">
-            <a:off x="2902920" y="837829"/>
-            <a:ext cx="204071" cy="202196"/>
+            <a:off x="2888333" y="837829"/>
+            <a:ext cx="218658" cy="202196"/>
           </a:xfrm>
           <a:prstGeom prst="straightConnector1">
             <a:avLst/>
@@ -4287,8 +4183,8 @@
         </p:nvCxnSpPr>
         <p:spPr>
           <a:xfrm flipV="1">
-            <a:off x="3239407" y="837829"/>
-            <a:ext cx="68875" cy="202196"/>
+            <a:off x="3220524" y="837829"/>
+            <a:ext cx="87759" cy="202196"/>
           </a:xfrm>
           <a:prstGeom prst="straightConnector1">
             <a:avLst/>
@@ -4325,8 +4221,8 @@
         </p:nvCxnSpPr>
         <p:spPr>
           <a:xfrm flipV="1">
-            <a:off x="3573673" y="837829"/>
-            <a:ext cx="26354" cy="201748"/>
+            <a:off x="3554790" y="837829"/>
+            <a:ext cx="45237" cy="201748"/>
           </a:xfrm>
           <a:prstGeom prst="straightConnector1">
             <a:avLst/>
@@ -4363,8 +4259,8 @@
         </p:nvCxnSpPr>
         <p:spPr>
           <a:xfrm flipH="1" flipV="1">
-            <a:off x="3870177" y="837829"/>
-            <a:ext cx="56215" cy="202196"/>
+            <a:off x="3870184" y="837829"/>
+            <a:ext cx="38511" cy="202196"/>
           </a:xfrm>
           <a:prstGeom prst="straightConnector1">
             <a:avLst/>
@@ -4725,8 +4621,8 @@
           </a:p>
         </p:txBody>
       </p:sp>
-      <mc:AlternateContent xmlns:mc="http://schemas.openxmlformats.org/markup-compatibility/2006">
-        <mc:Choice xmlns:a14="http://schemas.microsoft.com/office/drawing/2010/main" Requires="a14">
+      <mc:AlternateContent xmlns:mc="http://schemas.openxmlformats.org/markup-compatibility/2006" xmlns:a14="http://schemas.microsoft.com/office/drawing/2010/main">
+        <mc:Choice Requires="a14">
           <p:sp>
             <p:nvSpPr>
               <p:cNvPr id="43" name="テキスト ボックス 42"/>
@@ -4803,7 +4699,7 @@
             </p:txBody>
           </p:sp>
         </mc:Choice>
-        <mc:Fallback>
+        <mc:Fallback xmlns="">
           <p:sp>
             <p:nvSpPr>
               <p:cNvPr id="43" name="テキスト ボックス 42"/>
@@ -5044,8 +4940,8 @@
           </a:p>
         </p:txBody>
       </p:sp>
-      <mc:AlternateContent xmlns:mc="http://schemas.openxmlformats.org/markup-compatibility/2006">
-        <mc:Choice xmlns:a14="http://schemas.microsoft.com/office/drawing/2010/main" Requires="a14">
+      <mc:AlternateContent xmlns:mc="http://schemas.openxmlformats.org/markup-compatibility/2006" xmlns:a14="http://schemas.microsoft.com/office/drawing/2010/main">
+        <mc:Choice Requires="a14">
           <p:sp>
             <p:nvSpPr>
               <p:cNvPr id="57" name="テキスト ボックス 56"/>
@@ -5122,7 +5018,7 @@
             </p:txBody>
           </p:sp>
         </mc:Choice>
-        <mc:Fallback>
+        <mc:Fallback xmlns="">
           <p:sp>
             <p:nvSpPr>
               <p:cNvPr id="57" name="テキスト ボックス 56"/>
@@ -5539,8 +5435,8 @@
           </a:fontRef>
         </p:style>
       </p:cxnSp>
-      <mc:AlternateContent xmlns:mc="http://schemas.openxmlformats.org/markup-compatibility/2006">
-        <mc:Choice xmlns:a14="http://schemas.microsoft.com/office/drawing/2010/main" Requires="a14">
+      <mc:AlternateContent xmlns:mc="http://schemas.openxmlformats.org/markup-compatibility/2006" xmlns:a14="http://schemas.microsoft.com/office/drawing/2010/main">
+        <mc:Choice Requires="a14">
           <p:sp>
             <p:nvSpPr>
               <p:cNvPr id="85" name="テキスト ボックス 84"/>
@@ -5617,7 +5513,7 @@
             </p:txBody>
           </p:sp>
         </mc:Choice>
-        <mc:Fallback>
+        <mc:Fallback xmlns="">
           <p:sp>
             <p:nvSpPr>
               <p:cNvPr id="85" name="テキスト ボックス 84"/>
@@ -6217,8 +6113,8 @@
           </p:txBody>
         </p:sp>
       </p:grpSp>
-      <mc:AlternateContent xmlns:mc="http://schemas.openxmlformats.org/markup-compatibility/2006">
-        <mc:Choice xmlns:a14="http://schemas.microsoft.com/office/drawing/2010/main" Requires="a14">
+      <mc:AlternateContent xmlns:mc="http://schemas.openxmlformats.org/markup-compatibility/2006" xmlns:a14="http://schemas.microsoft.com/office/drawing/2010/main">
+        <mc:Choice Requires="a14">
           <p:sp>
             <p:nvSpPr>
               <p:cNvPr id="92" name="テキスト ボックス 91"/>
@@ -6295,7 +6191,7 @@
             </p:txBody>
           </p:sp>
         </mc:Choice>
-        <mc:Fallback>
+        <mc:Fallback xmlns="">
           <p:sp>
             <p:nvSpPr>
               <p:cNvPr id="92" name="テキスト ボックス 91"/>
@@ -6338,8 +6234,8 @@
           </p:sp>
         </mc:Fallback>
       </mc:AlternateContent>
-      <mc:AlternateContent xmlns:mc="http://schemas.openxmlformats.org/markup-compatibility/2006">
-        <mc:Choice xmlns:a14="http://schemas.microsoft.com/office/drawing/2010/main" Requires="a14">
+      <mc:AlternateContent xmlns:mc="http://schemas.openxmlformats.org/markup-compatibility/2006" xmlns:a14="http://schemas.microsoft.com/office/drawing/2010/main">
+        <mc:Choice Requires="a14">
           <p:sp>
             <p:nvSpPr>
               <p:cNvPr id="93" name="テキスト ボックス 92"/>
@@ -6416,7 +6312,7 @@
             </p:txBody>
           </p:sp>
         </mc:Choice>
-        <mc:Fallback>
+        <mc:Fallback xmlns="">
           <p:sp>
             <p:nvSpPr>
               <p:cNvPr id="93" name="テキスト ボックス 92"/>
@@ -6459,8 +6355,8 @@
           </p:sp>
         </mc:Fallback>
       </mc:AlternateContent>
-      <mc:AlternateContent xmlns:mc="http://schemas.openxmlformats.org/markup-compatibility/2006">
-        <mc:Choice xmlns:a14="http://schemas.microsoft.com/office/drawing/2010/main" Requires="a14">
+      <mc:AlternateContent xmlns:mc="http://schemas.openxmlformats.org/markup-compatibility/2006" xmlns:a14="http://schemas.microsoft.com/office/drawing/2010/main">
+        <mc:Choice Requires="a14">
           <p:sp>
             <p:nvSpPr>
               <p:cNvPr id="94" name="テキスト ボックス 93"/>
@@ -6537,7 +6433,7 @@
             </p:txBody>
           </p:sp>
         </mc:Choice>
-        <mc:Fallback>
+        <mc:Fallback xmlns="">
           <p:sp>
             <p:nvSpPr>
               <p:cNvPr id="94" name="テキスト ボックス 93"/>
